--- a/docs/161021_golang_csharp.pptx
+++ b/docs/161021_golang_csharp.pptx
@@ -5,48 +5,47 @@
     <p:sldMasterId id="2147483648" r:id="rId1"/>
   </p:sldMasterIdLst>
   <p:notesMasterIdLst>
-    <p:notesMasterId r:id="rId41"/>
+    <p:notesMasterId r:id="rId40"/>
   </p:notesMasterIdLst>
   <p:sldIdLst>
     <p:sldId id="256" r:id="rId2"/>
-    <p:sldId id="257" r:id="rId3"/>
-    <p:sldId id="258" r:id="rId4"/>
-    <p:sldId id="262" r:id="rId5"/>
-    <p:sldId id="265" r:id="rId6"/>
-    <p:sldId id="290" r:id="rId7"/>
-    <p:sldId id="289" r:id="rId8"/>
-    <p:sldId id="295" r:id="rId9"/>
-    <p:sldId id="296" r:id="rId10"/>
-    <p:sldId id="300" r:id="rId11"/>
-    <p:sldId id="293" r:id="rId12"/>
-    <p:sldId id="297" r:id="rId13"/>
-    <p:sldId id="294" r:id="rId14"/>
-    <p:sldId id="298" r:id="rId15"/>
-    <p:sldId id="301" r:id="rId16"/>
-    <p:sldId id="266" r:id="rId17"/>
-    <p:sldId id="267" r:id="rId18"/>
-    <p:sldId id="268" r:id="rId19"/>
-    <p:sldId id="269" r:id="rId20"/>
-    <p:sldId id="270" r:id="rId21"/>
-    <p:sldId id="271" r:id="rId22"/>
-    <p:sldId id="272" r:id="rId23"/>
-    <p:sldId id="273" r:id="rId24"/>
-    <p:sldId id="274" r:id="rId25"/>
-    <p:sldId id="275" r:id="rId26"/>
-    <p:sldId id="276" r:id="rId27"/>
-    <p:sldId id="277" r:id="rId28"/>
-    <p:sldId id="278" r:id="rId29"/>
-    <p:sldId id="279" r:id="rId30"/>
-    <p:sldId id="280" r:id="rId31"/>
-    <p:sldId id="281" r:id="rId32"/>
-    <p:sldId id="282" r:id="rId33"/>
-    <p:sldId id="283" r:id="rId34"/>
-    <p:sldId id="288" r:id="rId35"/>
-    <p:sldId id="284" r:id="rId36"/>
-    <p:sldId id="285" r:id="rId37"/>
-    <p:sldId id="286" r:id="rId38"/>
-    <p:sldId id="287" r:id="rId39"/>
-    <p:sldId id="299" r:id="rId40"/>
+    <p:sldId id="258" r:id="rId3"/>
+    <p:sldId id="262" r:id="rId4"/>
+    <p:sldId id="265" r:id="rId5"/>
+    <p:sldId id="290" r:id="rId6"/>
+    <p:sldId id="289" r:id="rId7"/>
+    <p:sldId id="295" r:id="rId8"/>
+    <p:sldId id="296" r:id="rId9"/>
+    <p:sldId id="300" r:id="rId10"/>
+    <p:sldId id="293" r:id="rId11"/>
+    <p:sldId id="297" r:id="rId12"/>
+    <p:sldId id="294" r:id="rId13"/>
+    <p:sldId id="298" r:id="rId14"/>
+    <p:sldId id="301" r:id="rId15"/>
+    <p:sldId id="266" r:id="rId16"/>
+    <p:sldId id="267" r:id="rId17"/>
+    <p:sldId id="268" r:id="rId18"/>
+    <p:sldId id="269" r:id="rId19"/>
+    <p:sldId id="270" r:id="rId20"/>
+    <p:sldId id="271" r:id="rId21"/>
+    <p:sldId id="272" r:id="rId22"/>
+    <p:sldId id="273" r:id="rId23"/>
+    <p:sldId id="274" r:id="rId24"/>
+    <p:sldId id="275" r:id="rId25"/>
+    <p:sldId id="276" r:id="rId26"/>
+    <p:sldId id="277" r:id="rId27"/>
+    <p:sldId id="278" r:id="rId28"/>
+    <p:sldId id="279" r:id="rId29"/>
+    <p:sldId id="280" r:id="rId30"/>
+    <p:sldId id="281" r:id="rId31"/>
+    <p:sldId id="282" r:id="rId32"/>
+    <p:sldId id="283" r:id="rId33"/>
+    <p:sldId id="288" r:id="rId34"/>
+    <p:sldId id="284" r:id="rId35"/>
+    <p:sldId id="285" r:id="rId36"/>
+    <p:sldId id="286" r:id="rId37"/>
+    <p:sldId id="287" r:id="rId38"/>
+    <p:sldId id="299" r:id="rId39"/>
   </p:sldIdLst>
   <p:sldSz cx="13004800" cy="9753600"/>
   <p:notesSz cx="6858000" cy="9144000"/>
@@ -1681,140 +1680,6 @@
 
 <file path=ppt/slideLayouts/slideLayout16.xml><?xml version="1.0" encoding="utf-8"?>
 <p:sldLayout xmlns:a="http://schemas.openxmlformats.org/drawingml/2006/main" xmlns:r="http://schemas.openxmlformats.org/officeDocument/2006/relationships" xmlns:p="http://schemas.openxmlformats.org/presentationml/2006/main" type="tx">
-  <p:cSld name="Purple White Heading &amp; Body">
-    <p:spTree>
-      <p:nvGrpSpPr>
-        <p:cNvPr id="1" name=""/>
-        <p:cNvGrpSpPr/>
-        <p:nvPr/>
-      </p:nvGrpSpPr>
-      <p:grpSpPr>
-        <a:xfrm>
-          <a:off x="0" y="0"/>
-          <a:ext cx="0" cy="0"/>
-          <a:chOff x="0" y="0"/>
-          <a:chExt cx="0" cy="0"/>
-        </a:xfrm>
-      </p:grpSpPr>
-      <p:sp>
-        <p:nvSpPr>
-          <p:cNvPr id="140" name="Shape 140"/>
-          <p:cNvSpPr>
-            <a:spLocks noGrp="1"/>
-          </p:cNvSpPr>
-          <p:nvPr>
-            <p:ph type="title"/>
-          </p:nvPr>
-        </p:nvSpPr>
-        <p:spPr>
-          <a:prstGeom prst="rect">
-            <a:avLst/>
-          </a:prstGeom>
-        </p:spPr>
-        <p:txBody>
-          <a:bodyPr/>
-          <a:lstStyle>
-            <a:lvl1pPr>
-              <a:defRPr>
-                <a:solidFill>
-                  <a:srgbClr val="B967C7"/>
-                </a:solidFill>
-              </a:defRPr>
-            </a:lvl1pPr>
-          </a:lstStyle>
-          <a:p>
-            <a:r>
-              <a:t>タイトルテキスト</a:t>
-            </a:r>
-          </a:p>
-        </p:txBody>
-      </p:sp>
-      <p:sp>
-        <p:nvSpPr>
-          <p:cNvPr id="141" name="Shape 141"/>
-          <p:cNvSpPr>
-            <a:spLocks noGrp="1"/>
-          </p:cNvSpPr>
-          <p:nvPr>
-            <p:ph type="body" idx="1"/>
-          </p:nvPr>
-        </p:nvSpPr>
-        <p:spPr>
-          <a:prstGeom prst="rect">
-            <a:avLst/>
-          </a:prstGeom>
-        </p:spPr>
-        <p:txBody>
-          <a:bodyPr/>
-          <a:lstStyle/>
-          <a:p>
-            <a:r>
-              <a:t>本文レベル1</a:t>
-            </a:r>
-          </a:p>
-          <a:p>
-            <a:pPr lvl="1"/>
-            <a:r>
-              <a:t>本文レベル2</a:t>
-            </a:r>
-          </a:p>
-          <a:p>
-            <a:pPr lvl="2"/>
-            <a:r>
-              <a:t>本文レベル3</a:t>
-            </a:r>
-          </a:p>
-          <a:p>
-            <a:pPr lvl="3"/>
-            <a:r>
-              <a:t>本文レベル4</a:t>
-            </a:r>
-          </a:p>
-          <a:p>
-            <a:pPr lvl="4"/>
-            <a:r>
-              <a:t>本文レベル 5</a:t>
-            </a:r>
-          </a:p>
-        </p:txBody>
-      </p:sp>
-      <p:sp>
-        <p:nvSpPr>
-          <p:cNvPr id="142" name="Shape 142"/>
-          <p:cNvSpPr>
-            <a:spLocks noGrp="1"/>
-          </p:cNvSpPr>
-          <p:nvPr>
-            <p:ph type="sldNum" sz="quarter" idx="2"/>
-          </p:nvPr>
-        </p:nvSpPr>
-        <p:spPr>
-          <a:prstGeom prst="rect">
-            <a:avLst/>
-          </a:prstGeom>
-        </p:spPr>
-        <p:txBody>
-          <a:bodyPr/>
-          <a:lstStyle/>
-          <a:p>
-            <a:fld id="{86CB4B4D-7CA3-9044-876B-883B54F8677D}" type="slidenum">
-              <a:t>‹#›</a:t>
-            </a:fld>
-            <a:endParaRPr/>
-          </a:p>
-        </p:txBody>
-      </p:sp>
-    </p:spTree>
-  </p:cSld>
-  <p:clrMapOvr>
-    <a:masterClrMapping/>
-  </p:clrMapOvr>
-  <p:transition spd="med"/>
-</p:sldLayout>
-</file>
-
-<file path=ppt/slideLayouts/slideLayout17.xml><?xml version="1.0" encoding="utf-8"?>
-<p:sldLayout xmlns:a="http://schemas.openxmlformats.org/drawingml/2006/main" xmlns:r="http://schemas.openxmlformats.org/officeDocument/2006/relationships" xmlns:p="http://schemas.openxmlformats.org/presentationml/2006/main" type="tx">
   <p:cSld name="Purple Heading &amp; Body">
     <p:bg>
       <p:bgPr>
@@ -1991,7 +1856,7 @@
 </p:sldLayout>
 </file>
 
-<file path=ppt/slideLayouts/slideLayout18.xml><?xml version="1.0" encoding="utf-8"?>
+<file path=ppt/slideLayouts/slideLayout17.xml><?xml version="1.0" encoding="utf-8"?>
 <p:sldLayout xmlns:a="http://schemas.openxmlformats.org/drawingml/2006/main" xmlns:r="http://schemas.openxmlformats.org/officeDocument/2006/relationships" xmlns:p="http://schemas.openxmlformats.org/presentationml/2006/main" type="tx">
   <p:cSld name="Blue Title">
     <p:bg>
@@ -2202,7 +2067,7 @@
 </p:sldLayout>
 </file>
 
-<file path=ppt/slideLayouts/slideLayout19.xml><?xml version="1.0" encoding="utf-8"?>
+<file path=ppt/slideLayouts/slideLayout18.xml><?xml version="1.0" encoding="utf-8"?>
 <p:sldLayout xmlns:a="http://schemas.openxmlformats.org/drawingml/2006/main" xmlns:r="http://schemas.openxmlformats.org/officeDocument/2006/relationships" xmlns:p="http://schemas.openxmlformats.org/presentationml/2006/main" type="tx">
   <p:cSld name="Blue Heading">
     <p:bg>
@@ -2267,6 +2132,140 @@
       <p:sp>
         <p:nvSpPr>
           <p:cNvPr id="168" name="Shape 168"/>
+          <p:cNvSpPr>
+            <a:spLocks noGrp="1"/>
+          </p:cNvSpPr>
+          <p:nvPr>
+            <p:ph type="sldNum" sz="quarter" idx="2"/>
+          </p:nvPr>
+        </p:nvSpPr>
+        <p:spPr>
+          <a:prstGeom prst="rect">
+            <a:avLst/>
+          </a:prstGeom>
+        </p:spPr>
+        <p:txBody>
+          <a:bodyPr/>
+          <a:lstStyle/>
+          <a:p>
+            <a:fld id="{86CB4B4D-7CA3-9044-876B-883B54F8677D}" type="slidenum">
+              <a:t>‹#›</a:t>
+            </a:fld>
+            <a:endParaRPr/>
+          </a:p>
+        </p:txBody>
+      </p:sp>
+    </p:spTree>
+  </p:cSld>
+  <p:clrMapOvr>
+    <a:masterClrMapping/>
+  </p:clrMapOvr>
+  <p:transition spd="med"/>
+</p:sldLayout>
+</file>
+
+<file path=ppt/slideLayouts/slideLayout19.xml><?xml version="1.0" encoding="utf-8"?>
+<p:sldLayout xmlns:a="http://schemas.openxmlformats.org/drawingml/2006/main" xmlns:r="http://schemas.openxmlformats.org/officeDocument/2006/relationships" xmlns:p="http://schemas.openxmlformats.org/presentationml/2006/main" type="tx">
+  <p:cSld name="Blue White Heading &amp; Body">
+    <p:spTree>
+      <p:nvGrpSpPr>
+        <p:cNvPr id="1" name=""/>
+        <p:cNvGrpSpPr/>
+        <p:nvPr/>
+      </p:nvGrpSpPr>
+      <p:grpSpPr>
+        <a:xfrm>
+          <a:off x="0" y="0"/>
+          <a:ext cx="0" cy="0"/>
+          <a:chOff x="0" y="0"/>
+          <a:chExt cx="0" cy="0"/>
+        </a:xfrm>
+      </p:grpSpPr>
+      <p:sp>
+        <p:nvSpPr>
+          <p:cNvPr id="183" name="Shape 183"/>
+          <p:cNvSpPr>
+            <a:spLocks noGrp="1"/>
+          </p:cNvSpPr>
+          <p:nvPr>
+            <p:ph type="title"/>
+          </p:nvPr>
+        </p:nvSpPr>
+        <p:spPr>
+          <a:prstGeom prst="rect">
+            <a:avLst/>
+          </a:prstGeom>
+        </p:spPr>
+        <p:txBody>
+          <a:bodyPr/>
+          <a:lstStyle>
+            <a:lvl1pPr>
+              <a:defRPr>
+                <a:solidFill>
+                  <a:srgbClr val="02A8F3"/>
+                </a:solidFill>
+              </a:defRPr>
+            </a:lvl1pPr>
+          </a:lstStyle>
+          <a:p>
+            <a:r>
+              <a:t>タイトルテキスト</a:t>
+            </a:r>
+          </a:p>
+        </p:txBody>
+      </p:sp>
+      <p:sp>
+        <p:nvSpPr>
+          <p:cNvPr id="184" name="Shape 184"/>
+          <p:cNvSpPr>
+            <a:spLocks noGrp="1"/>
+          </p:cNvSpPr>
+          <p:nvPr>
+            <p:ph type="body" idx="1"/>
+          </p:nvPr>
+        </p:nvSpPr>
+        <p:spPr>
+          <a:prstGeom prst="rect">
+            <a:avLst/>
+          </a:prstGeom>
+        </p:spPr>
+        <p:txBody>
+          <a:bodyPr/>
+          <a:lstStyle/>
+          <a:p>
+            <a:r>
+              <a:t>本文レベル1</a:t>
+            </a:r>
+          </a:p>
+          <a:p>
+            <a:pPr lvl="1"/>
+            <a:r>
+              <a:t>本文レベル2</a:t>
+            </a:r>
+          </a:p>
+          <a:p>
+            <a:pPr lvl="2"/>
+            <a:r>
+              <a:t>本文レベル3</a:t>
+            </a:r>
+          </a:p>
+          <a:p>
+            <a:pPr lvl="3"/>
+            <a:r>
+              <a:t>本文レベル4</a:t>
+            </a:r>
+          </a:p>
+          <a:p>
+            <a:pPr lvl="4"/>
+            <a:r>
+              <a:t>本文レベル 5</a:t>
+            </a:r>
+          </a:p>
+        </p:txBody>
+      </p:sp>
+      <p:sp>
+        <p:nvSpPr>
+          <p:cNvPr id="185" name="Shape 185"/>
           <p:cNvSpPr>
             <a:spLocks noGrp="1"/>
           </p:cNvSpPr>
@@ -2398,140 +2397,6 @@
 
 <file path=ppt/slideLayouts/slideLayout20.xml><?xml version="1.0" encoding="utf-8"?>
 <p:sldLayout xmlns:a="http://schemas.openxmlformats.org/drawingml/2006/main" xmlns:r="http://schemas.openxmlformats.org/officeDocument/2006/relationships" xmlns:p="http://schemas.openxmlformats.org/presentationml/2006/main" type="tx">
-  <p:cSld name="Blue White Heading &amp; Body">
-    <p:spTree>
-      <p:nvGrpSpPr>
-        <p:cNvPr id="1" name=""/>
-        <p:cNvGrpSpPr/>
-        <p:nvPr/>
-      </p:nvGrpSpPr>
-      <p:grpSpPr>
-        <a:xfrm>
-          <a:off x="0" y="0"/>
-          <a:ext cx="0" cy="0"/>
-          <a:chOff x="0" y="0"/>
-          <a:chExt cx="0" cy="0"/>
-        </a:xfrm>
-      </p:grpSpPr>
-      <p:sp>
-        <p:nvSpPr>
-          <p:cNvPr id="183" name="Shape 183"/>
-          <p:cNvSpPr>
-            <a:spLocks noGrp="1"/>
-          </p:cNvSpPr>
-          <p:nvPr>
-            <p:ph type="title"/>
-          </p:nvPr>
-        </p:nvSpPr>
-        <p:spPr>
-          <a:prstGeom prst="rect">
-            <a:avLst/>
-          </a:prstGeom>
-        </p:spPr>
-        <p:txBody>
-          <a:bodyPr/>
-          <a:lstStyle>
-            <a:lvl1pPr>
-              <a:defRPr>
-                <a:solidFill>
-                  <a:srgbClr val="02A8F3"/>
-                </a:solidFill>
-              </a:defRPr>
-            </a:lvl1pPr>
-          </a:lstStyle>
-          <a:p>
-            <a:r>
-              <a:t>タイトルテキスト</a:t>
-            </a:r>
-          </a:p>
-        </p:txBody>
-      </p:sp>
-      <p:sp>
-        <p:nvSpPr>
-          <p:cNvPr id="184" name="Shape 184"/>
-          <p:cNvSpPr>
-            <a:spLocks noGrp="1"/>
-          </p:cNvSpPr>
-          <p:nvPr>
-            <p:ph type="body" idx="1"/>
-          </p:nvPr>
-        </p:nvSpPr>
-        <p:spPr>
-          <a:prstGeom prst="rect">
-            <a:avLst/>
-          </a:prstGeom>
-        </p:spPr>
-        <p:txBody>
-          <a:bodyPr/>
-          <a:lstStyle/>
-          <a:p>
-            <a:r>
-              <a:t>本文レベル1</a:t>
-            </a:r>
-          </a:p>
-          <a:p>
-            <a:pPr lvl="1"/>
-            <a:r>
-              <a:t>本文レベル2</a:t>
-            </a:r>
-          </a:p>
-          <a:p>
-            <a:pPr lvl="2"/>
-            <a:r>
-              <a:t>本文レベル3</a:t>
-            </a:r>
-          </a:p>
-          <a:p>
-            <a:pPr lvl="3"/>
-            <a:r>
-              <a:t>本文レベル4</a:t>
-            </a:r>
-          </a:p>
-          <a:p>
-            <a:pPr lvl="4"/>
-            <a:r>
-              <a:t>本文レベル 5</a:t>
-            </a:r>
-          </a:p>
-        </p:txBody>
-      </p:sp>
-      <p:sp>
-        <p:nvSpPr>
-          <p:cNvPr id="185" name="Shape 185"/>
-          <p:cNvSpPr>
-            <a:spLocks noGrp="1"/>
-          </p:cNvSpPr>
-          <p:nvPr>
-            <p:ph type="sldNum" sz="quarter" idx="2"/>
-          </p:nvPr>
-        </p:nvSpPr>
-        <p:spPr>
-          <a:prstGeom prst="rect">
-            <a:avLst/>
-          </a:prstGeom>
-        </p:spPr>
-        <p:txBody>
-          <a:bodyPr/>
-          <a:lstStyle/>
-          <a:p>
-            <a:fld id="{86CB4B4D-7CA3-9044-876B-883B54F8677D}" type="slidenum">
-              <a:t>‹#›</a:t>
-            </a:fld>
-            <a:endParaRPr/>
-          </a:p>
-        </p:txBody>
-      </p:sp>
-    </p:spTree>
-  </p:cSld>
-  <p:clrMapOvr>
-    <a:masterClrMapping/>
-  </p:clrMapOvr>
-  <p:transition spd="med"/>
-</p:sldLayout>
-</file>
-
-<file path=ppt/slideLayouts/slideLayout21.xml><?xml version="1.0" encoding="utf-8"?>
-<p:sldLayout xmlns:a="http://schemas.openxmlformats.org/drawingml/2006/main" xmlns:r="http://schemas.openxmlformats.org/officeDocument/2006/relationships" xmlns:p="http://schemas.openxmlformats.org/presentationml/2006/main" type="tx">
   <p:cSld name="Blue Heading &amp; Body">
     <p:bg>
       <p:bgPr>
@@ -2708,7 +2573,7 @@
 </p:sldLayout>
 </file>
 
-<file path=ppt/slideLayouts/slideLayout22.xml><?xml version="1.0" encoding="utf-8"?>
+<file path=ppt/slideLayouts/slideLayout21.xml><?xml version="1.0" encoding="utf-8"?>
 <p:sldLayout xmlns:a="http://schemas.openxmlformats.org/drawingml/2006/main" xmlns:r="http://schemas.openxmlformats.org/officeDocument/2006/relationships" xmlns:p="http://schemas.openxmlformats.org/presentationml/2006/main" type="tx">
   <p:cSld name="Cyan Title">
     <p:bg>
@@ -2919,7 +2784,7 @@
 </p:sldLayout>
 </file>
 
-<file path=ppt/slideLayouts/slideLayout23.xml><?xml version="1.0" encoding="utf-8"?>
+<file path=ppt/slideLayouts/slideLayout22.xml><?xml version="1.0" encoding="utf-8"?>
 <p:sldLayout xmlns:a="http://schemas.openxmlformats.org/drawingml/2006/main" xmlns:r="http://schemas.openxmlformats.org/officeDocument/2006/relationships" xmlns:p="http://schemas.openxmlformats.org/presentationml/2006/main" type="tx">
   <p:cSld name="Cyan Heading">
     <p:bg>
@@ -3016,7 +2881,7 @@
 </p:sldLayout>
 </file>
 
-<file path=ppt/slideLayouts/slideLayout24.xml><?xml version="1.0" encoding="utf-8"?>
+<file path=ppt/slideLayouts/slideLayout23.xml><?xml version="1.0" encoding="utf-8"?>
 <p:sldLayout xmlns:a="http://schemas.openxmlformats.org/drawingml/2006/main" xmlns:r="http://schemas.openxmlformats.org/officeDocument/2006/relationships" xmlns:p="http://schemas.openxmlformats.org/presentationml/2006/main" type="tx">
   <p:cSld name="Cyan White Heading">
     <p:bg>
@@ -3113,7 +2978,7 @@
 </p:sldLayout>
 </file>
 
-<file path=ppt/slideLayouts/slideLayout25.xml><?xml version="1.0" encoding="utf-8"?>
+<file path=ppt/slideLayouts/slideLayout24.xml><?xml version="1.0" encoding="utf-8"?>
 <p:sldLayout xmlns:a="http://schemas.openxmlformats.org/drawingml/2006/main" xmlns:r="http://schemas.openxmlformats.org/officeDocument/2006/relationships" xmlns:p="http://schemas.openxmlformats.org/presentationml/2006/main" type="tx">
   <p:cSld name="Cyan White Heading &amp; Body">
     <p:spTree>
@@ -3247,7 +3112,7 @@
 </p:sldLayout>
 </file>
 
-<file path=ppt/slideLayouts/slideLayout26.xml><?xml version="1.0" encoding="utf-8"?>
+<file path=ppt/slideLayouts/slideLayout25.xml><?xml version="1.0" encoding="utf-8"?>
 <p:sldLayout xmlns:a="http://schemas.openxmlformats.org/drawingml/2006/main" xmlns:r="http://schemas.openxmlformats.org/officeDocument/2006/relationships" xmlns:p="http://schemas.openxmlformats.org/presentationml/2006/main" type="tx">
   <p:cSld name="Cyan Heading &amp; Body">
     <p:bg>
@@ -3425,7 +3290,7 @@
 </p:sldLayout>
 </file>
 
-<file path=ppt/slideLayouts/slideLayout27.xml><?xml version="1.0" encoding="utf-8"?>
+<file path=ppt/slideLayouts/slideLayout26.xml><?xml version="1.0" encoding="utf-8"?>
 <p:sldLayout xmlns:a="http://schemas.openxmlformats.org/drawingml/2006/main" xmlns:r="http://schemas.openxmlformats.org/officeDocument/2006/relationships" xmlns:p="http://schemas.openxmlformats.org/presentationml/2006/main" type="tx">
   <p:cSld name="Yellow Title">
     <p:bg>
@@ -3636,7 +3501,7 @@
 </p:sldLayout>
 </file>
 
-<file path=ppt/slideLayouts/slideLayout28.xml><?xml version="1.0" encoding="utf-8"?>
+<file path=ppt/slideLayouts/slideLayout27.xml><?xml version="1.0" encoding="utf-8"?>
 <p:sldLayout xmlns:a="http://schemas.openxmlformats.org/drawingml/2006/main" xmlns:r="http://schemas.openxmlformats.org/officeDocument/2006/relationships" xmlns:p="http://schemas.openxmlformats.org/presentationml/2006/main" type="tx">
   <p:cSld name="Yellow Heading">
     <p:bg>
@@ -3733,7 +3598,7 @@
 </p:sldLayout>
 </file>
 
-<file path=ppt/slideLayouts/slideLayout29.xml><?xml version="1.0" encoding="utf-8"?>
+<file path=ppt/slideLayouts/slideLayout28.xml><?xml version="1.0" encoding="utf-8"?>
 <p:sldLayout xmlns:a="http://schemas.openxmlformats.org/drawingml/2006/main" xmlns:r="http://schemas.openxmlformats.org/officeDocument/2006/relationships" xmlns:p="http://schemas.openxmlformats.org/presentationml/2006/main" type="tx">
   <p:cSld name="Yellow White Heading">
     <p:bg>
@@ -3798,6 +3663,140 @@
       <p:sp>
         <p:nvSpPr>
           <p:cNvPr id="262" name="Shape 262"/>
+          <p:cNvSpPr>
+            <a:spLocks noGrp="1"/>
+          </p:cNvSpPr>
+          <p:nvPr>
+            <p:ph type="sldNum" sz="quarter" idx="2"/>
+          </p:nvPr>
+        </p:nvSpPr>
+        <p:spPr>
+          <a:prstGeom prst="rect">
+            <a:avLst/>
+          </a:prstGeom>
+        </p:spPr>
+        <p:txBody>
+          <a:bodyPr/>
+          <a:lstStyle/>
+          <a:p>
+            <a:fld id="{86CB4B4D-7CA3-9044-876B-883B54F8677D}" type="slidenum">
+              <a:t>‹#›</a:t>
+            </a:fld>
+            <a:endParaRPr/>
+          </a:p>
+        </p:txBody>
+      </p:sp>
+    </p:spTree>
+  </p:cSld>
+  <p:clrMapOvr>
+    <a:masterClrMapping/>
+  </p:clrMapOvr>
+  <p:transition spd="med"/>
+</p:sldLayout>
+</file>
+
+<file path=ppt/slideLayouts/slideLayout29.xml><?xml version="1.0" encoding="utf-8"?>
+<p:sldLayout xmlns:a="http://schemas.openxmlformats.org/drawingml/2006/main" xmlns:r="http://schemas.openxmlformats.org/officeDocument/2006/relationships" xmlns:p="http://schemas.openxmlformats.org/presentationml/2006/main" type="tx">
+  <p:cSld name="Yellow White Heading &amp; Body">
+    <p:spTree>
+      <p:nvGrpSpPr>
+        <p:cNvPr id="1" name=""/>
+        <p:cNvGrpSpPr/>
+        <p:nvPr/>
+      </p:nvGrpSpPr>
+      <p:grpSpPr>
+        <a:xfrm>
+          <a:off x="0" y="0"/>
+          <a:ext cx="0" cy="0"/>
+          <a:chOff x="0" y="0"/>
+          <a:chExt cx="0" cy="0"/>
+        </a:xfrm>
+      </p:grpSpPr>
+      <p:sp>
+        <p:nvSpPr>
+          <p:cNvPr id="269" name="Shape 269"/>
+          <p:cNvSpPr>
+            <a:spLocks noGrp="1"/>
+          </p:cNvSpPr>
+          <p:nvPr>
+            <p:ph type="title"/>
+          </p:nvPr>
+        </p:nvSpPr>
+        <p:spPr>
+          <a:prstGeom prst="rect">
+            <a:avLst/>
+          </a:prstGeom>
+        </p:spPr>
+        <p:txBody>
+          <a:bodyPr/>
+          <a:lstStyle>
+            <a:lvl1pPr>
+              <a:defRPr>
+                <a:solidFill>
+                  <a:srgbClr val="FF9000"/>
+                </a:solidFill>
+              </a:defRPr>
+            </a:lvl1pPr>
+          </a:lstStyle>
+          <a:p>
+            <a:r>
+              <a:t>タイトルテキスト</a:t>
+            </a:r>
+          </a:p>
+        </p:txBody>
+      </p:sp>
+      <p:sp>
+        <p:nvSpPr>
+          <p:cNvPr id="270" name="Shape 270"/>
+          <p:cNvSpPr>
+            <a:spLocks noGrp="1"/>
+          </p:cNvSpPr>
+          <p:nvPr>
+            <p:ph type="body" idx="1"/>
+          </p:nvPr>
+        </p:nvSpPr>
+        <p:spPr>
+          <a:prstGeom prst="rect">
+            <a:avLst/>
+          </a:prstGeom>
+        </p:spPr>
+        <p:txBody>
+          <a:bodyPr/>
+          <a:lstStyle/>
+          <a:p>
+            <a:r>
+              <a:t>本文レベル1</a:t>
+            </a:r>
+          </a:p>
+          <a:p>
+            <a:pPr lvl="1"/>
+            <a:r>
+              <a:t>本文レベル2</a:t>
+            </a:r>
+          </a:p>
+          <a:p>
+            <a:pPr lvl="2"/>
+            <a:r>
+              <a:t>本文レベル3</a:t>
+            </a:r>
+          </a:p>
+          <a:p>
+            <a:pPr lvl="3"/>
+            <a:r>
+              <a:t>本文レベル4</a:t>
+            </a:r>
+          </a:p>
+          <a:p>
+            <a:pPr lvl="4"/>
+            <a:r>
+              <a:t>本文レベル 5</a:t>
+            </a:r>
+          </a:p>
+        </p:txBody>
+      </p:sp>
+      <p:sp>
+        <p:nvSpPr>
+          <p:cNvPr id="271" name="Shape 271"/>
           <p:cNvSpPr>
             <a:spLocks noGrp="1"/>
           </p:cNvSpPr>
@@ -3923,140 +3922,6 @@
 
 <file path=ppt/slideLayouts/slideLayout30.xml><?xml version="1.0" encoding="utf-8"?>
 <p:sldLayout xmlns:a="http://schemas.openxmlformats.org/drawingml/2006/main" xmlns:r="http://schemas.openxmlformats.org/officeDocument/2006/relationships" xmlns:p="http://schemas.openxmlformats.org/presentationml/2006/main" type="tx">
-  <p:cSld name="Yellow White Heading &amp; Body">
-    <p:spTree>
-      <p:nvGrpSpPr>
-        <p:cNvPr id="1" name=""/>
-        <p:cNvGrpSpPr/>
-        <p:nvPr/>
-      </p:nvGrpSpPr>
-      <p:grpSpPr>
-        <a:xfrm>
-          <a:off x="0" y="0"/>
-          <a:ext cx="0" cy="0"/>
-          <a:chOff x="0" y="0"/>
-          <a:chExt cx="0" cy="0"/>
-        </a:xfrm>
-      </p:grpSpPr>
-      <p:sp>
-        <p:nvSpPr>
-          <p:cNvPr id="269" name="Shape 269"/>
-          <p:cNvSpPr>
-            <a:spLocks noGrp="1"/>
-          </p:cNvSpPr>
-          <p:nvPr>
-            <p:ph type="title"/>
-          </p:nvPr>
-        </p:nvSpPr>
-        <p:spPr>
-          <a:prstGeom prst="rect">
-            <a:avLst/>
-          </a:prstGeom>
-        </p:spPr>
-        <p:txBody>
-          <a:bodyPr/>
-          <a:lstStyle>
-            <a:lvl1pPr>
-              <a:defRPr>
-                <a:solidFill>
-                  <a:srgbClr val="FF9000"/>
-                </a:solidFill>
-              </a:defRPr>
-            </a:lvl1pPr>
-          </a:lstStyle>
-          <a:p>
-            <a:r>
-              <a:t>タイトルテキスト</a:t>
-            </a:r>
-          </a:p>
-        </p:txBody>
-      </p:sp>
-      <p:sp>
-        <p:nvSpPr>
-          <p:cNvPr id="270" name="Shape 270"/>
-          <p:cNvSpPr>
-            <a:spLocks noGrp="1"/>
-          </p:cNvSpPr>
-          <p:nvPr>
-            <p:ph type="body" idx="1"/>
-          </p:nvPr>
-        </p:nvSpPr>
-        <p:spPr>
-          <a:prstGeom prst="rect">
-            <a:avLst/>
-          </a:prstGeom>
-        </p:spPr>
-        <p:txBody>
-          <a:bodyPr/>
-          <a:lstStyle/>
-          <a:p>
-            <a:r>
-              <a:t>本文レベル1</a:t>
-            </a:r>
-          </a:p>
-          <a:p>
-            <a:pPr lvl="1"/>
-            <a:r>
-              <a:t>本文レベル2</a:t>
-            </a:r>
-          </a:p>
-          <a:p>
-            <a:pPr lvl="2"/>
-            <a:r>
-              <a:t>本文レベル3</a:t>
-            </a:r>
-          </a:p>
-          <a:p>
-            <a:pPr lvl="3"/>
-            <a:r>
-              <a:t>本文レベル4</a:t>
-            </a:r>
-          </a:p>
-          <a:p>
-            <a:pPr lvl="4"/>
-            <a:r>
-              <a:t>本文レベル 5</a:t>
-            </a:r>
-          </a:p>
-        </p:txBody>
-      </p:sp>
-      <p:sp>
-        <p:nvSpPr>
-          <p:cNvPr id="271" name="Shape 271"/>
-          <p:cNvSpPr>
-            <a:spLocks noGrp="1"/>
-          </p:cNvSpPr>
-          <p:nvPr>
-            <p:ph type="sldNum" sz="quarter" idx="2"/>
-          </p:nvPr>
-        </p:nvSpPr>
-        <p:spPr>
-          <a:prstGeom prst="rect">
-            <a:avLst/>
-          </a:prstGeom>
-        </p:spPr>
-        <p:txBody>
-          <a:bodyPr/>
-          <a:lstStyle/>
-          <a:p>
-            <a:fld id="{86CB4B4D-7CA3-9044-876B-883B54F8677D}" type="slidenum">
-              <a:t>‹#›</a:t>
-            </a:fld>
-            <a:endParaRPr/>
-          </a:p>
-        </p:txBody>
-      </p:sp>
-    </p:spTree>
-  </p:cSld>
-  <p:clrMapOvr>
-    <a:masterClrMapping/>
-  </p:clrMapOvr>
-  <p:transition spd="med"/>
-</p:sldLayout>
-</file>
-
-<file path=ppt/slideLayouts/slideLayout31.xml><?xml version="1.0" encoding="utf-8"?>
-<p:sldLayout xmlns:a="http://schemas.openxmlformats.org/drawingml/2006/main" xmlns:r="http://schemas.openxmlformats.org/officeDocument/2006/relationships" xmlns:p="http://schemas.openxmlformats.org/presentationml/2006/main" type="tx">
   <p:cSld name="Yellow Heading &amp; Body">
     <p:bg>
       <p:bgPr>
@@ -4233,7 +4098,7 @@
 </p:sldLayout>
 </file>
 
-<file path=ppt/slideLayouts/slideLayout32.xml><?xml version="1.0" encoding="utf-8"?>
+<file path=ppt/slideLayouts/slideLayout31.xml><?xml version="1.0" encoding="utf-8"?>
 <p:sldLayout xmlns:a="http://schemas.openxmlformats.org/drawingml/2006/main" xmlns:r="http://schemas.openxmlformats.org/officeDocument/2006/relationships" xmlns:p="http://schemas.openxmlformats.org/presentationml/2006/main" type="tx">
   <p:cSld name="Pink Title">
     <p:bg>
@@ -4444,7 +4309,7 @@
 </p:sldLayout>
 </file>
 
-<file path=ppt/slideLayouts/slideLayout33.xml><?xml version="1.0" encoding="utf-8"?>
+<file path=ppt/slideLayouts/slideLayout32.xml><?xml version="1.0" encoding="utf-8"?>
 <p:sldLayout xmlns:a="http://schemas.openxmlformats.org/drawingml/2006/main" xmlns:r="http://schemas.openxmlformats.org/officeDocument/2006/relationships" xmlns:p="http://schemas.openxmlformats.org/presentationml/2006/main" type="tx">
   <p:cSld name="Pink Heading">
     <p:bg>
@@ -4541,7 +4406,7 @@
 </p:sldLayout>
 </file>
 
-<file path=ppt/slideLayouts/slideLayout34.xml><?xml version="1.0" encoding="utf-8"?>
+<file path=ppt/slideLayouts/slideLayout33.xml><?xml version="1.0" encoding="utf-8"?>
 <p:sldLayout xmlns:a="http://schemas.openxmlformats.org/drawingml/2006/main" xmlns:r="http://schemas.openxmlformats.org/officeDocument/2006/relationships" xmlns:p="http://schemas.openxmlformats.org/presentationml/2006/main" type="tx">
   <p:cSld name="Pink White Heading">
     <p:bg>
@@ -4638,7 +4503,7 @@
 </p:sldLayout>
 </file>
 
-<file path=ppt/slideLayouts/slideLayout35.xml><?xml version="1.0" encoding="utf-8"?>
+<file path=ppt/slideLayouts/slideLayout34.xml><?xml version="1.0" encoding="utf-8"?>
 <p:sldLayout xmlns:a="http://schemas.openxmlformats.org/drawingml/2006/main" xmlns:r="http://schemas.openxmlformats.org/officeDocument/2006/relationships" xmlns:p="http://schemas.openxmlformats.org/presentationml/2006/main" type="tx">
   <p:cSld name="Pink White Heading &amp; Body">
     <p:spTree>
@@ -4772,7 +4637,7 @@
 </p:sldLayout>
 </file>
 
-<file path=ppt/slideLayouts/slideLayout36.xml><?xml version="1.0" encoding="utf-8"?>
+<file path=ppt/slideLayouts/slideLayout35.xml><?xml version="1.0" encoding="utf-8"?>
 <p:sldLayout xmlns:a="http://schemas.openxmlformats.org/drawingml/2006/main" xmlns:r="http://schemas.openxmlformats.org/officeDocument/2006/relationships" xmlns:p="http://schemas.openxmlformats.org/presentationml/2006/main" type="tx">
   <p:cSld name="Pink Heading &amp; Body">
     <p:bg>
@@ -4950,7 +4815,7 @@
 </p:sldLayout>
 </file>
 
-<file path=ppt/slideLayouts/slideLayout37.xml><?xml version="1.0" encoding="utf-8"?>
+<file path=ppt/slideLayouts/slideLayout36.xml><?xml version="1.0" encoding="utf-8"?>
 <p:sldLayout xmlns:a="http://schemas.openxmlformats.org/drawingml/2006/main" xmlns:r="http://schemas.openxmlformats.org/officeDocument/2006/relationships" xmlns:p="http://schemas.openxmlformats.org/presentationml/2006/main" type="tx">
   <p:cSld name="Red Title">
     <p:bg>
@@ -5161,7 +5026,7 @@
 </p:sldLayout>
 </file>
 
-<file path=ppt/slideLayouts/slideLayout38.xml><?xml version="1.0" encoding="utf-8"?>
+<file path=ppt/slideLayouts/slideLayout37.xml><?xml version="1.0" encoding="utf-8"?>
 <p:sldLayout xmlns:a="http://schemas.openxmlformats.org/drawingml/2006/main" xmlns:r="http://schemas.openxmlformats.org/officeDocument/2006/relationships" xmlns:p="http://schemas.openxmlformats.org/presentationml/2006/main" type="tx">
   <p:cSld name="Red Heading">
     <p:bg>
@@ -5258,7 +5123,7 @@
 </p:sldLayout>
 </file>
 
-<file path=ppt/slideLayouts/slideLayout39.xml><?xml version="1.0" encoding="utf-8"?>
+<file path=ppt/slideLayouts/slideLayout38.xml><?xml version="1.0" encoding="utf-8"?>
 <p:sldLayout xmlns:a="http://schemas.openxmlformats.org/drawingml/2006/main" xmlns:r="http://schemas.openxmlformats.org/officeDocument/2006/relationships" xmlns:p="http://schemas.openxmlformats.org/presentationml/2006/main" type="tx">
   <p:cSld name="Red White Heading &amp; Body">
     <p:spTree>
@@ -5360,6 +5225,184 @@
       <p:sp>
         <p:nvSpPr>
           <p:cNvPr id="357" name="Shape 357"/>
+          <p:cNvSpPr>
+            <a:spLocks noGrp="1"/>
+          </p:cNvSpPr>
+          <p:nvPr>
+            <p:ph type="sldNum" sz="quarter" idx="2"/>
+          </p:nvPr>
+        </p:nvSpPr>
+        <p:spPr>
+          <a:prstGeom prst="rect">
+            <a:avLst/>
+          </a:prstGeom>
+        </p:spPr>
+        <p:txBody>
+          <a:bodyPr/>
+          <a:lstStyle/>
+          <a:p>
+            <a:fld id="{86CB4B4D-7CA3-9044-876B-883B54F8677D}" type="slidenum">
+              <a:t>‹#›</a:t>
+            </a:fld>
+            <a:endParaRPr/>
+          </a:p>
+        </p:txBody>
+      </p:sp>
+    </p:spTree>
+  </p:cSld>
+  <p:clrMapOvr>
+    <a:masterClrMapping/>
+  </p:clrMapOvr>
+  <p:transition spd="med"/>
+</p:sldLayout>
+</file>
+
+<file path=ppt/slideLayouts/slideLayout39.xml><?xml version="1.0" encoding="utf-8"?>
+<p:sldLayout xmlns:a="http://schemas.openxmlformats.org/drawingml/2006/main" xmlns:r="http://schemas.openxmlformats.org/officeDocument/2006/relationships" xmlns:p="http://schemas.openxmlformats.org/presentationml/2006/main" type="tx">
+  <p:cSld name="Red Heading &amp; Body">
+    <p:bg>
+      <p:bgPr>
+        <a:solidFill>
+          <a:srgbClr val="FF5151"/>
+        </a:solidFill>
+        <a:effectLst/>
+      </p:bgPr>
+    </p:bg>
+    <p:spTree>
+      <p:nvGrpSpPr>
+        <p:cNvPr id="1" name=""/>
+        <p:cNvGrpSpPr/>
+        <p:nvPr/>
+      </p:nvGrpSpPr>
+      <p:grpSpPr>
+        <a:xfrm>
+          <a:off x="0" y="0"/>
+          <a:ext cx="0" cy="0"/>
+          <a:chOff x="0" y="0"/>
+          <a:chExt cx="0" cy="0"/>
+        </a:xfrm>
+      </p:grpSpPr>
+      <p:sp>
+        <p:nvSpPr>
+          <p:cNvPr id="364" name="Shape 364"/>
+          <p:cNvSpPr>
+            <a:spLocks noGrp="1"/>
+          </p:cNvSpPr>
+          <p:nvPr>
+            <p:ph type="title"/>
+          </p:nvPr>
+        </p:nvSpPr>
+        <p:spPr>
+          <a:prstGeom prst="rect">
+            <a:avLst/>
+          </a:prstGeom>
+        </p:spPr>
+        <p:txBody>
+          <a:bodyPr/>
+          <a:lstStyle>
+            <a:lvl1pPr>
+              <a:defRPr>
+                <a:solidFill>
+                  <a:srgbClr val="FFF5E3"/>
+                </a:solidFill>
+              </a:defRPr>
+            </a:lvl1pPr>
+          </a:lstStyle>
+          <a:p>
+            <a:r>
+              <a:t>タイトルテキスト</a:t>
+            </a:r>
+          </a:p>
+        </p:txBody>
+      </p:sp>
+      <p:sp>
+        <p:nvSpPr>
+          <p:cNvPr id="365" name="Shape 365"/>
+          <p:cNvSpPr>
+            <a:spLocks noGrp="1"/>
+          </p:cNvSpPr>
+          <p:nvPr>
+            <p:ph type="body" idx="1"/>
+          </p:nvPr>
+        </p:nvSpPr>
+        <p:spPr>
+          <a:prstGeom prst="rect">
+            <a:avLst/>
+          </a:prstGeom>
+        </p:spPr>
+        <p:txBody>
+          <a:bodyPr/>
+          <a:lstStyle>
+            <a:lvl1pPr>
+              <a:defRPr>
+                <a:solidFill>
+                  <a:srgbClr val="FFF5E3"/>
+                </a:solidFill>
+              </a:defRPr>
+            </a:lvl1pPr>
+            <a:lvl2pPr>
+              <a:defRPr>
+                <a:solidFill>
+                  <a:srgbClr val="FFF5E3"/>
+                </a:solidFill>
+              </a:defRPr>
+            </a:lvl2pPr>
+            <a:lvl3pPr>
+              <a:defRPr>
+                <a:solidFill>
+                  <a:srgbClr val="FFF5E3"/>
+                </a:solidFill>
+              </a:defRPr>
+            </a:lvl3pPr>
+            <a:lvl4pPr>
+              <a:defRPr>
+                <a:solidFill>
+                  <a:srgbClr val="FFF5E3"/>
+                </a:solidFill>
+              </a:defRPr>
+            </a:lvl4pPr>
+            <a:lvl5pPr>
+              <a:defRPr>
+                <a:solidFill>
+                  <a:srgbClr val="FFF5E3"/>
+                </a:solidFill>
+              </a:defRPr>
+            </a:lvl5pPr>
+          </a:lstStyle>
+          <a:p>
+            <a:r>
+              <a:t>本文レベル1</a:t>
+            </a:r>
+          </a:p>
+          <a:p>
+            <a:pPr lvl="1"/>
+            <a:r>
+              <a:t>本文レベル2</a:t>
+            </a:r>
+          </a:p>
+          <a:p>
+            <a:pPr lvl="2"/>
+            <a:r>
+              <a:t>本文レベル3</a:t>
+            </a:r>
+          </a:p>
+          <a:p>
+            <a:pPr lvl="3"/>
+            <a:r>
+              <a:t>本文レベル4</a:t>
+            </a:r>
+          </a:p>
+          <a:p>
+            <a:pPr lvl="4"/>
+            <a:r>
+              <a:t>本文レベル 5</a:t>
+            </a:r>
+          </a:p>
+        </p:txBody>
+      </p:sp>
+      <p:sp>
+        <p:nvSpPr>
+          <p:cNvPr id="366" name="Shape 366"/>
           <p:cNvSpPr>
             <a:spLocks noGrp="1"/>
           </p:cNvSpPr>
@@ -5486,184 +5529,6 @@
       <p:sp>
         <p:nvSpPr>
           <p:cNvPr id="38" name="Shape 38"/>
-          <p:cNvSpPr>
-            <a:spLocks noGrp="1"/>
-          </p:cNvSpPr>
-          <p:nvPr>
-            <p:ph type="sldNum" sz="quarter" idx="2"/>
-          </p:nvPr>
-        </p:nvSpPr>
-        <p:spPr>
-          <a:prstGeom prst="rect">
-            <a:avLst/>
-          </a:prstGeom>
-        </p:spPr>
-        <p:txBody>
-          <a:bodyPr/>
-          <a:lstStyle/>
-          <a:p>
-            <a:fld id="{86CB4B4D-7CA3-9044-876B-883B54F8677D}" type="slidenum">
-              <a:t>‹#›</a:t>
-            </a:fld>
-            <a:endParaRPr/>
-          </a:p>
-        </p:txBody>
-      </p:sp>
-    </p:spTree>
-  </p:cSld>
-  <p:clrMapOvr>
-    <a:masterClrMapping/>
-  </p:clrMapOvr>
-  <p:transition spd="med"/>
-</p:sldLayout>
-</file>
-
-<file path=ppt/slideLayouts/slideLayout40.xml><?xml version="1.0" encoding="utf-8"?>
-<p:sldLayout xmlns:a="http://schemas.openxmlformats.org/drawingml/2006/main" xmlns:r="http://schemas.openxmlformats.org/officeDocument/2006/relationships" xmlns:p="http://schemas.openxmlformats.org/presentationml/2006/main" type="tx">
-  <p:cSld name="Red Heading &amp; Body">
-    <p:bg>
-      <p:bgPr>
-        <a:solidFill>
-          <a:srgbClr val="FF5151"/>
-        </a:solidFill>
-        <a:effectLst/>
-      </p:bgPr>
-    </p:bg>
-    <p:spTree>
-      <p:nvGrpSpPr>
-        <p:cNvPr id="1" name=""/>
-        <p:cNvGrpSpPr/>
-        <p:nvPr/>
-      </p:nvGrpSpPr>
-      <p:grpSpPr>
-        <a:xfrm>
-          <a:off x="0" y="0"/>
-          <a:ext cx="0" cy="0"/>
-          <a:chOff x="0" y="0"/>
-          <a:chExt cx="0" cy="0"/>
-        </a:xfrm>
-      </p:grpSpPr>
-      <p:sp>
-        <p:nvSpPr>
-          <p:cNvPr id="364" name="Shape 364"/>
-          <p:cNvSpPr>
-            <a:spLocks noGrp="1"/>
-          </p:cNvSpPr>
-          <p:nvPr>
-            <p:ph type="title"/>
-          </p:nvPr>
-        </p:nvSpPr>
-        <p:spPr>
-          <a:prstGeom prst="rect">
-            <a:avLst/>
-          </a:prstGeom>
-        </p:spPr>
-        <p:txBody>
-          <a:bodyPr/>
-          <a:lstStyle>
-            <a:lvl1pPr>
-              <a:defRPr>
-                <a:solidFill>
-                  <a:srgbClr val="FFF5E3"/>
-                </a:solidFill>
-              </a:defRPr>
-            </a:lvl1pPr>
-          </a:lstStyle>
-          <a:p>
-            <a:r>
-              <a:t>タイトルテキスト</a:t>
-            </a:r>
-          </a:p>
-        </p:txBody>
-      </p:sp>
-      <p:sp>
-        <p:nvSpPr>
-          <p:cNvPr id="365" name="Shape 365"/>
-          <p:cNvSpPr>
-            <a:spLocks noGrp="1"/>
-          </p:cNvSpPr>
-          <p:nvPr>
-            <p:ph type="body" idx="1"/>
-          </p:nvPr>
-        </p:nvSpPr>
-        <p:spPr>
-          <a:prstGeom prst="rect">
-            <a:avLst/>
-          </a:prstGeom>
-        </p:spPr>
-        <p:txBody>
-          <a:bodyPr/>
-          <a:lstStyle>
-            <a:lvl1pPr>
-              <a:defRPr>
-                <a:solidFill>
-                  <a:srgbClr val="FFF5E3"/>
-                </a:solidFill>
-              </a:defRPr>
-            </a:lvl1pPr>
-            <a:lvl2pPr>
-              <a:defRPr>
-                <a:solidFill>
-                  <a:srgbClr val="FFF5E3"/>
-                </a:solidFill>
-              </a:defRPr>
-            </a:lvl2pPr>
-            <a:lvl3pPr>
-              <a:defRPr>
-                <a:solidFill>
-                  <a:srgbClr val="FFF5E3"/>
-                </a:solidFill>
-              </a:defRPr>
-            </a:lvl3pPr>
-            <a:lvl4pPr>
-              <a:defRPr>
-                <a:solidFill>
-                  <a:srgbClr val="FFF5E3"/>
-                </a:solidFill>
-              </a:defRPr>
-            </a:lvl4pPr>
-            <a:lvl5pPr>
-              <a:defRPr>
-                <a:solidFill>
-                  <a:srgbClr val="FFF5E3"/>
-                </a:solidFill>
-              </a:defRPr>
-            </a:lvl5pPr>
-          </a:lstStyle>
-          <a:p>
-            <a:r>
-              <a:t>本文レベル1</a:t>
-            </a:r>
-          </a:p>
-          <a:p>
-            <a:pPr lvl="1"/>
-            <a:r>
-              <a:t>本文レベル2</a:t>
-            </a:r>
-          </a:p>
-          <a:p>
-            <a:pPr lvl="2"/>
-            <a:r>
-              <a:t>本文レベル3</a:t>
-            </a:r>
-          </a:p>
-          <a:p>
-            <a:pPr lvl="3"/>
-            <a:r>
-              <a:t>本文レベル4</a:t>
-            </a:r>
-          </a:p>
-          <a:p>
-            <a:pPr lvl="4"/>
-            <a:r>
-              <a:t>本文レベル 5</a:t>
-            </a:r>
-          </a:p>
-        </p:txBody>
-      </p:sp>
-      <p:sp>
-        <p:nvSpPr>
-          <p:cNvPr id="366" name="Shape 366"/>
           <p:cNvSpPr>
             <a:spLocks noGrp="1"/>
           </p:cNvSpPr>
@@ -6533,7 +6398,7 @@
           </a:ln>
           <a:extLst>
             <a:ext uri="{C572A759-6A51-4108-AA02-DFA0A04FC94B}">
-              <ma14:wrappingTextBoxFlag xmlns="" xmlns:ma14="http://schemas.microsoft.com/office/mac/drawingml/2011/main" val="1"/>
+              <ma14:wrappingTextBoxFlag xmlns:ma14="http://schemas.microsoft.com/office/mac/drawingml/2011/main" xmlns="" val="1"/>
             </a:ext>
           </a:extLst>
         </p:spPr>
@@ -6572,7 +6437,7 @@
           </a:ln>
           <a:extLst>
             <a:ext uri="{C572A759-6A51-4108-AA02-DFA0A04FC94B}">
-              <ma14:wrappingTextBoxFlag xmlns="" xmlns:ma14="http://schemas.microsoft.com/office/mac/drawingml/2011/main" val="1"/>
+              <ma14:wrappingTextBoxFlag xmlns:ma14="http://schemas.microsoft.com/office/mac/drawingml/2011/main" xmlns="" val="1"/>
             </a:ext>
           </a:extLst>
         </p:spPr>
@@ -6678,31 +6543,30 @@
     <p:sldLayoutId id="2147483661" r:id="rId13"/>
     <p:sldLayoutId id="2147483662" r:id="rId14"/>
     <p:sldLayoutId id="2147483663" r:id="rId15"/>
-    <p:sldLayoutId id="2147483664" r:id="rId16"/>
-    <p:sldLayoutId id="2147483665" r:id="rId17"/>
-    <p:sldLayoutId id="2147483666" r:id="rId18"/>
-    <p:sldLayoutId id="2147483667" r:id="rId19"/>
-    <p:sldLayoutId id="2147483669" r:id="rId20"/>
-    <p:sldLayoutId id="2147483670" r:id="rId21"/>
-    <p:sldLayoutId id="2147483671" r:id="rId22"/>
-    <p:sldLayoutId id="2147483672" r:id="rId23"/>
-    <p:sldLayoutId id="2147483673" r:id="rId24"/>
-    <p:sldLayoutId id="2147483674" r:id="rId25"/>
-    <p:sldLayoutId id="2147483675" r:id="rId26"/>
-    <p:sldLayoutId id="2147483676" r:id="rId27"/>
-    <p:sldLayoutId id="2147483677" r:id="rId28"/>
-    <p:sldLayoutId id="2147483678" r:id="rId29"/>
-    <p:sldLayoutId id="2147483679" r:id="rId30"/>
-    <p:sldLayoutId id="2147483680" r:id="rId31"/>
-    <p:sldLayoutId id="2147483681" r:id="rId32"/>
-    <p:sldLayoutId id="2147483682" r:id="rId33"/>
-    <p:sldLayoutId id="2147483683" r:id="rId34"/>
-    <p:sldLayoutId id="2147483684" r:id="rId35"/>
-    <p:sldLayoutId id="2147483685" r:id="rId36"/>
-    <p:sldLayoutId id="2147483686" r:id="rId37"/>
-    <p:sldLayoutId id="2147483687" r:id="rId38"/>
-    <p:sldLayoutId id="2147483689" r:id="rId39"/>
-    <p:sldLayoutId id="2147483690" r:id="rId40"/>
+    <p:sldLayoutId id="2147483665" r:id="rId16"/>
+    <p:sldLayoutId id="2147483666" r:id="rId17"/>
+    <p:sldLayoutId id="2147483667" r:id="rId18"/>
+    <p:sldLayoutId id="2147483669" r:id="rId19"/>
+    <p:sldLayoutId id="2147483670" r:id="rId20"/>
+    <p:sldLayoutId id="2147483671" r:id="rId21"/>
+    <p:sldLayoutId id="2147483672" r:id="rId22"/>
+    <p:sldLayoutId id="2147483673" r:id="rId23"/>
+    <p:sldLayoutId id="2147483674" r:id="rId24"/>
+    <p:sldLayoutId id="2147483675" r:id="rId25"/>
+    <p:sldLayoutId id="2147483676" r:id="rId26"/>
+    <p:sldLayoutId id="2147483677" r:id="rId27"/>
+    <p:sldLayoutId id="2147483678" r:id="rId28"/>
+    <p:sldLayoutId id="2147483679" r:id="rId29"/>
+    <p:sldLayoutId id="2147483680" r:id="rId30"/>
+    <p:sldLayoutId id="2147483681" r:id="rId31"/>
+    <p:sldLayoutId id="2147483682" r:id="rId32"/>
+    <p:sldLayoutId id="2147483683" r:id="rId33"/>
+    <p:sldLayoutId id="2147483684" r:id="rId34"/>
+    <p:sldLayoutId id="2147483685" r:id="rId35"/>
+    <p:sldLayoutId id="2147483686" r:id="rId36"/>
+    <p:sldLayoutId id="2147483687" r:id="rId37"/>
+    <p:sldLayoutId id="2147483689" r:id="rId38"/>
+    <p:sldLayoutId id="2147483690" r:id="rId39"/>
   </p:sldLayoutIdLst>
   <p:transition spd="med"/>
   <p:txStyles>
@@ -7653,7 +7517,7 @@
           <a:p>
             <a:r>
               <a:rPr kumimoji="1" lang="en-US" altLang="ja-JP" dirty="0" smtClean="0"/>
-              <a:t>Developers Platform</a:t>
+              <a:t>Environment setup</a:t>
             </a:r>
             <a:endParaRPr kumimoji="1" lang="ja-JP" altLang="en-US" dirty="0"/>
           </a:p>
@@ -7685,15 +7549,7 @@
             </a:r>
             <a:r>
               <a:rPr kumimoji="1" lang="en-US" altLang="ja-JP" sz="5400" dirty="0" smtClean="0"/>
-              <a:t> : Linux, </a:t>
-            </a:r>
-            <a:r>
-              <a:rPr kumimoji="1" lang="en-US" altLang="ja-JP" sz="5400" dirty="0" err="1" smtClean="0"/>
-              <a:t>MacOS</a:t>
-            </a:r>
-            <a:r>
-              <a:rPr kumimoji="1" lang="en-US" altLang="ja-JP" sz="5400" dirty="0" smtClean="0"/>
-              <a:t>, Windows</a:t>
+              <a:t> : $GOPATH, and, go get </a:t>
             </a:r>
           </a:p>
           <a:p>
@@ -7701,16 +7557,37 @@
               <a:buNone/>
             </a:pPr>
             <a:r>
-              <a:rPr kumimoji="1" lang="en-US" altLang="ja-JP" sz="5400" dirty="0"/>
-              <a:t>C# : Any OS(Full spec on Windows)</a:t>
-            </a:r>
+              <a:rPr kumimoji="1" lang="en-US" altLang="ja-JP" sz="5400" dirty="0" smtClean="0"/>
+              <a:t>C# : .</a:t>
+            </a:r>
+            <a:r>
+              <a:rPr kumimoji="1" lang="en-US" altLang="ja-JP" sz="5400" dirty="0" err="1" smtClean="0"/>
+              <a:t>sln</a:t>
+            </a:r>
+            <a:r>
+              <a:rPr kumimoji="1" lang="en-US" altLang="ja-JP" sz="5400" dirty="0" smtClean="0"/>
+              <a:t>, .</a:t>
+            </a:r>
+            <a:r>
+              <a:rPr kumimoji="1" lang="en-US" altLang="ja-JP" sz="5400" dirty="0" err="1" smtClean="0"/>
+              <a:t>csproj</a:t>
+            </a:r>
+            <a:r>
+              <a:rPr kumimoji="1" lang="en-US" altLang="ja-JP" sz="5400" dirty="0" smtClean="0"/>
+              <a:t>, </a:t>
+            </a:r>
+            <a:r>
+              <a:rPr kumimoji="1" lang="en-US" altLang="ja-JP" sz="5400" dirty="0" err="1" smtClean="0"/>
+              <a:t>Nuget</a:t>
+            </a:r>
+            <a:endParaRPr kumimoji="1" lang="ja-JP" altLang="en-US" sz="5400" dirty="0"/>
           </a:p>
         </p:txBody>
       </p:sp>
     </p:spTree>
     <p:extLst>
       <p:ext uri="{BB962C8B-B14F-4D97-AF65-F5344CB8AC3E}">
-        <p14:creationId xmlns:p14="http://schemas.microsoft.com/office/powerpoint/2010/main" val="2279360649"/>
+        <p14:creationId xmlns:p14="http://schemas.microsoft.com/office/powerpoint/2010/main" val="4271207260"/>
       </p:ext>
     </p:extLst>
   </p:cSld>
@@ -7762,7 +7639,7 @@
           <a:p>
             <a:r>
               <a:rPr kumimoji="1" lang="en-US" altLang="ja-JP" dirty="0" smtClean="0"/>
-              <a:t>Environment setup</a:t>
+              <a:t>IDE</a:t>
             </a:r>
             <a:endParaRPr kumimoji="1" lang="ja-JP" altLang="en-US" dirty="0"/>
           </a:p>
@@ -7794,7 +7671,15 @@
             </a:r>
             <a:r>
               <a:rPr kumimoji="1" lang="en-US" altLang="ja-JP" sz="5400" dirty="0" smtClean="0"/>
-              <a:t> : $GOPATH, and, go get </a:t>
+              <a:t> : </a:t>
+            </a:r>
+            <a:r>
+              <a:rPr kumimoji="1" lang="en-US" altLang="ja-JP" sz="5400" dirty="0"/>
+              <a:t>Y</a:t>
+            </a:r>
+            <a:r>
+              <a:rPr kumimoji="1" lang="en-US" altLang="ja-JP" sz="5400" dirty="0" smtClean="0"/>
+              <a:t>our Editor</a:t>
             </a:r>
           </a:p>
           <a:p>
@@ -7803,27 +7688,7 @@
             </a:pPr>
             <a:r>
               <a:rPr kumimoji="1" lang="en-US" altLang="ja-JP" sz="5400" dirty="0" smtClean="0"/>
-              <a:t>C# : .</a:t>
-            </a:r>
-            <a:r>
-              <a:rPr kumimoji="1" lang="en-US" altLang="ja-JP" sz="5400" dirty="0" err="1" smtClean="0"/>
-              <a:t>sln</a:t>
-            </a:r>
-            <a:r>
-              <a:rPr kumimoji="1" lang="en-US" altLang="ja-JP" sz="5400" dirty="0" smtClean="0"/>
-              <a:t>, .</a:t>
-            </a:r>
-            <a:r>
-              <a:rPr kumimoji="1" lang="en-US" altLang="ja-JP" sz="5400" dirty="0" err="1" smtClean="0"/>
-              <a:t>csproj</a:t>
-            </a:r>
-            <a:r>
-              <a:rPr kumimoji="1" lang="en-US" altLang="ja-JP" sz="5400" dirty="0" smtClean="0"/>
-              <a:t>, </a:t>
-            </a:r>
-            <a:r>
-              <a:rPr kumimoji="1" lang="en-US" altLang="ja-JP" sz="5400" dirty="0" err="1" smtClean="0"/>
-              <a:t>Nuget</a:t>
+              <a:t>C# : Visual Studio(Best practice)</a:t>
             </a:r>
             <a:endParaRPr kumimoji="1" lang="ja-JP" altLang="en-US" sz="5400" dirty="0"/>
           </a:p>
@@ -7832,7 +7697,7 @@
     </p:spTree>
     <p:extLst>
       <p:ext uri="{BB962C8B-B14F-4D97-AF65-F5344CB8AC3E}">
-        <p14:creationId xmlns:p14="http://schemas.microsoft.com/office/powerpoint/2010/main" val="4271207260"/>
+        <p14:creationId xmlns:p14="http://schemas.microsoft.com/office/powerpoint/2010/main" val="3611811064"/>
       </p:ext>
     </p:extLst>
   </p:cSld>
@@ -7884,7 +7749,7 @@
           <a:p>
             <a:r>
               <a:rPr kumimoji="1" lang="en-US" altLang="ja-JP" dirty="0" smtClean="0"/>
-              <a:t>IDE</a:t>
+              <a:t>Deployment</a:t>
             </a:r>
             <a:endParaRPr kumimoji="1" lang="ja-JP" altLang="en-US" dirty="0"/>
           </a:p>
@@ -7916,15 +7781,7 @@
             </a:r>
             <a:r>
               <a:rPr kumimoji="1" lang="en-US" altLang="ja-JP" sz="5400" dirty="0" smtClean="0"/>
-              <a:t> : </a:t>
-            </a:r>
-            <a:r>
-              <a:rPr kumimoji="1" lang="en-US" altLang="ja-JP" sz="5400" dirty="0"/>
-              <a:t>Y</a:t>
-            </a:r>
-            <a:r>
-              <a:rPr kumimoji="1" lang="en-US" altLang="ja-JP" sz="5400" dirty="0" smtClean="0"/>
-              <a:t>our Editor</a:t>
+              <a:t> : A file</a:t>
             </a:r>
           </a:p>
           <a:p>
@@ -7933,7 +7790,7 @@
             </a:pPr>
             <a:r>
               <a:rPr kumimoji="1" lang="en-US" altLang="ja-JP" sz="5400" dirty="0" smtClean="0"/>
-              <a:t>C# : Visual Studio(Best practice)</a:t>
+              <a:t>C# : Many file(Dynamic loading)</a:t>
             </a:r>
             <a:endParaRPr kumimoji="1" lang="ja-JP" altLang="en-US" sz="5400" dirty="0"/>
           </a:p>
@@ -7942,7 +7799,7 @@
     </p:spTree>
     <p:extLst>
       <p:ext uri="{BB962C8B-B14F-4D97-AF65-F5344CB8AC3E}">
-        <p14:creationId xmlns:p14="http://schemas.microsoft.com/office/powerpoint/2010/main" val="3611811064"/>
+        <p14:creationId xmlns:p14="http://schemas.microsoft.com/office/powerpoint/2010/main" val="3207704977"/>
       </p:ext>
     </p:extLst>
   </p:cSld>
@@ -7994,7 +7851,7 @@
           <a:p>
             <a:r>
               <a:rPr kumimoji="1" lang="en-US" altLang="ja-JP" dirty="0" smtClean="0"/>
-              <a:t>Deployment</a:t>
+              <a:t>Test tool</a:t>
             </a:r>
             <a:endParaRPr kumimoji="1" lang="ja-JP" altLang="en-US" dirty="0"/>
           </a:p>
@@ -8026,7 +7883,7 @@
             </a:r>
             <a:r>
               <a:rPr kumimoji="1" lang="en-US" altLang="ja-JP" sz="5400" dirty="0" smtClean="0"/>
-              <a:t> : A file</a:t>
+              <a:t> : Standard library</a:t>
             </a:r>
           </a:p>
           <a:p>
@@ -8035,7 +7892,19 @@
             </a:pPr>
             <a:r>
               <a:rPr kumimoji="1" lang="en-US" altLang="ja-JP" sz="5400" dirty="0" smtClean="0"/>
-              <a:t>C# : Many file(Dynamic loading)</a:t>
+              <a:t>C# : </a:t>
+            </a:r>
+            <a:r>
+              <a:rPr kumimoji="1" lang="en-US" altLang="ja-JP" sz="5400" dirty="0" err="1" smtClean="0"/>
+              <a:t>MSTest</a:t>
+            </a:r>
+            <a:r>
+              <a:rPr kumimoji="1" lang="en-US" altLang="ja-JP" sz="5400" dirty="0"/>
+              <a:t> </a:t>
+            </a:r>
+            <a:r>
+              <a:rPr kumimoji="1" lang="en-US" altLang="ja-JP" sz="5400" dirty="0" smtClean="0"/>
+              <a:t>etc.. But if you want to full test, need Enterprise license...</a:t>
             </a:r>
             <a:endParaRPr kumimoji="1" lang="ja-JP" altLang="en-US" sz="5400" dirty="0"/>
           </a:p>
@@ -8044,7 +7913,7 @@
     </p:spTree>
     <p:extLst>
       <p:ext uri="{BB962C8B-B14F-4D97-AF65-F5344CB8AC3E}">
-        <p14:creationId xmlns:p14="http://schemas.microsoft.com/office/powerpoint/2010/main" val="3207704977"/>
+        <p14:creationId xmlns:p14="http://schemas.microsoft.com/office/powerpoint/2010/main" val="635327217"/>
       </p:ext>
     </p:extLst>
   </p:cSld>
@@ -8081,7 +7950,7 @@
       </p:grpSpPr>
       <p:sp>
         <p:nvSpPr>
-          <p:cNvPr id="2" name="タイトル 1"/>
+          <p:cNvPr id="479" name="Shape 479"/>
           <p:cNvSpPr>
             <a:spLocks noGrp="1"/>
           </p:cNvSpPr>
@@ -8089,83 +7958,71 @@
             <p:ph type="title"/>
           </p:nvPr>
         </p:nvSpPr>
-        <p:spPr/>
+        <p:spPr>
+          <a:xfrm>
+            <a:off x="1270000" y="909339"/>
+            <a:ext cx="10464800" cy="7934922"/>
+          </a:xfrm>
+          <a:prstGeom prst="rect">
+            <a:avLst/>
+          </a:prstGeom>
+        </p:spPr>
         <p:txBody>
           <a:bodyPr/>
           <a:lstStyle/>
           <a:p>
             <a:r>
-              <a:rPr kumimoji="1" lang="en-US" altLang="ja-JP" dirty="0" smtClean="0"/>
-              <a:t>Test tool</a:t>
-            </a:r>
-            <a:endParaRPr kumimoji="1" lang="ja-JP" altLang="en-US" dirty="0"/>
-          </a:p>
-        </p:txBody>
-      </p:sp>
-      <p:sp>
-        <p:nvSpPr>
-          <p:cNvPr id="3" name="テキスト プレースホルダー 2"/>
-          <p:cNvSpPr>
-            <a:spLocks noGrp="1"/>
-          </p:cNvSpPr>
-          <p:nvPr>
-            <p:ph type="body" idx="1"/>
-          </p:nvPr>
-        </p:nvSpPr>
-        <p:spPr/>
-        <p:txBody>
-          <a:bodyPr>
-            <a:normAutofit/>
-          </a:bodyPr>
-          <a:lstStyle/>
-          <a:p>
-            <a:pPr marL="0" indent="0" algn="ctr">
-              <a:buNone/>
-            </a:pPr>
-            <a:r>
-              <a:rPr kumimoji="1" lang="en-US" altLang="ja-JP" sz="5400" dirty="0" err="1" smtClean="0"/>
-              <a:t>Golang</a:t>
-            </a:r>
-            <a:r>
-              <a:rPr kumimoji="1" lang="en-US" altLang="ja-JP" sz="5400" dirty="0" smtClean="0"/>
-              <a:t> : Standard library</a:t>
-            </a:r>
-          </a:p>
-          <a:p>
-            <a:pPr marL="0" indent="0" algn="ctr">
-              <a:buNone/>
-            </a:pPr>
-            <a:r>
-              <a:rPr kumimoji="1" lang="en-US" altLang="ja-JP" sz="5400" dirty="0" smtClean="0"/>
-              <a:t>C# : </a:t>
-            </a:r>
-            <a:r>
-              <a:rPr kumimoji="1" lang="en-US" altLang="ja-JP" sz="5400" dirty="0" err="1" smtClean="0"/>
-              <a:t>MSTest</a:t>
-            </a:r>
-            <a:r>
-              <a:rPr kumimoji="1" lang="en-US" altLang="ja-JP" sz="5400" dirty="0"/>
-              <a:t> </a:t>
-            </a:r>
-            <a:r>
-              <a:rPr kumimoji="1" lang="en-US" altLang="ja-JP" sz="5400" dirty="0" smtClean="0"/>
-              <a:t>etc.. But if you want to full test, need Enterprise license...</a:t>
-            </a:r>
-            <a:endParaRPr kumimoji="1" lang="ja-JP" altLang="en-US" sz="5400" dirty="0"/>
-          </a:p>
-        </p:txBody>
-      </p:sp>
+              <a:rPr lang="en-US" dirty="0" smtClean="0"/>
+              <a:t>Unique </a:t>
+            </a:r>
+            <a:r>
+              <a:rPr lang="en-US" dirty="0" err="1" smtClean="0"/>
+              <a:t>sigunature</a:t>
+            </a:r>
+            <a:endParaRPr dirty="0"/>
+          </a:p>
+        </p:txBody>
+      </p:sp>
+      <p:pic>
+        <p:nvPicPr>
+          <p:cNvPr id="480" name="image10.png"/>
+          <p:cNvPicPr>
+            <a:picLocks noChangeAspect="1"/>
+          </p:cNvPicPr>
+          <p:nvPr/>
+        </p:nvPicPr>
+        <p:blipFill>
+          <a:blip r:embed="rId2">
+            <a:extLst/>
+          </a:blip>
+          <a:stretch>
+            <a:fillRect/>
+          </a:stretch>
+        </p:blipFill>
+        <p:spPr>
+          <a:xfrm>
+            <a:off x="3962400" y="1522739"/>
+            <a:ext cx="5080000" cy="2717801"/>
+          </a:xfrm>
+          <a:prstGeom prst="rect">
+            <a:avLst/>
+          </a:prstGeom>
+          <a:ln w="12700">
+            <a:miter lim="400000"/>
+          </a:ln>
+        </p:spPr>
+      </p:pic>
     </p:spTree>
     <p:extLst>
       <p:ext uri="{BB962C8B-B14F-4D97-AF65-F5344CB8AC3E}">
-        <p14:creationId xmlns:p14="http://schemas.microsoft.com/office/powerpoint/2010/main" val="635327217"/>
+        <p14:creationId xmlns:p14="http://schemas.microsoft.com/office/powerpoint/2010/main" val="1526841195"/>
       </p:ext>
     </p:extLst>
   </p:cSld>
   <p:clrMapOvr>
     <a:masterClrMapping/>
   </p:clrMapOvr>
-  <p:transition spd="med"/>
+  <p:transition spd="slow"/>
   <p:timing>
     <p:tnLst>
       <p:par>
@@ -8195,7 +8052,7 @@
       </p:grpSpPr>
       <p:sp>
         <p:nvSpPr>
-          <p:cNvPr id="479" name="Shape 479"/>
+          <p:cNvPr id="409" name="Shape 409"/>
           <p:cNvSpPr>
             <a:spLocks noGrp="1"/>
           </p:cNvSpPr>
@@ -8204,10 +8061,6 @@
           </p:nvPr>
         </p:nvSpPr>
         <p:spPr>
-          <a:xfrm>
-            <a:off x="1270000" y="909339"/>
-            <a:ext cx="10464800" cy="7934922"/>
-          </a:xfrm>
           <a:prstGeom prst="rect">
             <a:avLst/>
           </a:prstGeom>
@@ -8217,20 +8070,224 @@
           <a:lstStyle/>
           <a:p>
             <a:r>
-              <a:rPr lang="en-US" dirty="0" smtClean="0"/>
-              <a:t>Unique </a:t>
-            </a:r>
-            <a:r>
-              <a:rPr lang="en-US" dirty="0" err="1" smtClean="0"/>
-              <a:t>sigunature</a:t>
-            </a:r>
-            <a:endParaRPr dirty="0"/>
+              <a:t>Hello World</a:t>
+            </a:r>
+          </a:p>
+        </p:txBody>
+      </p:sp>
+      <p:sp>
+        <p:nvSpPr>
+          <p:cNvPr id="410" name="Shape 410"/>
+          <p:cNvSpPr/>
+          <p:nvPr/>
+        </p:nvSpPr>
+        <p:spPr>
+          <a:xfrm>
+            <a:off x="786477" y="2654299"/>
+            <a:ext cx="11431843" cy="4902201"/>
+          </a:xfrm>
+          <a:prstGeom prst="rect">
+            <a:avLst/>
+          </a:prstGeom>
+          <a:ln w="12700">
+            <a:miter lim="400000"/>
+          </a:ln>
+          <a:extLst>
+            <a:ext uri="{C572A759-6A51-4108-AA02-DFA0A04FC94B}">
+              <ma14:wrappingTextBoxFlag xmlns:ma14="http://schemas.microsoft.com/office/mac/drawingml/2011/main" xmlns="" val="1"/>
+            </a:ext>
+          </a:extLst>
+        </p:spPr>
+        <p:txBody>
+          <a:bodyPr wrap="none" lIns="50800" tIns="50800" rIns="50800" bIns="50800" anchor="ctr">
+            <a:spAutoFit/>
+          </a:bodyPr>
+          <a:lstStyle/>
+          <a:p>
+            <a:pPr defTabSz="457200">
+              <a:defRPr sz="4500" b="0">
+                <a:solidFill>
+                  <a:srgbClr val="0433FF"/>
+                </a:solidFill>
+                <a:latin typeface="Courier"/>
+                <a:ea typeface="Courier"/>
+                <a:cs typeface="Courier"/>
+                <a:sym typeface="Courier"/>
+              </a:defRPr>
+            </a:pPr>
+            <a:r>
+              <a:t>package</a:t>
+            </a:r>
+            <a:r>
+              <a:rPr>
+                <a:solidFill>
+                  <a:srgbClr val="808080"/>
+                </a:solidFill>
+              </a:rPr>
+              <a:t> main</a:t>
+            </a:r>
+          </a:p>
+          <a:p>
+            <a:pPr defTabSz="457200">
+              <a:defRPr sz="4500" b="0">
+                <a:solidFill>
+                  <a:srgbClr val="808080"/>
+                </a:solidFill>
+                <a:latin typeface="Courier"/>
+                <a:ea typeface="Courier"/>
+                <a:cs typeface="Courier"/>
+                <a:sym typeface="Courier"/>
+              </a:defRPr>
+            </a:pPr>
+            <a:endParaRPr>
+              <a:solidFill>
+                <a:srgbClr val="808080"/>
+              </a:solidFill>
+            </a:endParaRPr>
+          </a:p>
+          <a:p>
+            <a:pPr defTabSz="457200">
+              <a:defRPr sz="4500" b="0">
+                <a:solidFill>
+                  <a:srgbClr val="0433FF"/>
+                </a:solidFill>
+                <a:latin typeface="Courier"/>
+                <a:ea typeface="Courier"/>
+                <a:cs typeface="Courier"/>
+                <a:sym typeface="Courier"/>
+              </a:defRPr>
+            </a:pPr>
+            <a:r>
+              <a:t>import</a:t>
+            </a:r>
+            <a:r>
+              <a:rPr>
+                <a:solidFill>
+                  <a:srgbClr val="808080"/>
+                </a:solidFill>
+              </a:rPr>
+              <a:t> </a:t>
+            </a:r>
+            <a:r>
+              <a:rPr b="1">
+                <a:solidFill>
+                  <a:srgbClr val="FF40FF"/>
+                </a:solidFill>
+              </a:rPr>
+              <a:t>"fmt"</a:t>
+            </a:r>
+            <a:endParaRPr>
+              <a:solidFill>
+                <a:srgbClr val="808080"/>
+              </a:solidFill>
+            </a:endParaRPr>
+          </a:p>
+          <a:p>
+            <a:pPr defTabSz="457200">
+              <a:defRPr sz="4500">
+                <a:solidFill>
+                  <a:srgbClr val="808080"/>
+                </a:solidFill>
+                <a:latin typeface="Courier"/>
+                <a:ea typeface="Courier"/>
+                <a:cs typeface="Courier"/>
+                <a:sym typeface="Courier"/>
+              </a:defRPr>
+            </a:pPr>
+            <a:endParaRPr>
+              <a:solidFill>
+                <a:srgbClr val="808080"/>
+              </a:solidFill>
+            </a:endParaRPr>
+          </a:p>
+          <a:p>
+            <a:pPr defTabSz="457200">
+              <a:defRPr sz="4500" b="0">
+                <a:solidFill>
+                  <a:srgbClr val="0433FF"/>
+                </a:solidFill>
+                <a:latin typeface="Courier"/>
+                <a:ea typeface="Courier"/>
+                <a:cs typeface="Courier"/>
+                <a:sym typeface="Courier"/>
+              </a:defRPr>
+            </a:pPr>
+            <a:r>
+              <a:t>func</a:t>
+            </a:r>
+            <a:r>
+              <a:rPr>
+                <a:solidFill>
+                  <a:srgbClr val="808080"/>
+                </a:solidFill>
+              </a:rPr>
+              <a:t> main() {</a:t>
+            </a:r>
+          </a:p>
+          <a:p>
+            <a:pPr defTabSz="457200">
+              <a:defRPr sz="4500" b="0">
+                <a:solidFill>
+                  <a:srgbClr val="808080"/>
+                </a:solidFill>
+                <a:latin typeface="Courier"/>
+                <a:ea typeface="Courier"/>
+                <a:cs typeface="Courier"/>
+                <a:sym typeface="Courier"/>
+              </a:defRPr>
+            </a:pPr>
+            <a:r>
+              <a:t>    fmt.Printf(</a:t>
+            </a:r>
+            <a:r>
+              <a:rPr b="1">
+                <a:solidFill>
+                  <a:srgbClr val="FF40FF"/>
+                </a:solidFill>
+              </a:rPr>
+              <a:t>"Hello, World</a:t>
+            </a:r>
+            <a:r>
+              <a:rPr b="1">
+                <a:solidFill>
+                  <a:srgbClr val="FF6060"/>
+                </a:solidFill>
+              </a:rPr>
+              <a:t>\n</a:t>
+            </a:r>
+            <a:r>
+              <a:rPr b="1">
+                <a:solidFill>
+                  <a:srgbClr val="FF40FF"/>
+                </a:solidFill>
+              </a:rPr>
+              <a:t>"</a:t>
+            </a:r>
+            <a:r>
+              <a:t>)</a:t>
+            </a:r>
+          </a:p>
+          <a:p>
+            <a:pPr defTabSz="457200">
+              <a:defRPr sz="4500" b="0">
+                <a:solidFill>
+                  <a:srgbClr val="808080"/>
+                </a:solidFill>
+                <a:latin typeface="Courier"/>
+                <a:ea typeface="Courier"/>
+                <a:cs typeface="Courier"/>
+                <a:sym typeface="Courier"/>
+              </a:defRPr>
+            </a:pPr>
+            <a:r>
+              <a:t>}</a:t>
+            </a:r>
           </a:p>
         </p:txBody>
       </p:sp>
       <p:pic>
         <p:nvPicPr>
-          <p:cNvPr id="480" name="image10.png"/>
+          <p:cNvPr id="411" name="image5.png"/>
           <p:cNvPicPr>
             <a:picLocks noChangeAspect="1"/>
           </p:cNvPicPr>
@@ -8246,8 +8303,8 @@
         </p:blipFill>
         <p:spPr>
           <a:xfrm>
-            <a:off x="3962400" y="1522739"/>
-            <a:ext cx="5080000" cy="2717801"/>
+            <a:off x="5872974" y="698871"/>
+            <a:ext cx="1003616" cy="1286687"/>
           </a:xfrm>
           <a:prstGeom prst="rect">
             <a:avLst/>
@@ -8258,11 +8315,6 @@
         </p:spPr>
       </p:pic>
     </p:spTree>
-    <p:extLst>
-      <p:ext uri="{BB962C8B-B14F-4D97-AF65-F5344CB8AC3E}">
-        <p14:creationId xmlns:p14="http://schemas.microsoft.com/office/powerpoint/2010/main" val="1526841195"/>
-      </p:ext>
-    </p:extLst>
   </p:cSld>
   <p:clrMapOvr>
     <a:masterClrMapping/>
@@ -8297,7 +8349,7 @@
       </p:grpSpPr>
       <p:sp>
         <p:nvSpPr>
-          <p:cNvPr id="409" name="Shape 409"/>
+          <p:cNvPr id="413" name="Shape 413"/>
           <p:cNvSpPr>
             <a:spLocks noGrp="1"/>
           </p:cNvSpPr>
@@ -8315,21 +8367,21 @@
           <a:lstStyle/>
           <a:p>
             <a:r>
-              <a:t>Hello World</a:t>
-            </a:r>
-          </a:p>
-        </p:txBody>
-      </p:sp>
-      <p:sp>
-        <p:nvSpPr>
-          <p:cNvPr id="410" name="Shape 410"/>
+              <a:t>Heap? Stack?</a:t>
+            </a:r>
+          </a:p>
+        </p:txBody>
+      </p:sp>
+      <p:sp>
+        <p:nvSpPr>
+          <p:cNvPr id="414" name="Shape 414"/>
           <p:cNvSpPr/>
           <p:nvPr/>
         </p:nvSpPr>
         <p:spPr>
           <a:xfrm>
-            <a:off x="786477" y="2654299"/>
-            <a:ext cx="11431843" cy="4902201"/>
+            <a:off x="1918232" y="2603499"/>
+            <a:ext cx="8916834" cy="5181601"/>
           </a:xfrm>
           <a:prstGeom prst="rect">
             <a:avLst/>
@@ -8339,7 +8391,7 @@
           </a:ln>
           <a:extLst>
             <a:ext uri="{C572A759-6A51-4108-AA02-DFA0A04FC94B}">
-              <ma14:wrappingTextBoxFlag xmlns="" xmlns:ma14="http://schemas.microsoft.com/office/mac/drawingml/2011/main" val="1"/>
+              <ma14:wrappingTextBoxFlag xmlns:ma14="http://schemas.microsoft.com/office/mac/drawingml/2011/main" xmlns="" val="1"/>
             </a:ext>
           </a:extLst>
         </p:spPr>
@@ -8350,7 +8402,7 @@
           <a:lstStyle/>
           <a:p>
             <a:pPr defTabSz="457200">
-              <a:defRPr sz="4500" b="0">
+              <a:defRPr sz="3300" b="0">
                 <a:solidFill>
                   <a:srgbClr val="0433FF"/>
                 </a:solidFill>
@@ -8361,7 +8413,7 @@
               </a:defRPr>
             </a:pPr>
             <a:r>
-              <a:t>package</a:t>
+              <a:t>func</a:t>
             </a:r>
             <a:r>
               <a:rPr>
@@ -8369,12 +8421,12 @@
                   <a:srgbClr val="808080"/>
                 </a:solidFill>
               </a:rPr>
-              <a:t> main</a:t>
+              <a:t> getlocal() {</a:t>
             </a:r>
           </a:p>
           <a:p>
             <a:pPr defTabSz="457200">
-              <a:defRPr sz="4500" b="0">
+              <a:defRPr sz="3300" b="0">
                 <a:solidFill>
                   <a:srgbClr val="808080"/>
                 </a:solidFill>
@@ -8384,17 +8436,15 @@
                 <a:sym typeface="Courier"/>
               </a:defRPr>
             </a:pPr>
-            <a:endParaRPr>
-              <a:solidFill>
-                <a:srgbClr val="808080"/>
-              </a:solidFill>
-            </a:endParaRPr>
+            <a:r>
+              <a:t>    i := returnLocal()</a:t>
+            </a:r>
           </a:p>
           <a:p>
             <a:pPr defTabSz="457200">
-              <a:defRPr sz="4500" b="0">
-                <a:solidFill>
-                  <a:srgbClr val="0433FF"/>
+              <a:defRPr sz="3300" b="0">
+                <a:solidFill>
+                  <a:srgbClr val="808080"/>
                 </a:solidFill>
                 <a:latin typeface="Courier"/>
                 <a:ea typeface="Courier"/>
@@ -8403,33 +8453,39 @@
               </a:defRPr>
             </a:pPr>
             <a:r>
-              <a:t>import</a:t>
-            </a:r>
-            <a:r>
-              <a:rPr>
-                <a:solidFill>
-                  <a:srgbClr val="808080"/>
+              <a:t>    fmt.Printf(</a:t>
+            </a:r>
+            <a:r>
+              <a:rPr b="1">
+                <a:solidFill>
+                  <a:srgbClr val="FF40FF"/>
                 </a:solidFill>
               </a:rPr>
-              <a:t> </a:t>
+              <a:t>"No error %d</a:t>
             </a:r>
             <a:r>
               <a:rPr b="1">
                 <a:solidFill>
+                  <a:srgbClr val="FF6060"/>
+                </a:solidFill>
+              </a:rPr>
+              <a:t>\n</a:t>
+            </a:r>
+            <a:r>
+              <a:rPr b="1">
+                <a:solidFill>
                   <a:srgbClr val="FF40FF"/>
                 </a:solidFill>
               </a:rPr>
-              <a:t>"fmt"</a:t>
-            </a:r>
-            <a:endParaRPr>
-              <a:solidFill>
-                <a:srgbClr val="808080"/>
-              </a:solidFill>
-            </a:endParaRPr>
+              <a:t>"</a:t>
+            </a:r>
+            <a:r>
+              <a:t>, i)</a:t>
+            </a:r>
           </a:p>
           <a:p>
             <a:pPr defTabSz="457200">
-              <a:defRPr sz="4500">
+              <a:defRPr sz="3300" b="0">
                 <a:solidFill>
                   <a:srgbClr val="808080"/>
                 </a:solidFill>
@@ -8439,17 +8495,15 @@
                 <a:sym typeface="Courier"/>
               </a:defRPr>
             </a:pPr>
-            <a:endParaRPr>
-              <a:solidFill>
-                <a:srgbClr val="808080"/>
-              </a:solidFill>
-            </a:endParaRPr>
+            <a:r>
+              <a:t>}</a:t>
+            </a:r>
           </a:p>
           <a:p>
             <a:pPr defTabSz="457200">
-              <a:defRPr sz="4500" b="0">
-                <a:solidFill>
-                  <a:srgbClr val="0433FF"/>
+              <a:defRPr sz="3300" b="0">
+                <a:solidFill>
+                  <a:srgbClr val="808080"/>
                 </a:solidFill>
                 <a:latin typeface="Courier"/>
                 <a:ea typeface="Courier"/>
@@ -8457,23 +8511,13 @@
                 <a:sym typeface="Courier"/>
               </a:defRPr>
             </a:pPr>
-            <a:r>
-              <a:t>func</a:t>
-            </a:r>
-            <a:r>
-              <a:rPr>
-                <a:solidFill>
-                  <a:srgbClr val="808080"/>
-                </a:solidFill>
-              </a:rPr>
-              <a:t> main() {</a:t>
-            </a:r>
+            <a:endParaRPr/>
           </a:p>
           <a:p>
             <a:pPr defTabSz="457200">
-              <a:defRPr sz="4500" b="0">
-                <a:solidFill>
-                  <a:srgbClr val="808080"/>
+              <a:defRPr sz="3300" b="0">
+                <a:solidFill>
+                  <a:srgbClr val="0433FF"/>
                 </a:solidFill>
                 <a:latin typeface="Courier"/>
                 <a:ea typeface="Courier"/>
@@ -8482,39 +8526,36 @@
               </a:defRPr>
             </a:pPr>
             <a:r>
-              <a:t>    fmt.Printf(</a:t>
-            </a:r>
-            <a:r>
-              <a:rPr b="1">
-                <a:solidFill>
-                  <a:srgbClr val="FF40FF"/>
+              <a:t>func</a:t>
+            </a:r>
+            <a:r>
+              <a:rPr>
+                <a:solidFill>
+                  <a:srgbClr val="808080"/>
                 </a:solidFill>
               </a:rPr>
-              <a:t>"Hello, World</a:t>
-            </a:r>
-            <a:r>
-              <a:rPr b="1">
-                <a:solidFill>
-                  <a:srgbClr val="FF6060"/>
+              <a:t> returnLocal() </a:t>
+            </a:r>
+            <a:r>
+              <a:rPr>
+                <a:solidFill>
+                  <a:srgbClr val="654ACD"/>
                 </a:solidFill>
               </a:rPr>
-              <a:t>\n</a:t>
-            </a:r>
-            <a:r>
-              <a:rPr b="1">
-                <a:solidFill>
-                  <a:srgbClr val="FF40FF"/>
+              <a:t>int</a:t>
+            </a:r>
+            <a:r>
+              <a:rPr>
+                <a:solidFill>
+                  <a:srgbClr val="808080"/>
                 </a:solidFill>
               </a:rPr>
-              <a:t>"</a:t>
-            </a:r>
-            <a:r>
-              <a:t>)</a:t>
+              <a:t> {</a:t>
             </a:r>
           </a:p>
           <a:p>
             <a:pPr defTabSz="457200">
-              <a:defRPr sz="4500" b="0">
+              <a:defRPr sz="3300" b="0">
                 <a:solidFill>
                   <a:srgbClr val="808080"/>
                 </a:solidFill>
@@ -8525,6 +8566,92 @@
               </a:defRPr>
             </a:pPr>
             <a:r>
+              <a:t>    </a:t>
+            </a:r>
+            <a:r>
+              <a:rPr>
+                <a:solidFill>
+                  <a:srgbClr val="0433FF"/>
+                </a:solidFill>
+              </a:rPr>
+              <a:t>var</a:t>
+            </a:r>
+            <a:r>
+              <a:t> localvale </a:t>
+            </a:r>
+            <a:r>
+              <a:rPr>
+                <a:solidFill>
+                  <a:srgbClr val="654ACD"/>
+                </a:solidFill>
+              </a:rPr>
+              <a:t>int</a:t>
+            </a:r>
+          </a:p>
+          <a:p>
+            <a:pPr defTabSz="457200">
+              <a:defRPr sz="3300" b="0">
+                <a:solidFill>
+                  <a:srgbClr val="808080"/>
+                </a:solidFill>
+                <a:latin typeface="Courier"/>
+                <a:ea typeface="Courier"/>
+                <a:cs typeface="Courier"/>
+                <a:sym typeface="Courier"/>
+              </a:defRPr>
+            </a:pPr>
+            <a:r>
+              <a:t>    localvalue = </a:t>
+            </a:r>
+            <a:r>
+              <a:rPr b="1">
+                <a:solidFill>
+                  <a:srgbClr val="FF6060"/>
+                </a:solidFill>
+              </a:rPr>
+              <a:t>10</a:t>
+            </a:r>
+          </a:p>
+          <a:p>
+            <a:pPr defTabSz="457200">
+              <a:defRPr sz="3300" b="0">
+                <a:solidFill>
+                  <a:srgbClr val="808080"/>
+                </a:solidFill>
+                <a:latin typeface="Courier"/>
+                <a:ea typeface="Courier"/>
+                <a:cs typeface="Courier"/>
+                <a:sym typeface="Courier"/>
+              </a:defRPr>
+            </a:pPr>
+            <a:r>
+              <a:t>    </a:t>
+            </a:r>
+            <a:r>
+              <a:rPr>
+                <a:solidFill>
+                  <a:srgbClr val="0433FF"/>
+                </a:solidFill>
+              </a:rPr>
+              <a:t>return</a:t>
+            </a:r>
+            <a:r>
+              <a:t> &amp;localvalue</a:t>
+            </a:r>
+          </a:p>
+          <a:p>
+            <a:pPr defTabSz="457200">
+              <a:defRPr sz="3300" b="0">
+                <a:solidFill>
+                  <a:srgbClr val="808080"/>
+                </a:solidFill>
+                <a:latin typeface="Courier"/>
+                <a:ea typeface="Courier"/>
+                <a:cs typeface="Courier"/>
+                <a:sym typeface="Courier"/>
+              </a:defRPr>
+            </a:pPr>
+            <a:r>
               <a:t>}</a:t>
             </a:r>
           </a:p>
@@ -8532,7 +8659,7 @@
       </p:sp>
       <p:pic>
         <p:nvPicPr>
-          <p:cNvPr id="411" name="image5.png"/>
+          <p:cNvPr id="415" name="image5.png"/>
           <p:cNvPicPr>
             <a:picLocks noChangeAspect="1"/>
           </p:cNvPicPr>
@@ -8548,7 +8675,7 @@
         </p:blipFill>
         <p:spPr>
           <a:xfrm>
-            <a:off x="5872974" y="698871"/>
+            <a:off x="6502400" y="652952"/>
             <a:ext cx="1003616" cy="1286687"/>
           </a:xfrm>
           <a:prstGeom prst="rect">
@@ -8594,7 +8721,7 @@
       </p:grpSpPr>
       <p:sp>
         <p:nvSpPr>
-          <p:cNvPr id="413" name="Shape 413"/>
+          <p:cNvPr id="417" name="Shape 417"/>
           <p:cNvSpPr>
             <a:spLocks noGrp="1"/>
           </p:cNvSpPr>
@@ -8612,21 +8739,21 @@
           <a:lstStyle/>
           <a:p>
             <a:r>
-              <a:t>Heap? Stack?</a:t>
-            </a:r>
-          </a:p>
-        </p:txBody>
-      </p:sp>
-      <p:sp>
-        <p:nvSpPr>
-          <p:cNvPr id="414" name="Shape 414"/>
+              <a:t>Strong Type</a:t>
+            </a:r>
+          </a:p>
+        </p:txBody>
+      </p:sp>
+      <p:sp>
+        <p:nvSpPr>
+          <p:cNvPr id="418" name="Shape 418"/>
           <p:cNvSpPr/>
           <p:nvPr/>
         </p:nvSpPr>
         <p:spPr>
           <a:xfrm>
-            <a:off x="1918232" y="2603499"/>
-            <a:ext cx="8916834" cy="5181601"/>
+            <a:off x="1045476" y="2793999"/>
+            <a:ext cx="11180342" cy="4165601"/>
           </a:xfrm>
           <a:prstGeom prst="rect">
             <a:avLst/>
@@ -8636,7 +8763,7 @@
           </a:ln>
           <a:extLst>
             <a:ext uri="{C572A759-6A51-4108-AA02-DFA0A04FC94B}">
-              <ma14:wrappingTextBoxFlag xmlns="" xmlns:ma14="http://schemas.microsoft.com/office/mac/drawingml/2011/main" val="1"/>
+              <ma14:wrappingTextBoxFlag xmlns:ma14="http://schemas.microsoft.com/office/mac/drawingml/2011/main" xmlns="" val="1"/>
             </a:ext>
           </a:extLst>
         </p:spPr>
@@ -8666,7 +8793,7 @@
                   <a:srgbClr val="808080"/>
                 </a:solidFill>
               </a:rPr>
-              <a:t> getlocal() {</a:t>
+              <a:t> noboxing() {</a:t>
             </a:r>
           </a:p>
           <a:p>
@@ -8682,7 +8809,26 @@
               </a:defRPr>
             </a:pPr>
             <a:r>
-              <a:t>    i := returnLocal()</a:t>
+              <a:t>    </a:t>
+            </a:r>
+            <a:r>
+              <a:rPr>
+                <a:solidFill>
+                  <a:srgbClr val="0433FF"/>
+                </a:solidFill>
+              </a:rPr>
+              <a:t>var</a:t>
+            </a:r>
+            <a:r>
+              <a:t> x </a:t>
+            </a:r>
+            <a:r>
+              <a:rPr>
+                <a:solidFill>
+                  <a:srgbClr val="654ACD"/>
+                </a:solidFill>
+              </a:rPr>
+              <a:t>int</a:t>
             </a:r>
           </a:p>
           <a:p>
@@ -8698,34 +8844,26 @@
               </a:defRPr>
             </a:pPr>
             <a:r>
-              <a:t>    fmt.Printf(</a:t>
-            </a:r>
-            <a:r>
-              <a:rPr b="1">
-                <a:solidFill>
-                  <a:srgbClr val="FF40FF"/>
+              <a:t>    </a:t>
+            </a:r>
+            <a:r>
+              <a:rPr>
+                <a:solidFill>
+                  <a:srgbClr val="0433FF"/>
                 </a:solidFill>
               </a:rPr>
-              <a:t>"No error %d</a:t>
-            </a:r>
-            <a:r>
-              <a:rPr b="1">
-                <a:solidFill>
-                  <a:srgbClr val="FF6060"/>
+              <a:t>var</a:t>
+            </a:r>
+            <a:r>
+              <a:t> y </a:t>
+            </a:r>
+            <a:r>
+              <a:rPr>
+                <a:solidFill>
+                  <a:srgbClr val="654ACD"/>
                 </a:solidFill>
               </a:rPr>
-              <a:t>\n</a:t>
-            </a:r>
-            <a:r>
-              <a:rPr b="1">
-                <a:solidFill>
-                  <a:srgbClr val="FF40FF"/>
-                </a:solidFill>
-              </a:rPr>
-              <a:t>"</a:t>
-            </a:r>
-            <a:r>
-              <a:t>, i)</a:t>
+              <a:t>int16</a:t>
             </a:r>
           </a:p>
           <a:p>
@@ -8741,7 +8879,15 @@
               </a:defRPr>
             </a:pPr>
             <a:r>
-              <a:t>}</a:t>
+              <a:t>    x = </a:t>
+            </a:r>
+            <a:r>
+              <a:rPr b="1">
+                <a:solidFill>
+                  <a:srgbClr val="FF6060"/>
+                </a:solidFill>
+              </a:rPr>
+              <a:t>10</a:t>
             </a:r>
           </a:p>
           <a:p>
@@ -8756,13 +8902,19 @@
                 <a:sym typeface="Courier"/>
               </a:defRPr>
             </a:pPr>
-            <a:endParaRPr/>
+            <a:r>
+              <a:t>    </a:t>
+            </a:r>
+            <a:r>
+              <a:rPr b="1"/>
+              <a:t>// y = x  // cannot use x as type int16</a:t>
+            </a:r>
           </a:p>
           <a:p>
             <a:pPr defTabSz="457200">
               <a:defRPr sz="3300" b="0">
                 <a:solidFill>
-                  <a:srgbClr val="0433FF"/>
+                  <a:srgbClr val="808080"/>
                 </a:solidFill>
                 <a:latin typeface="Courier"/>
                 <a:ea typeface="Courier"/>
@@ -8771,31 +8923,18 @@
               </a:defRPr>
             </a:pPr>
             <a:r>
-              <a:t>func</a:t>
+              <a:t>    y = </a:t>
             </a:r>
             <a:r>
               <a:rPr>
                 <a:solidFill>
-                  <a:srgbClr val="808080"/>
+                  <a:srgbClr val="654ACD"/>
                 </a:solidFill>
               </a:rPr>
-              <a:t> returnLocal() </a:t>
-            </a:r>
-            <a:r>
-              <a:rPr>
-                <a:solidFill>
-                  <a:srgbClr val="654ACD"/>
-                </a:solidFill>
-              </a:rPr>
-              <a:t>int</a:t>
-            </a:r>
-            <a:r>
-              <a:rPr>
-                <a:solidFill>
-                  <a:srgbClr val="808080"/>
-                </a:solidFill>
-              </a:rPr>
-              <a:t> {</a:t>
+              <a:t>int16</a:t>
+            </a:r>
+            <a:r>
+              <a:t>(x)</a:t>
             </a:r>
           </a:p>
           <a:p>
@@ -8811,26 +8950,34 @@
               </a:defRPr>
             </a:pPr>
             <a:r>
-              <a:t>    </a:t>
-            </a:r>
-            <a:r>
-              <a:rPr>
-                <a:solidFill>
-                  <a:srgbClr val="0433FF"/>
+              <a:t>    fmt.Printf(</a:t>
+            </a:r>
+            <a:r>
+              <a:rPr b="1">
+                <a:solidFill>
+                  <a:srgbClr val="FF40FF"/>
                 </a:solidFill>
               </a:rPr>
-              <a:t>var</a:t>
-            </a:r>
-            <a:r>
-              <a:t> localvale </a:t>
-            </a:r>
-            <a:r>
-              <a:rPr>
-                <a:solidFill>
-                  <a:srgbClr val="654ACD"/>
+              <a:t>"y = %d</a:t>
+            </a:r>
+            <a:r>
+              <a:rPr b="1">
+                <a:solidFill>
+                  <a:srgbClr val="FF6060"/>
                 </a:solidFill>
               </a:rPr>
-              <a:t>int</a:t>
+              <a:t>\n</a:t>
+            </a:r>
+            <a:r>
+              <a:rPr b="1">
+                <a:solidFill>
+                  <a:srgbClr val="FF40FF"/>
+                </a:solidFill>
+              </a:rPr>
+              <a:t>"</a:t>
+            </a:r>
+            <a:r>
+              <a:t>, y)</a:t>
             </a:r>
           </a:p>
           <a:p>
@@ -8846,57 +8993,6 @@
               </a:defRPr>
             </a:pPr>
             <a:r>
-              <a:t>    localvalue = </a:t>
-            </a:r>
-            <a:r>
-              <a:rPr b="1">
-                <a:solidFill>
-                  <a:srgbClr val="FF6060"/>
-                </a:solidFill>
-              </a:rPr>
-              <a:t>10</a:t>
-            </a:r>
-          </a:p>
-          <a:p>
-            <a:pPr defTabSz="457200">
-              <a:defRPr sz="3300" b="0">
-                <a:solidFill>
-                  <a:srgbClr val="808080"/>
-                </a:solidFill>
-                <a:latin typeface="Courier"/>
-                <a:ea typeface="Courier"/>
-                <a:cs typeface="Courier"/>
-                <a:sym typeface="Courier"/>
-              </a:defRPr>
-            </a:pPr>
-            <a:r>
-              <a:t>    </a:t>
-            </a:r>
-            <a:r>
-              <a:rPr>
-                <a:solidFill>
-                  <a:srgbClr val="0433FF"/>
-                </a:solidFill>
-              </a:rPr>
-              <a:t>return</a:t>
-            </a:r>
-            <a:r>
-              <a:t> &amp;localvalue</a:t>
-            </a:r>
-          </a:p>
-          <a:p>
-            <a:pPr defTabSz="457200">
-              <a:defRPr sz="3300" b="0">
-                <a:solidFill>
-                  <a:srgbClr val="808080"/>
-                </a:solidFill>
-                <a:latin typeface="Courier"/>
-                <a:ea typeface="Courier"/>
-                <a:cs typeface="Courier"/>
-                <a:sym typeface="Courier"/>
-              </a:defRPr>
-            </a:pPr>
-            <a:r>
               <a:t>}</a:t>
             </a:r>
           </a:p>
@@ -8904,7 +9000,7 @@
       </p:sp>
       <p:pic>
         <p:nvPicPr>
-          <p:cNvPr id="415" name="image5.png"/>
+          <p:cNvPr id="419" name="image5.png"/>
           <p:cNvPicPr>
             <a:picLocks noChangeAspect="1"/>
           </p:cNvPicPr>
@@ -8920,7 +9016,7 @@
         </p:blipFill>
         <p:spPr>
           <a:xfrm>
-            <a:off x="6502400" y="652952"/>
+            <a:off x="6133839" y="636816"/>
             <a:ext cx="1003616" cy="1286687"/>
           </a:xfrm>
           <a:prstGeom prst="rect">
@@ -8966,7 +9062,7 @@
       </p:grpSpPr>
       <p:sp>
         <p:nvSpPr>
-          <p:cNvPr id="417" name="Shape 417"/>
+          <p:cNvPr id="421" name="Shape 421"/>
           <p:cNvSpPr>
             <a:spLocks noGrp="1"/>
           </p:cNvSpPr>
@@ -8984,21 +9080,21 @@
           <a:lstStyle/>
           <a:p>
             <a:r>
-              <a:t>Strong Type</a:t>
-            </a:r>
-          </a:p>
-        </p:txBody>
-      </p:sp>
-      <p:sp>
-        <p:nvSpPr>
-          <p:cNvPr id="418" name="Shape 418"/>
+              <a:t>Modern Pointer</a:t>
+            </a:r>
+          </a:p>
+        </p:txBody>
+      </p:sp>
+      <p:sp>
+        <p:nvSpPr>
+          <p:cNvPr id="422" name="Shape 422"/>
           <p:cNvSpPr/>
           <p:nvPr/>
         </p:nvSpPr>
         <p:spPr>
           <a:xfrm>
-            <a:off x="1045476" y="2793999"/>
-            <a:ext cx="11180342" cy="4165601"/>
+            <a:off x="959075" y="2908300"/>
+            <a:ext cx="11934845" cy="3149600"/>
           </a:xfrm>
           <a:prstGeom prst="rect">
             <a:avLst/>
@@ -9008,7 +9104,7 @@
           </a:ln>
           <a:extLst>
             <a:ext uri="{C572A759-6A51-4108-AA02-DFA0A04FC94B}">
-              <ma14:wrappingTextBoxFlag xmlns="" xmlns:ma14="http://schemas.microsoft.com/office/mac/drawingml/2011/main" val="1"/>
+              <ma14:wrappingTextBoxFlag xmlns:ma14="http://schemas.microsoft.com/office/mac/drawingml/2011/main" xmlns="" val="1"/>
             </a:ext>
           </a:extLst>
         </p:spPr>
@@ -9038,7 +9134,7 @@
                   <a:srgbClr val="808080"/>
                 </a:solidFill>
               </a:rPr>
-              <a:t> noboxing() {</a:t>
+              <a:t> pointer() {</a:t>
             </a:r>
           </a:p>
           <a:p>
@@ -9054,26 +9150,11 @@
               </a:defRPr>
             </a:pPr>
             <a:r>
-              <a:t>    </a:t>
-            </a:r>
-            <a:r>
-              <a:rPr>
-                <a:solidFill>
-                  <a:srgbClr val="0433FF"/>
-                </a:solidFill>
-              </a:rPr>
-              <a:t>var</a:t>
-            </a:r>
-            <a:r>
-              <a:t> x </a:t>
-            </a:r>
-            <a:r>
-              <a:rPr>
-                <a:solidFill>
-                  <a:srgbClr val="654ACD"/>
-                </a:solidFill>
-              </a:rPr>
-              <a:t>int</a:t>
+              <a:t>    x := big.Int{}     </a:t>
+            </a:r>
+            <a:r>
+              <a:rPr b="1"/>
+              <a:t>// x big.Int</a:t>
             </a:r>
           </a:p>
           <a:p>
@@ -9089,26 +9170,22 @@
               </a:defRPr>
             </a:pPr>
             <a:r>
-              <a:t>    </a:t>
-            </a:r>
-            <a:r>
-              <a:rPr>
-                <a:solidFill>
-                  <a:srgbClr val="0433FF"/>
+              <a:t>    y := big.NewInt(</a:t>
+            </a:r>
+            <a:r>
+              <a:rPr b="1">
+                <a:solidFill>
+                  <a:srgbClr val="FF6060"/>
                 </a:solidFill>
               </a:rPr>
-              <a:t>var</a:t>
-            </a:r>
-            <a:r>
-              <a:t> y </a:t>
-            </a:r>
-            <a:r>
-              <a:rPr>
-                <a:solidFill>
-                  <a:srgbClr val="654ACD"/>
-                </a:solidFill>
-              </a:rPr>
-              <a:t>int16</a:t>
+              <a:t>0</a:t>
+            </a:r>
+            <a:r>
+              <a:t>) </a:t>
+            </a:r>
+            <a:r>
+              <a:rPr b="1"/>
+              <a:t>// y *big.Int</a:t>
             </a:r>
           </a:p>
           <a:p>
@@ -9124,7 +9201,7 @@
               </a:defRPr>
             </a:pPr>
             <a:r>
-              <a:t>    x = </a:t>
+              <a:t>    x.SetUint64(</a:t>
             </a:r>
             <a:r>
               <a:rPr b="1">
@@ -9132,7 +9209,14 @@
                   <a:srgbClr val="FF6060"/>
                 </a:solidFill>
               </a:rPr>
-              <a:t>10</a:t>
+              <a:t>123</a:t>
+            </a:r>
+            <a:r>
+              <a:t>)   </a:t>
+            </a:r>
+            <a:r>
+              <a:rPr b="1"/>
+              <a:t>// x := 123</a:t>
             </a:r>
           </a:p>
           <a:p>
@@ -9148,11 +9232,22 @@
               </a:defRPr>
             </a:pPr>
             <a:r>
-              <a:t>    </a:t>
+              <a:t>    y.SetUint64(</a:t>
+            </a:r>
+            <a:r>
+              <a:rPr b="1">
+                <a:solidFill>
+                  <a:srgbClr val="FF6060"/>
+                </a:solidFill>
+              </a:rPr>
+              <a:t>321</a:t>
+            </a:r>
+            <a:r>
+              <a:t>)   </a:t>
             </a:r>
             <a:r>
               <a:rPr b="1"/>
-              <a:t>// y = x  // cannot use x as type int16</a:t>
+              <a:t>// Do not use arrow(-&gt;)</a:t>
             </a:r>
           </a:p>
           <a:p>
@@ -9168,76 +9263,6 @@
               </a:defRPr>
             </a:pPr>
             <a:r>
-              <a:t>    y = </a:t>
-            </a:r>
-            <a:r>
-              <a:rPr>
-                <a:solidFill>
-                  <a:srgbClr val="654ACD"/>
-                </a:solidFill>
-              </a:rPr>
-              <a:t>int16</a:t>
-            </a:r>
-            <a:r>
-              <a:t>(x)</a:t>
-            </a:r>
-          </a:p>
-          <a:p>
-            <a:pPr defTabSz="457200">
-              <a:defRPr sz="3300" b="0">
-                <a:solidFill>
-                  <a:srgbClr val="808080"/>
-                </a:solidFill>
-                <a:latin typeface="Courier"/>
-                <a:ea typeface="Courier"/>
-                <a:cs typeface="Courier"/>
-                <a:sym typeface="Courier"/>
-              </a:defRPr>
-            </a:pPr>
-            <a:r>
-              <a:t>    fmt.Printf(</a:t>
-            </a:r>
-            <a:r>
-              <a:rPr b="1">
-                <a:solidFill>
-                  <a:srgbClr val="FF40FF"/>
-                </a:solidFill>
-              </a:rPr>
-              <a:t>"y = %d</a:t>
-            </a:r>
-            <a:r>
-              <a:rPr b="1">
-                <a:solidFill>
-                  <a:srgbClr val="FF6060"/>
-                </a:solidFill>
-              </a:rPr>
-              <a:t>\n</a:t>
-            </a:r>
-            <a:r>
-              <a:rPr b="1">
-                <a:solidFill>
-                  <a:srgbClr val="FF40FF"/>
-                </a:solidFill>
-              </a:rPr>
-              <a:t>"</a:t>
-            </a:r>
-            <a:r>
-              <a:t>, y)</a:t>
-            </a:r>
-          </a:p>
-          <a:p>
-            <a:pPr defTabSz="457200">
-              <a:defRPr sz="3300" b="0">
-                <a:solidFill>
-                  <a:srgbClr val="808080"/>
-                </a:solidFill>
-                <a:latin typeface="Courier"/>
-                <a:ea typeface="Courier"/>
-                <a:cs typeface="Courier"/>
-                <a:sym typeface="Courier"/>
-              </a:defRPr>
-            </a:pPr>
-            <a:r>
               <a:t>}</a:t>
             </a:r>
           </a:p>
@@ -9245,7 +9270,7 @@
       </p:sp>
       <p:pic>
         <p:nvPicPr>
-          <p:cNvPr id="419" name="image5.png"/>
+          <p:cNvPr id="423" name="image5.png"/>
           <p:cNvPicPr>
             <a:picLocks noChangeAspect="1"/>
           </p:cNvPicPr>
@@ -9261,7 +9286,7 @@
         </p:blipFill>
         <p:spPr>
           <a:xfrm>
-            <a:off x="6133839" y="636816"/>
+            <a:off x="7337029" y="591992"/>
             <a:ext cx="1003616" cy="1286687"/>
           </a:xfrm>
           <a:prstGeom prst="rect">
@@ -9307,7 +9332,7 @@
       </p:grpSpPr>
       <p:sp>
         <p:nvSpPr>
-          <p:cNvPr id="421" name="Shape 421"/>
+          <p:cNvPr id="425" name="Shape 425"/>
           <p:cNvSpPr>
             <a:spLocks noGrp="1"/>
           </p:cNvSpPr>
@@ -9325,21 +9350,21 @@
           <a:lstStyle/>
           <a:p>
             <a:r>
-              <a:t>Modern Pointer</a:t>
-            </a:r>
-          </a:p>
-        </p:txBody>
-      </p:sp>
-      <p:sp>
-        <p:nvSpPr>
-          <p:cNvPr id="422" name="Shape 422"/>
+              <a:t>Support Complex Value</a:t>
+            </a:r>
+          </a:p>
+        </p:txBody>
+      </p:sp>
+      <p:sp>
+        <p:nvSpPr>
+          <p:cNvPr id="426" name="Shape 426"/>
           <p:cNvSpPr/>
           <p:nvPr/>
         </p:nvSpPr>
         <p:spPr>
           <a:xfrm>
-            <a:off x="959075" y="2908300"/>
-            <a:ext cx="11934845" cy="3149600"/>
+            <a:off x="1129435" y="3111499"/>
+            <a:ext cx="10745931" cy="3530601"/>
           </a:xfrm>
           <a:prstGeom prst="rect">
             <a:avLst/>
@@ -9349,7 +9374,7 @@
           </a:ln>
           <a:extLst>
             <a:ext uri="{C572A759-6A51-4108-AA02-DFA0A04FC94B}">
-              <ma14:wrappingTextBoxFlag xmlns="" xmlns:ma14="http://schemas.microsoft.com/office/mac/drawingml/2011/main" val="1"/>
+              <ma14:wrappingTextBoxFlag xmlns:ma14="http://schemas.microsoft.com/office/mac/drawingml/2011/main" xmlns="" val="1"/>
             </a:ext>
           </a:extLst>
         </p:spPr>
@@ -9360,7 +9385,7 @@
           <a:lstStyle/>
           <a:p>
             <a:pPr defTabSz="457200">
-              <a:defRPr sz="3300" b="0">
+              <a:defRPr sz="4500" b="0">
                 <a:solidFill>
                   <a:srgbClr val="0433FF"/>
                 </a:solidFill>
@@ -9379,12 +9404,12 @@
                   <a:srgbClr val="808080"/>
                 </a:solidFill>
               </a:rPr>
-              <a:t> pointer() {</a:t>
+              <a:t> math() {</a:t>
             </a:r>
           </a:p>
           <a:p>
             <a:pPr defTabSz="457200">
-              <a:defRPr sz="3300" b="0">
+              <a:defRPr sz="4500" b="0">
                 <a:solidFill>
                   <a:srgbClr val="808080"/>
                 </a:solidFill>
@@ -9395,16 +9420,31 @@
               </a:defRPr>
             </a:pPr>
             <a:r>
-              <a:t>    x := big.Int{}     </a:t>
-            </a:r>
-            <a:r>
-              <a:rPr b="1"/>
-              <a:t>// x big.Int</a:t>
+              <a:t>    </a:t>
+            </a:r>
+            <a:r>
+              <a:rPr>
+                <a:solidFill>
+                  <a:srgbClr val="0433FF"/>
+                </a:solidFill>
+              </a:rPr>
+              <a:t>var</a:t>
+            </a:r>
+            <a:r>
+              <a:t> x </a:t>
+            </a:r>
+            <a:r>
+              <a:rPr>
+                <a:solidFill>
+                  <a:srgbClr val="654ACD"/>
+                </a:solidFill>
+              </a:rPr>
+              <a:t>complex64</a:t>
             </a:r>
           </a:p>
           <a:p>
             <a:pPr defTabSz="457200">
-              <a:defRPr sz="3300" b="0">
+              <a:defRPr sz="4500" b="0">
                 <a:solidFill>
                   <a:srgbClr val="808080"/>
                 </a:solidFill>
@@ -9415,7 +9455,7 @@
               </a:defRPr>
             </a:pPr>
             <a:r>
-              <a:t>    y := big.NewInt(</a:t>
+              <a:t>    x = </a:t>
             </a:r>
             <a:r>
               <a:rPr b="1">
@@ -9423,19 +9463,23 @@
                   <a:srgbClr val="FF6060"/>
                 </a:solidFill>
               </a:rPr>
-              <a:t>0</a:t>
-            </a:r>
-            <a:r>
-              <a:t>) </a:t>
-            </a:r>
-            <a:r>
-              <a:rPr b="1"/>
-              <a:t>// y *big.Int</a:t>
+              <a:t>10i</a:t>
+            </a:r>
+            <a:r>
+              <a:t> + </a:t>
+            </a:r>
+            <a:r>
+              <a:rPr b="1">
+                <a:solidFill>
+                  <a:srgbClr val="FF6060"/>
+                </a:solidFill>
+              </a:rPr>
+              <a:t>20</a:t>
             </a:r>
           </a:p>
           <a:p>
             <a:pPr defTabSz="457200">
-              <a:defRPr sz="3300" b="0">
+              <a:defRPr sz="4500" b="0">
                 <a:solidFill>
                   <a:srgbClr val="808080"/>
                 </a:solidFill>
@@ -9446,27 +9490,16 @@
               </a:defRPr>
             </a:pPr>
             <a:r>
-              <a:t>    x.SetUint64(</a:t>
-            </a:r>
-            <a:r>
-              <a:rPr b="1">
-                <a:solidFill>
-                  <a:srgbClr val="FF6060"/>
-                </a:solidFill>
-              </a:rPr>
-              <a:t>123</a:t>
-            </a:r>
-            <a:r>
-              <a:t>)   </a:t>
+              <a:t>    fmt.Println(x) </a:t>
             </a:r>
             <a:r>
               <a:rPr b="1"/>
-              <a:t>// x := 123</a:t>
+              <a:t>// (20+10i)</a:t>
             </a:r>
           </a:p>
           <a:p>
             <a:pPr defTabSz="457200">
-              <a:defRPr sz="3300" b="0">
+              <a:defRPr sz="4500" b="0">
                 <a:solidFill>
                   <a:srgbClr val="808080"/>
                 </a:solidFill>
@@ -9477,37 +9510,6 @@
               </a:defRPr>
             </a:pPr>
             <a:r>
-              <a:t>    y.SetUint64(</a:t>
-            </a:r>
-            <a:r>
-              <a:rPr b="1">
-                <a:solidFill>
-                  <a:srgbClr val="FF6060"/>
-                </a:solidFill>
-              </a:rPr>
-              <a:t>321</a:t>
-            </a:r>
-            <a:r>
-              <a:t>)   </a:t>
-            </a:r>
-            <a:r>
-              <a:rPr b="1"/>
-              <a:t>// Do not use arrow(-&gt;)</a:t>
-            </a:r>
-          </a:p>
-          <a:p>
-            <a:pPr defTabSz="457200">
-              <a:defRPr sz="3300" b="0">
-                <a:solidFill>
-                  <a:srgbClr val="808080"/>
-                </a:solidFill>
-                <a:latin typeface="Courier"/>
-                <a:ea typeface="Courier"/>
-                <a:cs typeface="Courier"/>
-                <a:sym typeface="Courier"/>
-              </a:defRPr>
-            </a:pPr>
-            <a:r>
               <a:t>}</a:t>
             </a:r>
           </a:p>
@@ -9515,7 +9517,7 @@
       </p:sp>
       <p:pic>
         <p:nvPicPr>
-          <p:cNvPr id="423" name="image5.png"/>
+          <p:cNvPr id="427" name="image5.png"/>
           <p:cNvPicPr>
             <a:picLocks noChangeAspect="1"/>
           </p:cNvPicPr>
@@ -9531,7 +9533,7 @@
         </p:blipFill>
         <p:spPr>
           <a:xfrm>
-            <a:off x="7337029" y="591992"/>
+            <a:off x="10580102" y="665143"/>
             <a:ext cx="1003616" cy="1286687"/>
           </a:xfrm>
           <a:prstGeom prst="rect">
@@ -9577,7 +9579,7 @@
       </p:grpSpPr>
       <p:sp>
         <p:nvSpPr>
-          <p:cNvPr id="378" name="Shape 378"/>
+          <p:cNvPr id="381" name="Shape 381"/>
           <p:cNvSpPr>
             <a:spLocks noGrp="1"/>
           </p:cNvSpPr>
@@ -9586,6 +9588,10 @@
           </p:nvPr>
         </p:nvSpPr>
         <p:spPr>
+          <a:xfrm>
+            <a:off x="1270000" y="909339"/>
+            <a:ext cx="10464800" cy="7934922"/>
+          </a:xfrm>
           <a:prstGeom prst="rect">
             <a:avLst/>
           </a:prstGeom>
@@ -9595,92 +9601,16 @@
           <a:lstStyle/>
           <a:p>
             <a:r>
-              <a:t>About me</a:t>
-            </a:r>
-          </a:p>
-        </p:txBody>
-      </p:sp>
-      <p:sp>
-        <p:nvSpPr>
-          <p:cNvPr id="379" name="Shape 379"/>
-          <p:cNvSpPr>
-            <a:spLocks noGrp="1"/>
-          </p:cNvSpPr>
-          <p:nvPr>
-            <p:ph type="body" idx="1"/>
-          </p:nvPr>
-        </p:nvSpPr>
-        <p:spPr>
-          <a:prstGeom prst="rect">
-            <a:avLst/>
-          </a:prstGeom>
-        </p:spPr>
-        <p:txBody>
-          <a:bodyPr/>
-          <a:lstStyle/>
-          <a:p>
-            <a:r>
-              <a:rPr dirty="0"/>
-              <a:t>Joined RITS in 2011</a:t>
-            </a:r>
-          </a:p>
-          <a:p>
-            <a:r>
-              <a:rPr dirty="0"/>
-              <a:t>Use Language C/C++, C#, Java, </a:t>
-            </a:r>
-            <a:r>
-              <a:rPr dirty="0" err="1"/>
-              <a:t>GoLang</a:t>
-            </a:r>
-            <a:endParaRPr dirty="0"/>
-          </a:p>
-          <a:p>
+              <a:rPr lang="en-US" dirty="0" smtClean="0"/>
+              <a:t>What is</a:t>
+            </a:r>
             <a:r>
               <a:rPr dirty="0" smtClean="0"/>
-              <a:t>Work</a:t>
+              <a:t> Go</a:t>
             </a:r>
             <a:r>
               <a:rPr lang="en-US" dirty="0" smtClean="0"/>
-              <a:t>s</a:t>
-            </a:r>
-            <a:r>
-              <a:rPr dirty="0" smtClean="0"/>
-              <a:t> </a:t>
-            </a:r>
-            <a:r>
-              <a:rPr dirty="0"/>
-              <a:t>history</a:t>
-            </a:r>
-          </a:p>
-          <a:p>
-            <a:pPr lvl="1"/>
-            <a:r>
-              <a:rPr dirty="0"/>
-              <a:t>Production Printing (2012 - 2016)</a:t>
-            </a:r>
-          </a:p>
-          <a:p>
-            <a:pPr lvl="1"/>
-            <a:r>
-              <a:rPr dirty="0"/>
-              <a:t>Document Solution </a:t>
-            </a:r>
-            <a:r>
-              <a:rPr dirty="0" smtClean="0"/>
-              <a:t>(2016</a:t>
-            </a:r>
-            <a:r>
-              <a:rPr lang="ja-JP" altLang="en-US" dirty="0"/>
-              <a:t> </a:t>
-            </a:r>
-            <a:r>
-              <a:rPr lang="en-US" altLang="ja-JP" dirty="0" smtClean="0"/>
-              <a:t>- </a:t>
-            </a:r>
-            <a:r>
-              <a:rPr dirty="0" smtClean="0"/>
-              <a:t>)</a:t>
+              <a:t>?</a:t>
             </a:r>
             <a:endParaRPr dirty="0"/>
           </a:p>
@@ -9721,7 +9651,7 @@
       </p:grpSpPr>
       <p:sp>
         <p:nvSpPr>
-          <p:cNvPr id="425" name="Shape 425"/>
+          <p:cNvPr id="429" name="Shape 429"/>
           <p:cNvSpPr>
             <a:spLocks noGrp="1"/>
           </p:cNvSpPr>
@@ -9739,21 +9669,21 @@
           <a:lstStyle/>
           <a:p>
             <a:r>
-              <a:t>Support Complex Value</a:t>
-            </a:r>
-          </a:p>
-        </p:txBody>
-      </p:sp>
-      <p:sp>
-        <p:nvSpPr>
-          <p:cNvPr id="426" name="Shape 426"/>
+              <a:t>Multiple Return</a:t>
+            </a:r>
+          </a:p>
+        </p:txBody>
+      </p:sp>
+      <p:sp>
+        <p:nvSpPr>
+          <p:cNvPr id="430" name="Shape 430"/>
           <p:cNvSpPr/>
           <p:nvPr/>
         </p:nvSpPr>
         <p:spPr>
           <a:xfrm>
-            <a:off x="1129435" y="3111499"/>
-            <a:ext cx="10745931" cy="3530601"/>
+            <a:off x="1022575" y="2285999"/>
+            <a:ext cx="9922838" cy="5181601"/>
           </a:xfrm>
           <a:prstGeom prst="rect">
             <a:avLst/>
@@ -9763,7 +9693,7 @@
           </a:ln>
           <a:extLst>
             <a:ext uri="{C572A759-6A51-4108-AA02-DFA0A04FC94B}">
-              <ma14:wrappingTextBoxFlag xmlns="" xmlns:ma14="http://schemas.microsoft.com/office/mac/drawingml/2011/main" val="1"/>
+              <ma14:wrappingTextBoxFlag xmlns:ma14="http://schemas.microsoft.com/office/mac/drawingml/2011/main" xmlns="" val="1"/>
             </a:ext>
           </a:extLst>
         </p:spPr>
@@ -9774,7 +9704,7 @@
           <a:lstStyle/>
           <a:p>
             <a:pPr defTabSz="457200">
-              <a:defRPr sz="4500" b="0">
+              <a:defRPr sz="3300" b="0">
                 <a:solidFill>
                   <a:srgbClr val="0433FF"/>
                 </a:solidFill>
@@ -9793,12 +9723,12 @@
                   <a:srgbClr val="808080"/>
                 </a:solidFill>
               </a:rPr>
-              <a:t> math() {</a:t>
+              <a:t> multireturn() {</a:t>
             </a:r>
           </a:p>
           <a:p>
             <a:pPr defTabSz="457200">
-              <a:defRPr sz="4500" b="0">
+              <a:defRPr sz="3300" b="0">
                 <a:solidFill>
                   <a:srgbClr val="808080"/>
                 </a:solidFill>
@@ -9809,31 +9739,12 @@
               </a:defRPr>
             </a:pPr>
             <a:r>
-              <a:t>    </a:t>
-            </a:r>
-            <a:r>
-              <a:rPr>
-                <a:solidFill>
-                  <a:srgbClr val="0433FF"/>
-                </a:solidFill>
-              </a:rPr>
-              <a:t>var</a:t>
-            </a:r>
-            <a:r>
-              <a:t> x </a:t>
-            </a:r>
-            <a:r>
-              <a:rPr>
-                <a:solidFill>
-                  <a:srgbClr val="654ACD"/>
-                </a:solidFill>
-              </a:rPr>
-              <a:t>complex64</a:t>
+              <a:t>    q, r := division(10, 3)</a:t>
             </a:r>
           </a:p>
           <a:p>
             <a:pPr defTabSz="457200">
-              <a:defRPr sz="4500" b="0">
+              <a:defRPr sz="3300" b="0">
                 <a:solidFill>
                   <a:srgbClr val="808080"/>
                 </a:solidFill>
@@ -9844,31 +9755,39 @@
               </a:defRPr>
             </a:pPr>
             <a:r>
-              <a:t>    x = </a:t>
+              <a:t>    fmt.Printf(</a:t>
             </a:r>
             <a:r>
               <a:rPr b="1">
                 <a:solidFill>
+                  <a:srgbClr val="FF40FF"/>
+                </a:solidFill>
+              </a:rPr>
+              <a:t>"%d, %d</a:t>
+            </a:r>
+            <a:r>
+              <a:rPr b="1">
+                <a:solidFill>
                   <a:srgbClr val="FF6060"/>
                 </a:solidFill>
               </a:rPr>
-              <a:t>10i</a:t>
-            </a:r>
-            <a:r>
-              <a:t> + </a:t>
+              <a:t>\n</a:t>
             </a:r>
             <a:r>
               <a:rPr b="1">
                 <a:solidFill>
-                  <a:srgbClr val="FF6060"/>
+                  <a:srgbClr val="FF40FF"/>
                 </a:solidFill>
               </a:rPr>
-              <a:t>20</a:t>
+              <a:t>"</a:t>
+            </a:r>
+            <a:r>
+              <a:t>, q, r)</a:t>
             </a:r>
           </a:p>
           <a:p>
             <a:pPr defTabSz="457200">
-              <a:defRPr sz="4500" b="0">
+              <a:defRPr sz="3300" b="0">
                 <a:solidFill>
                   <a:srgbClr val="808080"/>
                 </a:solidFill>
@@ -9879,16 +9798,12 @@
               </a:defRPr>
             </a:pPr>
             <a:r>
-              <a:t>    fmt.Println(x) </a:t>
-            </a:r>
-            <a:r>
-              <a:rPr b="1"/>
-              <a:t>// (20+10i)</a:t>
+              <a:t>}</a:t>
             </a:r>
           </a:p>
           <a:p>
             <a:pPr defTabSz="457200">
-              <a:defRPr sz="4500" b="0">
+              <a:defRPr sz="3300" b="0">
                 <a:solidFill>
                   <a:srgbClr val="808080"/>
                 </a:solidFill>
@@ -9898,6 +9813,155 @@
                 <a:sym typeface="Courier"/>
               </a:defRPr>
             </a:pPr>
+            <a:endParaRPr/>
+          </a:p>
+          <a:p>
+            <a:pPr defTabSz="457200">
+              <a:defRPr sz="3300" b="0">
+                <a:solidFill>
+                  <a:srgbClr val="0433FF"/>
+                </a:solidFill>
+                <a:latin typeface="Courier"/>
+                <a:ea typeface="Courier"/>
+                <a:cs typeface="Courier"/>
+                <a:sym typeface="Courier"/>
+              </a:defRPr>
+            </a:pPr>
+            <a:r>
+              <a:t>func</a:t>
+            </a:r>
+            <a:r>
+              <a:rPr>
+                <a:solidFill>
+                  <a:srgbClr val="808080"/>
+                </a:solidFill>
+              </a:rPr>
+              <a:t> division(x, y </a:t>
+            </a:r>
+            <a:r>
+              <a:rPr>
+                <a:solidFill>
+                  <a:srgbClr val="654ACD"/>
+                </a:solidFill>
+              </a:rPr>
+              <a:t>int</a:t>
+            </a:r>
+            <a:r>
+              <a:rPr>
+                <a:solidFill>
+                  <a:srgbClr val="808080"/>
+                </a:solidFill>
+              </a:rPr>
+              <a:t>) (</a:t>
+            </a:r>
+            <a:r>
+              <a:rPr>
+                <a:solidFill>
+                  <a:srgbClr val="654ACD"/>
+                </a:solidFill>
+              </a:rPr>
+              <a:t>int</a:t>
+            </a:r>
+            <a:r>
+              <a:rPr>
+                <a:solidFill>
+                  <a:srgbClr val="808080"/>
+                </a:solidFill>
+              </a:rPr>
+              <a:t>, </a:t>
+            </a:r>
+            <a:r>
+              <a:rPr>
+                <a:solidFill>
+                  <a:srgbClr val="654ACD"/>
+                </a:solidFill>
+              </a:rPr>
+              <a:t>int</a:t>
+            </a:r>
+            <a:r>
+              <a:rPr>
+                <a:solidFill>
+                  <a:srgbClr val="808080"/>
+                </a:solidFill>
+              </a:rPr>
+              <a:t>) {</a:t>
+            </a:r>
+          </a:p>
+          <a:p>
+            <a:pPr defTabSz="457200">
+              <a:defRPr sz="3300" b="0">
+                <a:solidFill>
+                  <a:srgbClr val="808080"/>
+                </a:solidFill>
+                <a:latin typeface="Courier"/>
+                <a:ea typeface="Courier"/>
+                <a:cs typeface="Courier"/>
+                <a:sym typeface="Courier"/>
+              </a:defRPr>
+            </a:pPr>
+            <a:r>
+              <a:t>    quotient := x / y</a:t>
+            </a:r>
+          </a:p>
+          <a:p>
+            <a:pPr defTabSz="457200">
+              <a:defRPr sz="3300" b="0">
+                <a:solidFill>
+                  <a:srgbClr val="808080"/>
+                </a:solidFill>
+                <a:latin typeface="Courier"/>
+                <a:ea typeface="Courier"/>
+                <a:cs typeface="Courier"/>
+                <a:sym typeface="Courier"/>
+              </a:defRPr>
+            </a:pPr>
+            <a:r>
+              <a:t>    remainder := x % y</a:t>
+            </a:r>
+          </a:p>
+          <a:p>
+            <a:pPr defTabSz="457200">
+              <a:defRPr sz="3300" b="0">
+                <a:solidFill>
+                  <a:srgbClr val="808080"/>
+                </a:solidFill>
+                <a:latin typeface="Courier"/>
+                <a:ea typeface="Courier"/>
+                <a:cs typeface="Courier"/>
+                <a:sym typeface="Courier"/>
+              </a:defRPr>
+            </a:pPr>
+            <a:r>
+              <a:t>    </a:t>
+            </a:r>
+            <a:r>
+              <a:rPr>
+                <a:solidFill>
+                  <a:srgbClr val="0433FF"/>
+                </a:solidFill>
+              </a:rPr>
+              <a:t>return</a:t>
+            </a:r>
+            <a:r>
+              <a:t> quotient, remainder // </a:t>
+            </a:r>
+            <a:r>
+              <a:rPr b="1"/>
+              <a:t>3, 1</a:t>
+            </a:r>
+          </a:p>
+          <a:p>
+            <a:pPr defTabSz="457200">
+              <a:defRPr sz="3300" b="0">
+                <a:solidFill>
+                  <a:srgbClr val="808080"/>
+                </a:solidFill>
+                <a:latin typeface="Courier"/>
+                <a:ea typeface="Courier"/>
+                <a:cs typeface="Courier"/>
+                <a:sym typeface="Courier"/>
+              </a:defRPr>
+            </a:pPr>
             <a:r>
               <a:t>}</a:t>
             </a:r>
@@ -9906,7 +9970,7 @@
       </p:sp>
       <p:pic>
         <p:nvPicPr>
-          <p:cNvPr id="427" name="image5.png"/>
+          <p:cNvPr id="431" name="image5.png"/>
           <p:cNvPicPr>
             <a:picLocks noChangeAspect="1"/>
           </p:cNvPicPr>
@@ -9922,8 +9986,8 @@
         </p:blipFill>
         <p:spPr>
           <a:xfrm>
-            <a:off x="10580102" y="665143"/>
-            <a:ext cx="1003616" cy="1286687"/>
+            <a:off x="7385798" y="721907"/>
+            <a:ext cx="1003616" cy="1286686"/>
           </a:xfrm>
           <a:prstGeom prst="rect">
             <a:avLst/>
@@ -9968,7 +10032,7 @@
       </p:grpSpPr>
       <p:sp>
         <p:nvSpPr>
-          <p:cNvPr id="429" name="Shape 429"/>
+          <p:cNvPr id="433" name="Shape 433"/>
           <p:cNvSpPr>
             <a:spLocks noGrp="1"/>
           </p:cNvSpPr>
@@ -9986,21 +10050,21 @@
           <a:lstStyle/>
           <a:p>
             <a:r>
-              <a:t>Multiple Return</a:t>
-            </a:r>
-          </a:p>
-        </p:txBody>
-      </p:sp>
-      <p:sp>
-        <p:nvSpPr>
-          <p:cNvPr id="430" name="Shape 430"/>
+              <a:t>Clousure</a:t>
+            </a:r>
+          </a:p>
+        </p:txBody>
+      </p:sp>
+      <p:sp>
+        <p:nvSpPr>
+          <p:cNvPr id="434" name="Shape 434"/>
           <p:cNvSpPr/>
           <p:nvPr/>
         </p:nvSpPr>
         <p:spPr>
           <a:xfrm>
-            <a:off x="1022575" y="2285999"/>
-            <a:ext cx="9922838" cy="5181601"/>
+            <a:off x="1198080" y="3302000"/>
+            <a:ext cx="9922837" cy="3149600"/>
           </a:xfrm>
           <a:prstGeom prst="rect">
             <a:avLst/>
@@ -10010,7 +10074,7 @@
           </a:ln>
           <a:extLst>
             <a:ext uri="{C572A759-6A51-4108-AA02-DFA0A04FC94B}">
-              <ma14:wrappingTextBoxFlag xmlns="" xmlns:ma14="http://schemas.microsoft.com/office/mac/drawingml/2011/main" val="1"/>
+              <ma14:wrappingTextBoxFlag xmlns:ma14="http://schemas.microsoft.com/office/mac/drawingml/2011/main" xmlns="" val="1"/>
             </a:ext>
           </a:extLst>
         </p:spPr>
@@ -10040,7 +10104,7 @@
                   <a:srgbClr val="808080"/>
                 </a:solidFill>
               </a:rPr>
-              <a:t> multireturn() {</a:t>
+              <a:t> closure() {</a:t>
             </a:r>
           </a:p>
           <a:p>
@@ -10056,7 +10120,29 @@
               </a:defRPr>
             </a:pPr>
             <a:r>
-              <a:t>    q, r := division(10, 3)</a:t>
+              <a:t>    f := </a:t>
+            </a:r>
+            <a:r>
+              <a:rPr>
+                <a:solidFill>
+                  <a:srgbClr val="654ACD"/>
+                </a:solidFill>
+              </a:rPr>
+              <a:t>func</a:t>
+            </a:r>
+            <a:r>
+              <a:t>(i </a:t>
+            </a:r>
+            <a:r>
+              <a:rPr>
+                <a:solidFill>
+                  <a:srgbClr val="654ACD"/>
+                </a:solidFill>
+              </a:rPr>
+              <a:t>int</a:t>
+            </a:r>
+            <a:r>
+              <a:t>) {</a:t>
             </a:r>
           </a:p>
           <a:p>
@@ -10072,7 +10158,7 @@
               </a:defRPr>
             </a:pPr>
             <a:r>
-              <a:t>    fmt.Printf(</a:t>
+              <a:t>        fmt.Printf(</a:t>
             </a:r>
             <a:r>
               <a:rPr b="1">
@@ -10080,7 +10166,7 @@
                   <a:srgbClr val="FF40FF"/>
                 </a:solidFill>
               </a:rPr>
-              <a:t>"%d, %d</a:t>
+              <a:t>"Value is %d</a:t>
             </a:r>
             <a:r>
               <a:rPr b="1">
@@ -10099,7 +10185,7 @@
               <a:t>"</a:t>
             </a:r>
             <a:r>
-              <a:t>, q, r)</a:t>
+              <a:t>, i)</a:t>
             </a:r>
           </a:p>
           <a:p>
@@ -10115,7 +10201,7 @@
               </a:defRPr>
             </a:pPr>
             <a:r>
-              <a:t>}</a:t>
+              <a:t>    }</a:t>
             </a:r>
           </a:p>
           <a:p>
@@ -10130,13 +10216,30 @@
                 <a:sym typeface="Courier"/>
               </a:defRPr>
             </a:pPr>
-            <a:endParaRPr/>
+            <a:r>
+              <a:t>    f(</a:t>
+            </a:r>
+            <a:r>
+              <a:rPr b="1">
+                <a:solidFill>
+                  <a:srgbClr val="FF6060"/>
+                </a:solidFill>
+              </a:rPr>
+              <a:t>20</a:t>
+            </a:r>
+            <a:r>
+              <a:t>) </a:t>
+            </a:r>
+            <a:r>
+              <a:rPr b="1"/>
+              <a:t>// Value is 20</a:t>
+            </a:r>
           </a:p>
           <a:p>
             <a:pPr defTabSz="457200">
               <a:defRPr sz="3300" b="0">
                 <a:solidFill>
-                  <a:srgbClr val="0433FF"/>
+                  <a:srgbClr val="808080"/>
                 </a:solidFill>
                 <a:latin typeface="Courier"/>
                 <a:ea typeface="Courier"/>
@@ -10145,141 +10248,6 @@
               </a:defRPr>
             </a:pPr>
             <a:r>
-              <a:t>func</a:t>
-            </a:r>
-            <a:r>
-              <a:rPr>
-                <a:solidFill>
-                  <a:srgbClr val="808080"/>
-                </a:solidFill>
-              </a:rPr>
-              <a:t> division(x, y </a:t>
-            </a:r>
-            <a:r>
-              <a:rPr>
-                <a:solidFill>
-                  <a:srgbClr val="654ACD"/>
-                </a:solidFill>
-              </a:rPr>
-              <a:t>int</a:t>
-            </a:r>
-            <a:r>
-              <a:rPr>
-                <a:solidFill>
-                  <a:srgbClr val="808080"/>
-                </a:solidFill>
-              </a:rPr>
-              <a:t>) (</a:t>
-            </a:r>
-            <a:r>
-              <a:rPr>
-                <a:solidFill>
-                  <a:srgbClr val="654ACD"/>
-                </a:solidFill>
-              </a:rPr>
-              <a:t>int</a:t>
-            </a:r>
-            <a:r>
-              <a:rPr>
-                <a:solidFill>
-                  <a:srgbClr val="808080"/>
-                </a:solidFill>
-              </a:rPr>
-              <a:t>, </a:t>
-            </a:r>
-            <a:r>
-              <a:rPr>
-                <a:solidFill>
-                  <a:srgbClr val="654ACD"/>
-                </a:solidFill>
-              </a:rPr>
-              <a:t>int</a:t>
-            </a:r>
-            <a:r>
-              <a:rPr>
-                <a:solidFill>
-                  <a:srgbClr val="808080"/>
-                </a:solidFill>
-              </a:rPr>
-              <a:t>) {</a:t>
-            </a:r>
-          </a:p>
-          <a:p>
-            <a:pPr defTabSz="457200">
-              <a:defRPr sz="3300" b="0">
-                <a:solidFill>
-                  <a:srgbClr val="808080"/>
-                </a:solidFill>
-                <a:latin typeface="Courier"/>
-                <a:ea typeface="Courier"/>
-                <a:cs typeface="Courier"/>
-                <a:sym typeface="Courier"/>
-              </a:defRPr>
-            </a:pPr>
-            <a:r>
-              <a:t>    quotient := x / y</a:t>
-            </a:r>
-          </a:p>
-          <a:p>
-            <a:pPr defTabSz="457200">
-              <a:defRPr sz="3300" b="0">
-                <a:solidFill>
-                  <a:srgbClr val="808080"/>
-                </a:solidFill>
-                <a:latin typeface="Courier"/>
-                <a:ea typeface="Courier"/>
-                <a:cs typeface="Courier"/>
-                <a:sym typeface="Courier"/>
-              </a:defRPr>
-            </a:pPr>
-            <a:r>
-              <a:t>    remainder := x % y</a:t>
-            </a:r>
-          </a:p>
-          <a:p>
-            <a:pPr defTabSz="457200">
-              <a:defRPr sz="3300" b="0">
-                <a:solidFill>
-                  <a:srgbClr val="808080"/>
-                </a:solidFill>
-                <a:latin typeface="Courier"/>
-                <a:ea typeface="Courier"/>
-                <a:cs typeface="Courier"/>
-                <a:sym typeface="Courier"/>
-              </a:defRPr>
-            </a:pPr>
-            <a:r>
-              <a:t>    </a:t>
-            </a:r>
-            <a:r>
-              <a:rPr>
-                <a:solidFill>
-                  <a:srgbClr val="0433FF"/>
-                </a:solidFill>
-              </a:rPr>
-              <a:t>return</a:t>
-            </a:r>
-            <a:r>
-              <a:t> quotient, remainder // </a:t>
-            </a:r>
-            <a:r>
-              <a:rPr b="1"/>
-              <a:t>3, 1</a:t>
-            </a:r>
-          </a:p>
-          <a:p>
-            <a:pPr defTabSz="457200">
-              <a:defRPr sz="3300" b="0">
-                <a:solidFill>
-                  <a:srgbClr val="808080"/>
-                </a:solidFill>
-                <a:latin typeface="Courier"/>
-                <a:ea typeface="Courier"/>
-                <a:cs typeface="Courier"/>
-                <a:sym typeface="Courier"/>
-              </a:defRPr>
-            </a:pPr>
-            <a:r>
               <a:t>}</a:t>
             </a:r>
           </a:p>
@@ -10287,7 +10255,7 @@
       </p:sp>
       <p:pic>
         <p:nvPicPr>
-          <p:cNvPr id="431" name="image5.png"/>
+          <p:cNvPr id="435" name="image5.png"/>
           <p:cNvPicPr>
             <a:picLocks noChangeAspect="1"/>
           </p:cNvPicPr>
@@ -10303,8 +10271,8 @@
         </p:blipFill>
         <p:spPr>
           <a:xfrm>
-            <a:off x="7385798" y="721907"/>
-            <a:ext cx="1003616" cy="1286686"/>
+            <a:off x="4752325" y="701720"/>
+            <a:ext cx="1003616" cy="1286687"/>
           </a:xfrm>
           <a:prstGeom prst="rect">
             <a:avLst/>
@@ -10349,7 +10317,7 @@
       </p:grpSpPr>
       <p:sp>
         <p:nvSpPr>
-          <p:cNvPr id="433" name="Shape 433"/>
+          <p:cNvPr id="437" name="Shape 437"/>
           <p:cNvSpPr>
             <a:spLocks noGrp="1"/>
           </p:cNvSpPr>
@@ -10367,21 +10335,21 @@
           <a:lstStyle/>
           <a:p>
             <a:r>
-              <a:t>Clousure</a:t>
-            </a:r>
-          </a:p>
-        </p:txBody>
-      </p:sp>
-      <p:sp>
-        <p:nvSpPr>
-          <p:cNvPr id="434" name="Shape 434"/>
+              <a:t>Concurrency Programing</a:t>
+            </a:r>
+          </a:p>
+        </p:txBody>
+      </p:sp>
+      <p:sp>
+        <p:nvSpPr>
+          <p:cNvPr id="438" name="Shape 438"/>
           <p:cNvSpPr/>
           <p:nvPr/>
         </p:nvSpPr>
         <p:spPr>
           <a:xfrm>
-            <a:off x="1198080" y="3302000"/>
-            <a:ext cx="9922837" cy="3149600"/>
+            <a:off x="912228" y="3047999"/>
+            <a:ext cx="11180342" cy="3657601"/>
           </a:xfrm>
           <a:prstGeom prst="rect">
             <a:avLst/>
@@ -10391,7 +10359,7 @@
           </a:ln>
           <a:extLst>
             <a:ext uri="{C572A759-6A51-4108-AA02-DFA0A04FC94B}">
-              <ma14:wrappingTextBoxFlag xmlns="" xmlns:ma14="http://schemas.microsoft.com/office/mac/drawingml/2011/main" val="1"/>
+              <ma14:wrappingTextBoxFlag xmlns:ma14="http://schemas.microsoft.com/office/mac/drawingml/2011/main" xmlns="" val="1"/>
             </a:ext>
           </a:extLst>
         </p:spPr>
@@ -10421,7 +10389,7 @@
                   <a:srgbClr val="808080"/>
                 </a:solidFill>
               </a:rPr>
-              <a:t> closure() {</a:t>
+              <a:t> cuncurency() {</a:t>
             </a:r>
           </a:p>
           <a:p>
@@ -10437,29 +10405,40 @@
               </a:defRPr>
             </a:pPr>
             <a:r>
-              <a:t>    f := </a:t>
+              <a:t>    </a:t>
             </a:r>
             <a:r>
               <a:rPr>
                 <a:solidFill>
-                  <a:srgbClr val="654ACD"/>
+                  <a:srgbClr val="0433FF"/>
                 </a:solidFill>
               </a:rPr>
-              <a:t>func</a:t>
-            </a:r>
-            <a:r>
-              <a:t>(i </a:t>
-            </a:r>
-            <a:r>
-              <a:rPr>
-                <a:solidFill>
-                  <a:srgbClr val="654ACD"/>
+              <a:t>for</a:t>
+            </a:r>
+            <a:r>
+              <a:t> i := </a:t>
+            </a:r>
+            <a:r>
+              <a:rPr b="1">
+                <a:solidFill>
+                  <a:srgbClr val="FF6060"/>
                 </a:solidFill>
               </a:rPr>
-              <a:t>int</a:t>
-            </a:r>
-            <a:r>
-              <a:t>) {</a:t>
+              <a:t>0</a:t>
+            </a:r>
+            <a:r>
+              <a:t>; i &lt; </a:t>
+            </a:r>
+            <a:r>
+              <a:rPr b="1">
+                <a:solidFill>
+                  <a:srgbClr val="FF6060"/>
+                </a:solidFill>
+              </a:rPr>
+              <a:t>10</a:t>
+            </a:r>
+            <a:r>
+              <a:t>; i++ {</a:t>
             </a:r>
           </a:p>
           <a:p>
@@ -10475,34 +10454,40 @@
               </a:defRPr>
             </a:pPr>
             <a:r>
-              <a:t>        fmt.Printf(</a:t>
+              <a:t>        </a:t>
             </a:r>
             <a:r>
               <a:rPr b="1">
                 <a:solidFill>
-                  <a:srgbClr val="FF40FF"/>
+                  <a:srgbClr val="0433FF"/>
                 </a:solidFill>
               </a:rPr>
-              <a:t>"Value is %d</a:t>
-            </a:r>
-            <a:r>
-              <a:rPr b="1">
-                <a:solidFill>
-                  <a:srgbClr val="FF6060"/>
+              <a:t>go</a:t>
+            </a:r>
+            <a:r>
+              <a:t> </a:t>
+            </a:r>
+            <a:r>
+              <a:rPr>
+                <a:solidFill>
+                  <a:srgbClr val="654ACD"/>
                 </a:solidFill>
               </a:rPr>
-              <a:t>\n</a:t>
-            </a:r>
-            <a:r>
-              <a:rPr b="1">
-                <a:solidFill>
-                  <a:srgbClr val="FF40FF"/>
+              <a:t>func</a:t>
+            </a:r>
+            <a:r>
+              <a:t>(num </a:t>
+            </a:r>
+            <a:r>
+              <a:rPr>
+                <a:solidFill>
+                  <a:srgbClr val="654ACD"/>
                 </a:solidFill>
               </a:rPr>
-              <a:t>"</a:t>
-            </a:r>
-            <a:r>
-              <a:t>, i)</a:t>
+              <a:t>int</a:t>
+            </a:r>
+            <a:r>
+              <a:t>) {</a:t>
             </a:r>
           </a:p>
           <a:p>
@@ -10518,7 +10503,34 @@
               </a:defRPr>
             </a:pPr>
             <a:r>
-              <a:t>    }</a:t>
+              <a:t>          fmt.Printf(</a:t>
+            </a:r>
+            <a:r>
+              <a:rPr b="1">
+                <a:solidFill>
+                  <a:srgbClr val="FF40FF"/>
+                </a:solidFill>
+              </a:rPr>
+              <a:t>"Thread No.%d</a:t>
+            </a:r>
+            <a:r>
+              <a:rPr b="1">
+                <a:solidFill>
+                  <a:srgbClr val="FF6060"/>
+                </a:solidFill>
+              </a:rPr>
+              <a:t>\n</a:t>
+            </a:r>
+            <a:r>
+              <a:rPr b="1">
+                <a:solidFill>
+                  <a:srgbClr val="FF40FF"/>
+                </a:solidFill>
+              </a:rPr>
+              <a:t>"</a:t>
+            </a:r>
+            <a:r>
+              <a:t>, num)</a:t>
             </a:r>
           </a:p>
           <a:p>
@@ -10534,22 +10546,11 @@
               </a:defRPr>
             </a:pPr>
             <a:r>
-              <a:t>    f(</a:t>
-            </a:r>
-            <a:r>
-              <a:rPr b="1">
-                <a:solidFill>
-                  <a:srgbClr val="FF6060"/>
-                </a:solidFill>
-              </a:rPr>
-              <a:t>20</a:t>
-            </a:r>
-            <a:r>
-              <a:t>) </a:t>
+              <a:t>        }(i) </a:t>
             </a:r>
             <a:r>
               <a:rPr b="1"/>
-              <a:t>// Value is 20</a:t>
+              <a:t>// Immediate execute</a:t>
             </a:r>
           </a:p>
           <a:p>
@@ -10565,6 +10566,22 @@
               </a:defRPr>
             </a:pPr>
             <a:r>
+              <a:t>    }</a:t>
+            </a:r>
+          </a:p>
+          <a:p>
+            <a:pPr defTabSz="457200">
+              <a:defRPr sz="3300" b="0">
+                <a:solidFill>
+                  <a:srgbClr val="808080"/>
+                </a:solidFill>
+                <a:latin typeface="Courier"/>
+                <a:ea typeface="Courier"/>
+                <a:cs typeface="Courier"/>
+                <a:sym typeface="Courier"/>
+              </a:defRPr>
+            </a:pPr>
+            <a:r>
               <a:t>}</a:t>
             </a:r>
           </a:p>
@@ -10572,7 +10589,7 @@
       </p:sp>
       <p:pic>
         <p:nvPicPr>
-          <p:cNvPr id="435" name="image5.png"/>
+          <p:cNvPr id="439" name="image5.png"/>
           <p:cNvPicPr>
             <a:picLocks noChangeAspect="1"/>
           </p:cNvPicPr>
@@ -10588,7 +10605,7 @@
         </p:blipFill>
         <p:spPr>
           <a:xfrm>
-            <a:off x="4752325" y="701720"/>
+            <a:off x="11177509" y="713911"/>
             <a:ext cx="1003616" cy="1286687"/>
           </a:xfrm>
           <a:prstGeom prst="rect">
@@ -10634,7 +10651,7 @@
       </p:grpSpPr>
       <p:sp>
         <p:nvSpPr>
-          <p:cNvPr id="437" name="Shape 437"/>
+          <p:cNvPr id="441" name="Shape 441"/>
           <p:cNvSpPr>
             <a:spLocks noGrp="1"/>
           </p:cNvSpPr>
@@ -10652,21 +10669,21 @@
           <a:lstStyle/>
           <a:p>
             <a:r>
-              <a:t>Concurrency Programing</a:t>
-            </a:r>
-          </a:p>
-        </p:txBody>
-      </p:sp>
-      <p:sp>
-        <p:nvSpPr>
-          <p:cNvPr id="438" name="Shape 438"/>
+              <a:t>Interprocess Communication</a:t>
+            </a:r>
+          </a:p>
+        </p:txBody>
+      </p:sp>
+      <p:sp>
+        <p:nvSpPr>
+          <p:cNvPr id="442" name="Shape 442"/>
           <p:cNvSpPr/>
           <p:nvPr/>
         </p:nvSpPr>
         <p:spPr>
           <a:xfrm>
-            <a:off x="912228" y="3047999"/>
-            <a:ext cx="11180342" cy="3657601"/>
+            <a:off x="409226" y="2247900"/>
+            <a:ext cx="12186346" cy="5689600"/>
           </a:xfrm>
           <a:prstGeom prst="rect">
             <a:avLst/>
@@ -10676,7 +10693,7 @@
           </a:ln>
           <a:extLst>
             <a:ext uri="{C572A759-6A51-4108-AA02-DFA0A04FC94B}">
-              <ma14:wrappingTextBoxFlag xmlns="" xmlns:ma14="http://schemas.microsoft.com/office/mac/drawingml/2011/main" val="1"/>
+              <ma14:wrappingTextBoxFlag xmlns:ma14="http://schemas.microsoft.com/office/mac/drawingml/2011/main" xmlns="" val="1"/>
             </a:ext>
           </a:extLst>
         </p:spPr>
@@ -10706,7 +10723,7 @@
                   <a:srgbClr val="808080"/>
                 </a:solidFill>
               </a:rPr>
-              <a:t> cuncurency() {</a:t>
+              <a:t> channel() {</a:t>
             </a:r>
           </a:p>
           <a:p>
@@ -10725,37 +10742,8 @@
               <a:t>    </a:t>
             </a:r>
             <a:r>
-              <a:rPr>
-                <a:solidFill>
-                  <a:srgbClr val="0433FF"/>
-                </a:solidFill>
-              </a:rPr>
-              <a:t>for</a:t>
-            </a:r>
-            <a:r>
-              <a:t> i := </a:t>
-            </a:r>
-            <a:r>
-              <a:rPr b="1">
-                <a:solidFill>
-                  <a:srgbClr val="FF6060"/>
-                </a:solidFill>
-              </a:rPr>
-              <a:t>0</a:t>
-            </a:r>
-            <a:r>
-              <a:t>; i &lt; </a:t>
-            </a:r>
-            <a:r>
-              <a:rPr b="1">
-                <a:solidFill>
-                  <a:srgbClr val="FF6060"/>
-                </a:solidFill>
-              </a:rPr>
-              <a:t>10</a:t>
-            </a:r>
-            <a:r>
-              <a:t>; i++ {</a:t>
+              <a:rPr b="1"/>
+              <a:t>// connection channel between each gorutine</a:t>
             </a:r>
           </a:p>
           <a:p>
@@ -10771,29 +10759,29 @@
               </a:defRPr>
             </a:pPr>
             <a:r>
-              <a:t>        </a:t>
-            </a:r>
-            <a:r>
-              <a:rPr b="1">
+              <a:t>    c := </a:t>
+            </a:r>
+            <a:r>
+              <a:rPr>
                 <a:solidFill>
                   <a:srgbClr val="0433FF"/>
                 </a:solidFill>
               </a:rPr>
-              <a:t>go</a:t>
+              <a:t>make</a:t>
+            </a:r>
+            <a:r>
+              <a:t>(</a:t>
+            </a:r>
+            <a:r>
+              <a:rPr>
+                <a:solidFill>
+                  <a:srgbClr val="654ACD"/>
+                </a:solidFill>
+              </a:rPr>
+              <a:t>chan</a:t>
             </a:r>
             <a:r>
               <a:t> </a:t>
-            </a:r>
-            <a:r>
-              <a:rPr>
-                <a:solidFill>
-                  <a:srgbClr val="654ACD"/>
-                </a:solidFill>
-              </a:rPr>
-              <a:t>func</a:t>
-            </a:r>
-            <a:r>
-              <a:t>(num </a:t>
             </a:r>
             <a:r>
               <a:rPr>
@@ -10804,7 +10792,7 @@
               <a:t>int</a:t>
             </a:r>
             <a:r>
-              <a:t>) {</a:t>
+              <a:t>)</a:t>
             </a:r>
           </a:p>
           <a:p>
@@ -10820,34 +10808,55 @@
               </a:defRPr>
             </a:pPr>
             <a:r>
-              <a:t>          fmt.Printf(</a:t>
-            </a:r>
-            <a:r>
-              <a:rPr b="1">
-                <a:solidFill>
-                  <a:srgbClr val="FF40FF"/>
+              <a:t>    </a:t>
+            </a:r>
+            <a:r>
+              <a:rPr>
+                <a:solidFill>
+                  <a:srgbClr val="0433FF"/>
                 </a:solidFill>
               </a:rPr>
-              <a:t>"Thread No.%d</a:t>
-            </a:r>
-            <a:r>
-              <a:rPr b="1">
-                <a:solidFill>
-                  <a:srgbClr val="FF6060"/>
+              <a:t>go</a:t>
+            </a:r>
+            <a:r>
+              <a:t> </a:t>
+            </a:r>
+            <a:r>
+              <a:rPr>
+                <a:solidFill>
+                  <a:srgbClr val="654ACD"/>
                 </a:solidFill>
               </a:rPr>
-              <a:t>\n</a:t>
-            </a:r>
-            <a:r>
-              <a:rPr b="1">
-                <a:solidFill>
-                  <a:srgbClr val="FF40FF"/>
+              <a:t>func</a:t>
+            </a:r>
+            <a:r>
+              <a:t>(c </a:t>
+            </a:r>
+            <a:r>
+              <a:rPr>
+                <a:solidFill>
+                  <a:srgbClr val="654ACD"/>
                 </a:solidFill>
               </a:rPr>
-              <a:t>"</a:t>
-            </a:r>
-            <a:r>
-              <a:t>, num)</a:t>
+              <a:t>chan</a:t>
+            </a:r>
+            <a:r>
+              <a:t> </a:t>
+            </a:r>
+            <a:r>
+              <a:rPr>
+                <a:solidFill>
+                  <a:srgbClr val="654ACD"/>
+                </a:solidFill>
+              </a:rPr>
+              <a:t>int</a:t>
+            </a:r>
+            <a:r>
+              <a:t>) { </a:t>
+            </a:r>
+            <a:r>
+              <a:rPr b="1"/>
+              <a:t>// Create goroutine</a:t>
             </a:r>
           </a:p>
           <a:p>
@@ -10863,11 +10872,26 @@
               </a:defRPr>
             </a:pPr>
             <a:r>
-              <a:t>        }(i) </a:t>
-            </a:r>
-            <a:r>
-              <a:rPr b="1"/>
-              <a:t>// Immediate execute</a:t>
+              <a:t>        </a:t>
+            </a:r>
+            <a:r>
+              <a:rPr>
+                <a:solidFill>
+                  <a:srgbClr val="0433FF"/>
+                </a:solidFill>
+              </a:rPr>
+              <a:t>var</a:t>
+            </a:r>
+            <a:r>
+              <a:t> ans </a:t>
+            </a:r>
+            <a:r>
+              <a:rPr>
+                <a:solidFill>
+                  <a:srgbClr val="654ACD"/>
+                </a:solidFill>
+              </a:rPr>
+              <a:t>int</a:t>
             </a:r>
           </a:p>
           <a:p>
@@ -10883,7 +10907,11 @@
               </a:defRPr>
             </a:pPr>
             <a:r>
-              <a:t>    }</a:t>
+              <a:t>        </a:t>
+            </a:r>
+            <a:r>
+              <a:rPr b="1"/>
+              <a:t>// Too large process.</a:t>
             </a:r>
           </a:p>
           <a:p>
@@ -10899,6 +10927,119 @@
               </a:defRPr>
             </a:pPr>
             <a:r>
+              <a:t>        </a:t>
+            </a:r>
+            <a:r>
+              <a:rPr b="1"/>
+              <a:t>c &lt;- ans</a:t>
+            </a:r>
+            <a:r>
+              <a:t> </a:t>
+            </a:r>
+            <a:r>
+              <a:rPr b="1"/>
+              <a:t>// send answer</a:t>
+            </a:r>
+          </a:p>
+          <a:p>
+            <a:pPr defTabSz="457200">
+              <a:defRPr sz="3300" b="0">
+                <a:solidFill>
+                  <a:srgbClr val="808080"/>
+                </a:solidFill>
+                <a:latin typeface="Courier"/>
+                <a:ea typeface="Courier"/>
+                <a:cs typeface="Courier"/>
+                <a:sym typeface="Courier"/>
+              </a:defRPr>
+            </a:pPr>
+            <a:r>
+              <a:t>    }(c)</a:t>
+            </a:r>
+          </a:p>
+          <a:p>
+            <a:pPr defTabSz="457200">
+              <a:defRPr sz="3300" b="0">
+                <a:solidFill>
+                  <a:srgbClr val="808080"/>
+                </a:solidFill>
+                <a:latin typeface="Courier"/>
+                <a:ea typeface="Courier"/>
+                <a:cs typeface="Courier"/>
+                <a:sym typeface="Courier"/>
+              </a:defRPr>
+            </a:pPr>
+            <a:r>
+              <a:t>    </a:t>
+            </a:r>
+            <a:r>
+              <a:rPr b="1"/>
+              <a:t>// Recieve answer</a:t>
+            </a:r>
+          </a:p>
+          <a:p>
+            <a:pPr defTabSz="457200">
+              <a:defRPr sz="3300" b="0">
+                <a:solidFill>
+                  <a:srgbClr val="808080"/>
+                </a:solidFill>
+                <a:latin typeface="Courier"/>
+                <a:ea typeface="Courier"/>
+                <a:cs typeface="Courier"/>
+                <a:sym typeface="Courier"/>
+              </a:defRPr>
+            </a:pPr>
+            <a:r>
+              <a:t>    fmt.Printf(</a:t>
+            </a:r>
+            <a:r>
+              <a:rPr b="1">
+                <a:solidFill>
+                  <a:srgbClr val="FF40FF"/>
+                </a:solidFill>
+              </a:rPr>
+              <a:t>"Result %d</a:t>
+            </a:r>
+            <a:r>
+              <a:rPr b="1">
+                <a:solidFill>
+                  <a:srgbClr val="FF6060"/>
+                </a:solidFill>
+              </a:rPr>
+              <a:t>\n</a:t>
+            </a:r>
+            <a:r>
+              <a:rPr b="1">
+                <a:solidFill>
+                  <a:srgbClr val="FF40FF"/>
+                </a:solidFill>
+              </a:rPr>
+              <a:t>"</a:t>
+            </a:r>
+            <a:r>
+              <a:t>, </a:t>
+            </a:r>
+            <a:r>
+              <a:rPr b="1"/>
+              <a:t>&lt;-c</a:t>
+            </a:r>
+            <a:r>
+              <a:t>)</a:t>
+            </a:r>
+          </a:p>
+          <a:p>
+            <a:pPr defTabSz="457200">
+              <a:defRPr sz="3300" b="0">
+                <a:solidFill>
+                  <a:srgbClr val="808080"/>
+                </a:solidFill>
+                <a:latin typeface="Courier"/>
+                <a:ea typeface="Courier"/>
+                <a:cs typeface="Courier"/>
+                <a:sym typeface="Courier"/>
+              </a:defRPr>
+            </a:pPr>
+            <a:r>
               <a:t>}</a:t>
             </a:r>
           </a:p>
@@ -10906,7 +11047,7 @@
       </p:sp>
       <p:pic>
         <p:nvPicPr>
-          <p:cNvPr id="439" name="image5.png"/>
+          <p:cNvPr id="443" name="image5.png"/>
           <p:cNvPicPr>
             <a:picLocks noChangeAspect="1"/>
           </p:cNvPicPr>
@@ -10922,7 +11063,7 @@
         </p:blipFill>
         <p:spPr>
           <a:xfrm>
-            <a:off x="11177509" y="713911"/>
+            <a:off x="11116550" y="1701463"/>
             <a:ext cx="1003616" cy="1286687"/>
           </a:xfrm>
           <a:prstGeom prst="rect">
@@ -10968,7 +11109,7 @@
       </p:grpSpPr>
       <p:sp>
         <p:nvSpPr>
-          <p:cNvPr id="441" name="Shape 441"/>
+          <p:cNvPr id="445" name="Shape 445"/>
           <p:cNvSpPr>
             <a:spLocks noGrp="1"/>
           </p:cNvSpPr>
@@ -10986,21 +11127,21 @@
           <a:lstStyle/>
           <a:p>
             <a:r>
-              <a:t>Interprocess Communication</a:t>
-            </a:r>
-          </a:p>
-        </p:txBody>
-      </p:sp>
-      <p:sp>
-        <p:nvSpPr>
-          <p:cNvPr id="442" name="Shape 442"/>
+              <a:t>Not use Class, Use Struct</a:t>
+            </a:r>
+          </a:p>
+        </p:txBody>
+      </p:sp>
+      <p:sp>
+        <p:nvSpPr>
+          <p:cNvPr id="446" name="Shape 446"/>
           <p:cNvSpPr/>
           <p:nvPr/>
         </p:nvSpPr>
         <p:spPr>
           <a:xfrm>
-            <a:off x="409226" y="2247900"/>
-            <a:ext cx="12186346" cy="5689600"/>
+            <a:off x="868925" y="2539999"/>
+            <a:ext cx="10677340" cy="4673601"/>
           </a:xfrm>
           <a:prstGeom prst="rect">
             <a:avLst/>
@@ -11010,7 +11151,7 @@
           </a:ln>
           <a:extLst>
             <a:ext uri="{C572A759-6A51-4108-AA02-DFA0A04FC94B}">
-              <ma14:wrappingTextBoxFlag xmlns="" xmlns:ma14="http://schemas.microsoft.com/office/mac/drawingml/2011/main" val="1"/>
+              <ma14:wrappingTextBoxFlag xmlns:ma14="http://schemas.microsoft.com/office/mac/drawingml/2011/main" xmlns="" val="1"/>
             </a:ext>
           </a:extLst>
         </p:spPr>
@@ -11040,7 +11181,7 @@
                   <a:srgbClr val="808080"/>
                 </a:solidFill>
               </a:rPr>
-              <a:t> channel() {</a:t>
+              <a:t> class() {</a:t>
             </a:r>
           </a:p>
           <a:p>
@@ -11056,11 +11197,18 @@
               </a:defRPr>
             </a:pPr>
             <a:r>
-              <a:t>    </a:t>
-            </a:r>
-            <a:r>
-              <a:rPr b="1"/>
-              <a:t>// connection channel between each gorutine</a:t>
+              <a:t>    md := MyDirectory{name: </a:t>
+            </a:r>
+            <a:r>
+              <a:rPr b="1">
+                <a:solidFill>
+                  <a:srgbClr val="FF40FF"/>
+                </a:solidFill>
+              </a:rPr>
+              <a:t>"Document"</a:t>
+            </a:r>
+            <a:r>
+              <a:t>}</a:t>
             </a:r>
           </a:p>
           <a:p>
@@ -11076,40 +11224,34 @@
               </a:defRPr>
             </a:pPr>
             <a:r>
-              <a:t>    c := </a:t>
-            </a:r>
-            <a:r>
-              <a:rPr>
-                <a:solidFill>
-                  <a:srgbClr val="0433FF"/>
+              <a:t>    fmt.Printf(</a:t>
+            </a:r>
+            <a:r>
+              <a:rPr b="1">
+                <a:solidFill>
+                  <a:srgbClr val="FF40FF"/>
                 </a:solidFill>
               </a:rPr>
-              <a:t>make</a:t>
-            </a:r>
-            <a:r>
-              <a:t>(</a:t>
-            </a:r>
-            <a:r>
-              <a:rPr>
-                <a:solidFill>
-                  <a:srgbClr val="654ACD"/>
+              <a:t>"Name is %s</a:t>
+            </a:r>
+            <a:r>
+              <a:rPr b="1">
+                <a:solidFill>
+                  <a:srgbClr val="FF6060"/>
                 </a:solidFill>
               </a:rPr>
-              <a:t>chan</a:t>
-            </a:r>
-            <a:r>
-              <a:t> </a:t>
-            </a:r>
-            <a:r>
-              <a:rPr>
-                <a:solidFill>
-                  <a:srgbClr val="654ACD"/>
+              <a:t>\n</a:t>
+            </a:r>
+            <a:r>
+              <a:rPr b="1">
+                <a:solidFill>
+                  <a:srgbClr val="FF40FF"/>
                 </a:solidFill>
               </a:rPr>
-              <a:t>int</a:t>
-            </a:r>
-            <a:r>
-              <a:t>)</a:t>
+              <a:t>"</a:t>
+            </a:r>
+            <a:r>
+              <a:t>, md.Name())</a:t>
             </a:r>
           </a:p>
           <a:p>
@@ -11125,55 +11267,7 @@
               </a:defRPr>
             </a:pPr>
             <a:r>
-              <a:t>    </a:t>
-            </a:r>
-            <a:r>
-              <a:rPr>
-                <a:solidFill>
-                  <a:srgbClr val="0433FF"/>
-                </a:solidFill>
-              </a:rPr>
-              <a:t>go</a:t>
-            </a:r>
-            <a:r>
-              <a:t> </a:t>
-            </a:r>
-            <a:r>
-              <a:rPr>
-                <a:solidFill>
-                  <a:srgbClr val="654ACD"/>
-                </a:solidFill>
-              </a:rPr>
-              <a:t>func</a:t>
-            </a:r>
-            <a:r>
-              <a:t>(c </a:t>
-            </a:r>
-            <a:r>
-              <a:rPr>
-                <a:solidFill>
-                  <a:srgbClr val="654ACD"/>
-                </a:solidFill>
-              </a:rPr>
-              <a:t>chan</a:t>
-            </a:r>
-            <a:r>
-              <a:t> </a:t>
-            </a:r>
-            <a:r>
-              <a:rPr>
-                <a:solidFill>
-                  <a:srgbClr val="654ACD"/>
-                </a:solidFill>
-              </a:rPr>
-              <a:t>int</a:t>
-            </a:r>
-            <a:r>
-              <a:t>) { </a:t>
-            </a:r>
-            <a:r>
-              <a:rPr b="1"/>
-              <a:t>// Create goroutine</a:t>
+              <a:t>}</a:t>
             </a:r>
           </a:p>
           <a:p>
@@ -11188,32 +11282,11 @@
                 <a:sym typeface="Courier"/>
               </a:defRPr>
             </a:pPr>
-            <a:r>
-              <a:t>        </a:t>
-            </a:r>
-            <a:r>
-              <a:rPr>
-                <a:solidFill>
-                  <a:srgbClr val="0433FF"/>
-                </a:solidFill>
-              </a:rPr>
-              <a:t>var</a:t>
-            </a:r>
-            <a:r>
-              <a:t> ans </a:t>
-            </a:r>
-            <a:r>
-              <a:rPr>
-                <a:solidFill>
-                  <a:srgbClr val="654ACD"/>
-                </a:solidFill>
-              </a:rPr>
-              <a:t>int</a:t>
-            </a:r>
+            <a:endParaRPr/>
           </a:p>
           <a:p>
             <a:pPr defTabSz="457200">
-              <a:defRPr sz="3300" b="0">
+              <a:defRPr sz="3300">
                 <a:solidFill>
                   <a:srgbClr val="808080"/>
                 </a:solidFill>
@@ -11224,18 +11297,15 @@
               </a:defRPr>
             </a:pPr>
             <a:r>
-              <a:t>        </a:t>
-            </a:r>
-            <a:r>
-              <a:rPr b="1"/>
-              <a:t>// Too large process.</a:t>
-            </a:r>
+              <a:t>// MyDirectory defines Directory.</a:t>
+            </a:r>
+            <a:endParaRPr b="0"/>
           </a:p>
           <a:p>
             <a:pPr defTabSz="457200">
               <a:defRPr sz="3300" b="0">
                 <a:solidFill>
-                  <a:srgbClr val="808080"/>
+                  <a:srgbClr val="0433FF"/>
                 </a:solidFill>
                 <a:latin typeface="Courier"/>
                 <a:ea typeface="Courier"/>
@@ -11244,18 +11314,26 @@
               </a:defRPr>
             </a:pPr>
             <a:r>
-              <a:t>        </a:t>
-            </a:r>
-            <a:r>
-              <a:rPr b="1"/>
-              <a:t>c &lt;- ans</a:t>
-            </a:r>
-            <a:r>
-              <a:t> </a:t>
-            </a:r>
-            <a:r>
-              <a:rPr b="1"/>
-              <a:t>// send answer</a:t>
+              <a:t>type</a:t>
+            </a:r>
+            <a:r>
+              <a:rPr>
+                <a:solidFill>
+                  <a:srgbClr val="808080"/>
+                </a:solidFill>
+              </a:rPr>
+              <a:t> MyDirectory </a:t>
+            </a:r>
+            <a:r>
+              <a:t>struct</a:t>
+            </a:r>
+            <a:r>
+              <a:rPr>
+                <a:solidFill>
+                  <a:srgbClr val="808080"/>
+                </a:solidFill>
+              </a:rPr>
+              <a:t> {</a:t>
             </a:r>
           </a:p>
           <a:p>
@@ -11271,7 +11349,15 @@
               </a:defRPr>
             </a:pPr>
             <a:r>
-              <a:t>    }(c)</a:t>
+              <a:t>    name </a:t>
+            </a:r>
+            <a:r>
+              <a:rPr>
+                <a:solidFill>
+                  <a:srgbClr val="654ACD"/>
+                </a:solidFill>
+              </a:rPr>
+              <a:t>string</a:t>
             </a:r>
           </a:p>
           <a:p>
@@ -11287,76 +11373,6 @@
               </a:defRPr>
             </a:pPr>
             <a:r>
-              <a:t>    </a:t>
-            </a:r>
-            <a:r>
-              <a:rPr b="1"/>
-              <a:t>// Recieve answer</a:t>
-            </a:r>
-          </a:p>
-          <a:p>
-            <a:pPr defTabSz="457200">
-              <a:defRPr sz="3300" b="0">
-                <a:solidFill>
-                  <a:srgbClr val="808080"/>
-                </a:solidFill>
-                <a:latin typeface="Courier"/>
-                <a:ea typeface="Courier"/>
-                <a:cs typeface="Courier"/>
-                <a:sym typeface="Courier"/>
-              </a:defRPr>
-            </a:pPr>
-            <a:r>
-              <a:t>    fmt.Printf(</a:t>
-            </a:r>
-            <a:r>
-              <a:rPr b="1">
-                <a:solidFill>
-                  <a:srgbClr val="FF40FF"/>
-                </a:solidFill>
-              </a:rPr>
-              <a:t>"Result %d</a:t>
-            </a:r>
-            <a:r>
-              <a:rPr b="1">
-                <a:solidFill>
-                  <a:srgbClr val="FF6060"/>
-                </a:solidFill>
-              </a:rPr>
-              <a:t>\n</a:t>
-            </a:r>
-            <a:r>
-              <a:rPr b="1">
-                <a:solidFill>
-                  <a:srgbClr val="FF40FF"/>
-                </a:solidFill>
-              </a:rPr>
-              <a:t>"</a:t>
-            </a:r>
-            <a:r>
-              <a:t>, </a:t>
-            </a:r>
-            <a:r>
-              <a:rPr b="1"/>
-              <a:t>&lt;-c</a:t>
-            </a:r>
-            <a:r>
-              <a:t>)</a:t>
-            </a:r>
-          </a:p>
-          <a:p>
-            <a:pPr defTabSz="457200">
-              <a:defRPr sz="3300" b="0">
-                <a:solidFill>
-                  <a:srgbClr val="808080"/>
-                </a:solidFill>
-                <a:latin typeface="Courier"/>
-                <a:ea typeface="Courier"/>
-                <a:cs typeface="Courier"/>
-                <a:sym typeface="Courier"/>
-              </a:defRPr>
-            </a:pPr>
-            <a:r>
               <a:t>}</a:t>
             </a:r>
           </a:p>
@@ -11364,7 +11380,7 @@
       </p:sp>
       <p:pic>
         <p:nvPicPr>
-          <p:cNvPr id="443" name="image5.png"/>
+          <p:cNvPr id="447" name="image5.png"/>
           <p:cNvPicPr>
             <a:picLocks noChangeAspect="1"/>
           </p:cNvPicPr>
@@ -11380,7 +11396,7 @@
         </p:blipFill>
         <p:spPr>
           <a:xfrm>
-            <a:off x="11116550" y="1701463"/>
+            <a:off x="11132259" y="604184"/>
             <a:ext cx="1003616" cy="1286687"/>
           </a:xfrm>
           <a:prstGeom prst="rect">
@@ -11426,7 +11442,7 @@
       </p:grpSpPr>
       <p:sp>
         <p:nvSpPr>
-          <p:cNvPr id="445" name="Shape 445"/>
+          <p:cNvPr id="449" name="Shape 449"/>
           <p:cNvSpPr>
             <a:spLocks noGrp="1"/>
           </p:cNvSpPr>
@@ -11441,24 +11457,28 @@
         </p:spPr>
         <p:txBody>
           <a:bodyPr/>
-          <a:lstStyle/>
-          <a:p>
-            <a:r>
-              <a:t>Not use Class, Use Struct</a:t>
-            </a:r>
-          </a:p>
-        </p:txBody>
-      </p:sp>
-      <p:sp>
-        <p:nvSpPr>
-          <p:cNvPr id="446" name="Shape 446"/>
+          <a:lstStyle>
+            <a:lvl1pPr defTabSz="525779">
+              <a:defRPr sz="5400"/>
+            </a:lvl1pPr>
+          </a:lstStyle>
+          <a:p>
+            <a:r>
+              <a:t>If it walks like a duck and quacks like a duck, it must be a duck.</a:t>
+            </a:r>
+          </a:p>
+        </p:txBody>
+      </p:sp>
+      <p:sp>
+        <p:nvSpPr>
+          <p:cNvPr id="450" name="Shape 450"/>
           <p:cNvSpPr/>
           <p:nvPr/>
         </p:nvSpPr>
         <p:spPr>
           <a:xfrm>
-            <a:off x="868925" y="2539999"/>
-            <a:ext cx="10677340" cy="4673601"/>
+            <a:off x="824584" y="2425699"/>
+            <a:ext cx="11355631" cy="5816601"/>
           </a:xfrm>
           <a:prstGeom prst="rect">
             <a:avLst/>
@@ -11468,7 +11488,7 @@
           </a:ln>
           <a:extLst>
             <a:ext uri="{C572A759-6A51-4108-AA02-DFA0A04FC94B}">
-              <ma14:wrappingTextBoxFlag xmlns="" xmlns:ma14="http://schemas.microsoft.com/office/mac/drawingml/2011/main" val="1"/>
+              <ma14:wrappingTextBoxFlag xmlns:ma14="http://schemas.microsoft.com/office/mac/drawingml/2011/main" xmlns="" val="1"/>
             </a:ext>
           </a:extLst>
         </p:spPr>
@@ -11479,9 +11499,9 @@
           <a:lstStyle/>
           <a:p>
             <a:pPr defTabSz="457200">
-              <a:defRPr sz="3300" b="0">
-                <a:solidFill>
-                  <a:srgbClr val="0433FF"/>
+              <a:defRPr sz="2500">
+                <a:solidFill>
+                  <a:srgbClr val="808080"/>
                 </a:solidFill>
                 <a:latin typeface="Courier"/>
                 <a:ea typeface="Courier"/>
@@ -11490,22 +11510,15 @@
               </a:defRPr>
             </a:pPr>
             <a:r>
-              <a:t>func</a:t>
-            </a:r>
-            <a:r>
-              <a:rPr>
-                <a:solidFill>
-                  <a:srgbClr val="808080"/>
-                </a:solidFill>
-              </a:rPr>
-              <a:t> class() {</a:t>
-            </a:r>
+              <a:t>// Name returns name.</a:t>
+            </a:r>
+            <a:endParaRPr b="0"/>
           </a:p>
           <a:p>
             <a:pPr defTabSz="457200">
-              <a:defRPr sz="3300" b="0">
-                <a:solidFill>
-                  <a:srgbClr val="808080"/>
+              <a:defRPr sz="2500" b="0">
+                <a:solidFill>
+                  <a:srgbClr val="0433FF"/>
                 </a:solidFill>
                 <a:latin typeface="Courier"/>
                 <a:ea typeface="Courier"/>
@@ -11514,23 +11527,36 @@
               </a:defRPr>
             </a:pPr>
             <a:r>
-              <a:t>    md := MyDirectory{name: </a:t>
-            </a:r>
-            <a:r>
-              <a:rPr b="1">
-                <a:solidFill>
-                  <a:srgbClr val="FF40FF"/>
+              <a:t>func</a:t>
+            </a:r>
+            <a:r>
+              <a:rPr>
+                <a:solidFill>
+                  <a:srgbClr val="808080"/>
                 </a:solidFill>
               </a:rPr>
-              <a:t>"Document"</a:t>
-            </a:r>
-            <a:r>
-              <a:t>}</a:t>
+              <a:t> (md *MyDirectory) Name() </a:t>
+            </a:r>
+            <a:r>
+              <a:rPr>
+                <a:solidFill>
+                  <a:srgbClr val="654ACD"/>
+                </a:solidFill>
+              </a:rPr>
+              <a:t>string</a:t>
+            </a:r>
+            <a:r>
+              <a:rPr>
+                <a:solidFill>
+                  <a:srgbClr val="808080"/>
+                </a:solidFill>
+              </a:rPr>
+              <a:t> {</a:t>
             </a:r>
           </a:p>
           <a:p>
             <a:pPr defTabSz="457200">
-              <a:defRPr sz="3300" b="0">
+              <a:defRPr sz="2500" b="0">
                 <a:solidFill>
                   <a:srgbClr val="808080"/>
                 </a:solidFill>
@@ -11541,39 +11567,23 @@
               </a:defRPr>
             </a:pPr>
             <a:r>
-              <a:t>    fmt.Printf(</a:t>
-            </a:r>
-            <a:r>
-              <a:rPr b="1">
-                <a:solidFill>
-                  <a:srgbClr val="FF40FF"/>
+              <a:t>    </a:t>
+            </a:r>
+            <a:r>
+              <a:rPr>
+                <a:solidFill>
+                  <a:srgbClr val="0433FF"/>
                 </a:solidFill>
               </a:rPr>
-              <a:t>"Name is %s</a:t>
-            </a:r>
-            <a:r>
-              <a:rPr b="1">
-                <a:solidFill>
-                  <a:srgbClr val="FF6060"/>
-                </a:solidFill>
-              </a:rPr>
-              <a:t>\n</a:t>
-            </a:r>
-            <a:r>
-              <a:rPr b="1">
-                <a:solidFill>
-                  <a:srgbClr val="FF40FF"/>
-                </a:solidFill>
-              </a:rPr>
-              <a:t>"</a:t>
-            </a:r>
-            <a:r>
-              <a:t>, md.Name())</a:t>
+              <a:t>return</a:t>
+            </a:r>
+            <a:r>
+              <a:t> md.name</a:t>
             </a:r>
           </a:p>
           <a:p>
             <a:pPr defTabSz="457200">
-              <a:defRPr sz="3300" b="0">
+              <a:defRPr sz="2500" b="0">
                 <a:solidFill>
                   <a:srgbClr val="808080"/>
                 </a:solidFill>
@@ -11589,7 +11599,7 @@
           </a:p>
           <a:p>
             <a:pPr defTabSz="457200">
-              <a:defRPr sz="3300" b="0">
+              <a:defRPr sz="2500" b="0">
                 <a:solidFill>
                   <a:srgbClr val="808080"/>
                 </a:solidFill>
@@ -11603,7 +11613,7 @@
           </a:p>
           <a:p>
             <a:pPr defTabSz="457200">
-              <a:defRPr sz="3300">
+              <a:defRPr sz="2500">
                 <a:solidFill>
                   <a:srgbClr val="808080"/>
                 </a:solidFill>
@@ -11614,13 +11624,13 @@
               </a:defRPr>
             </a:pPr>
             <a:r>
-              <a:t>// MyDirectory defines Directory.</a:t>
+              <a:t>// MyComponent requests Name() method.</a:t>
             </a:r>
             <a:endParaRPr b="0"/>
           </a:p>
           <a:p>
             <a:pPr defTabSz="457200">
-              <a:defRPr sz="3300" b="0">
+              <a:defRPr sz="2500" b="0">
                 <a:solidFill>
                   <a:srgbClr val="0433FF"/>
                 </a:solidFill>
@@ -11639,10 +11649,10 @@
                   <a:srgbClr val="808080"/>
                 </a:solidFill>
               </a:rPr>
-              <a:t> MyDirectory </a:t>
-            </a:r>
-            <a:r>
-              <a:t>struct</a:t>
+              <a:t> MyComponent </a:t>
+            </a:r>
+            <a:r>
+              <a:t>interface</a:t>
             </a:r>
             <a:r>
               <a:rPr>
@@ -11655,7 +11665,7 @@
           </a:p>
           <a:p>
             <a:pPr defTabSz="457200">
-              <a:defRPr sz="3300" b="0">
+              <a:defRPr sz="2500" b="0">
                 <a:solidFill>
                   <a:srgbClr val="808080"/>
                 </a:solidFill>
@@ -11666,7 +11676,7 @@
               </a:defRPr>
             </a:pPr>
             <a:r>
-              <a:t>    name </a:t>
+              <a:t>    Name() </a:t>
             </a:r>
             <a:r>
               <a:rPr>
@@ -11679,7 +11689,7 @@
           </a:p>
           <a:p>
             <a:pPr defTabSz="457200">
-              <a:defRPr sz="3300" b="0">
+              <a:defRPr sz="2500" b="0">
                 <a:solidFill>
                   <a:srgbClr val="808080"/>
                 </a:solidFill>
@@ -11693,11 +11703,166 @@
               <a:t>}</a:t>
             </a:r>
           </a:p>
+          <a:p>
+            <a:pPr defTabSz="457200">
+              <a:defRPr sz="2500" b="0">
+                <a:solidFill>
+                  <a:srgbClr val="808080"/>
+                </a:solidFill>
+                <a:latin typeface="Courier"/>
+                <a:ea typeface="Courier"/>
+                <a:cs typeface="Courier"/>
+                <a:sym typeface="Courier"/>
+              </a:defRPr>
+            </a:pPr>
+            <a:endParaRPr/>
+          </a:p>
+          <a:p>
+            <a:pPr defTabSz="457200">
+              <a:defRPr sz="2500" b="0">
+                <a:solidFill>
+                  <a:srgbClr val="0433FF"/>
+                </a:solidFill>
+                <a:latin typeface="Courier"/>
+                <a:ea typeface="Courier"/>
+                <a:cs typeface="Courier"/>
+                <a:sym typeface="Courier"/>
+              </a:defRPr>
+            </a:pPr>
+            <a:r>
+              <a:t>func</a:t>
+            </a:r>
+            <a:r>
+              <a:rPr>
+                <a:solidFill>
+                  <a:srgbClr val="808080"/>
+                </a:solidFill>
+              </a:rPr>
+              <a:t> ducktyping() {</a:t>
+            </a:r>
+          </a:p>
+          <a:p>
+            <a:pPr defTabSz="457200">
+              <a:defRPr sz="2500" b="0">
+                <a:solidFill>
+                  <a:srgbClr val="808080"/>
+                </a:solidFill>
+                <a:latin typeface="Courier"/>
+                <a:ea typeface="Courier"/>
+                <a:cs typeface="Courier"/>
+                <a:sym typeface="Courier"/>
+              </a:defRPr>
+            </a:pPr>
+            <a:r>
+              <a:t>    </a:t>
+            </a:r>
+            <a:r>
+              <a:rPr>
+                <a:solidFill>
+                  <a:srgbClr val="0433FF"/>
+                </a:solidFill>
+              </a:rPr>
+              <a:t>var</a:t>
+            </a:r>
+            <a:r>
+              <a:t> mc MyComponent</a:t>
+            </a:r>
+          </a:p>
+          <a:p>
+            <a:pPr defTabSz="457200">
+              <a:defRPr sz="2500" b="0">
+                <a:solidFill>
+                  <a:srgbClr val="808080"/>
+                </a:solidFill>
+                <a:latin typeface="Courier"/>
+                <a:ea typeface="Courier"/>
+                <a:cs typeface="Courier"/>
+                <a:sym typeface="Courier"/>
+              </a:defRPr>
+            </a:pPr>
+            <a:r>
+              <a:t>    mc = &amp;MyDirectory{name: </a:t>
+            </a:r>
+            <a:r>
+              <a:rPr b="1">
+                <a:solidFill>
+                  <a:srgbClr val="FF40FF"/>
+                </a:solidFill>
+              </a:rPr>
+              <a:t>"Users"</a:t>
+            </a:r>
+            <a:r>
+              <a:t>}</a:t>
+            </a:r>
+          </a:p>
+          <a:p>
+            <a:pPr defTabSz="457200">
+              <a:defRPr sz="2500" b="0">
+                <a:solidFill>
+                  <a:srgbClr val="808080"/>
+                </a:solidFill>
+                <a:latin typeface="Courier"/>
+                <a:ea typeface="Courier"/>
+                <a:cs typeface="Courier"/>
+                <a:sym typeface="Courier"/>
+              </a:defRPr>
+            </a:pPr>
+            <a:r>
+              <a:t>    fmt.Printf(</a:t>
+            </a:r>
+            <a:r>
+              <a:rPr b="1">
+                <a:solidFill>
+                  <a:srgbClr val="FF40FF"/>
+                </a:solidFill>
+              </a:rPr>
+              <a:t>"Name is %s</a:t>
+            </a:r>
+            <a:r>
+              <a:rPr b="1">
+                <a:solidFill>
+                  <a:srgbClr val="FF6060"/>
+                </a:solidFill>
+              </a:rPr>
+              <a:t>\n</a:t>
+            </a:r>
+            <a:r>
+              <a:rPr b="1">
+                <a:solidFill>
+                  <a:srgbClr val="FF40FF"/>
+                </a:solidFill>
+              </a:rPr>
+              <a:t>"</a:t>
+            </a:r>
+            <a:r>
+              <a:t>, mc.Name()) </a:t>
+            </a:r>
+            <a:r>
+              <a:rPr b="1"/>
+              <a:t>// Name is Users</a:t>
+            </a:r>
+          </a:p>
+          <a:p>
+            <a:pPr defTabSz="457200">
+              <a:defRPr sz="2500" b="0">
+                <a:solidFill>
+                  <a:srgbClr val="808080"/>
+                </a:solidFill>
+                <a:latin typeface="Courier"/>
+                <a:ea typeface="Courier"/>
+                <a:cs typeface="Courier"/>
+                <a:sym typeface="Courier"/>
+              </a:defRPr>
+            </a:pPr>
+            <a:r>
+              <a:t>}</a:t>
+            </a:r>
+          </a:p>
         </p:txBody>
       </p:sp>
       <p:pic>
         <p:nvPicPr>
-          <p:cNvPr id="447" name="image5.png"/>
+          <p:cNvPr id="451" name="image5.png"/>
           <p:cNvPicPr>
             <a:picLocks noChangeAspect="1"/>
           </p:cNvPicPr>
@@ -11713,8 +11878,8 @@
         </p:blipFill>
         <p:spPr>
           <a:xfrm>
-            <a:off x="11132259" y="604184"/>
-            <a:ext cx="1003616" cy="1286687"/>
+            <a:off x="11550492" y="1782356"/>
+            <a:ext cx="1003616" cy="1286686"/>
           </a:xfrm>
           <a:prstGeom prst="rect">
             <a:avLst/>
@@ -11759,7 +11924,7 @@
       </p:grpSpPr>
       <p:sp>
         <p:nvSpPr>
-          <p:cNvPr id="449" name="Shape 449"/>
+          <p:cNvPr id="453" name="Shape 453"/>
           <p:cNvSpPr>
             <a:spLocks noGrp="1"/>
           </p:cNvSpPr>
@@ -11774,28 +11939,24 @@
         </p:spPr>
         <p:txBody>
           <a:bodyPr/>
-          <a:lstStyle>
-            <a:lvl1pPr defTabSz="525779">
-              <a:defRPr sz="5400"/>
-            </a:lvl1pPr>
-          </a:lstStyle>
-          <a:p>
-            <a:r>
-              <a:t>If it walks like a duck and quacks like a duck, it must be a duck.</a:t>
-            </a:r>
-          </a:p>
-        </p:txBody>
-      </p:sp>
-      <p:sp>
-        <p:nvSpPr>
-          <p:cNvPr id="450" name="Shape 450"/>
+          <a:lstStyle/>
+          <a:p>
+            <a:r>
+              <a:t>Rich Standard Library</a:t>
+            </a:r>
+          </a:p>
+        </p:txBody>
+      </p:sp>
+      <p:sp>
+        <p:nvSpPr>
+          <p:cNvPr id="454" name="Shape 454"/>
           <p:cNvSpPr/>
           <p:nvPr/>
         </p:nvSpPr>
         <p:spPr>
           <a:xfrm>
-            <a:off x="824584" y="2425699"/>
-            <a:ext cx="11355631" cy="5816601"/>
+            <a:off x="1289481" y="2539999"/>
+            <a:ext cx="10425839" cy="4673601"/>
           </a:xfrm>
           <a:prstGeom prst="rect">
             <a:avLst/>
@@ -11805,7 +11966,7 @@
           </a:ln>
           <a:extLst>
             <a:ext uri="{C572A759-6A51-4108-AA02-DFA0A04FC94B}">
-              <ma14:wrappingTextBoxFlag xmlns="" xmlns:ma14="http://schemas.microsoft.com/office/mac/drawingml/2011/main" val="1"/>
+              <ma14:wrappingTextBoxFlag xmlns:ma14="http://schemas.microsoft.com/office/mac/drawingml/2011/main" xmlns="" val="1"/>
             </a:ext>
           </a:extLst>
         </p:spPr>
@@ -11816,9 +11977,9 @@
           <a:lstStyle/>
           <a:p>
             <a:pPr defTabSz="457200">
-              <a:defRPr sz="2500">
-                <a:solidFill>
-                  <a:srgbClr val="808080"/>
+              <a:defRPr sz="3300" b="0">
+                <a:solidFill>
+                  <a:srgbClr val="0433FF"/>
                 </a:solidFill>
                 <a:latin typeface="Courier"/>
                 <a:ea typeface="Courier"/>
@@ -11827,15 +11988,22 @@
               </a:defRPr>
             </a:pPr>
             <a:r>
-              <a:t>// Name returns name.</a:t>
-            </a:r>
-            <a:endParaRPr b="0"/>
+              <a:t>func</a:t>
+            </a:r>
+            <a:r>
+              <a:rPr>
+                <a:solidFill>
+                  <a:srgbClr val="808080"/>
+                </a:solidFill>
+              </a:rPr>
+              <a:t> websever() {</a:t>
+            </a:r>
           </a:p>
           <a:p>
             <a:pPr defTabSz="457200">
-              <a:defRPr sz="2500" b="0">
-                <a:solidFill>
-                  <a:srgbClr val="0433FF"/>
+              <a:defRPr sz="3300" b="0">
+                <a:solidFill>
+                  <a:srgbClr val="808080"/>
                 </a:solidFill>
                 <a:latin typeface="Courier"/>
                 <a:ea typeface="Courier"/>
@@ -11844,36 +12012,23 @@
               </a:defRPr>
             </a:pPr>
             <a:r>
-              <a:t>func</a:t>
-            </a:r>
-            <a:r>
-              <a:rPr>
-                <a:solidFill>
-                  <a:srgbClr val="808080"/>
+              <a:t>    http.HandleFunc(</a:t>
+            </a:r>
+            <a:r>
+              <a:rPr b="1">
+                <a:solidFill>
+                  <a:srgbClr val="FF40FF"/>
                 </a:solidFill>
               </a:rPr>
-              <a:t> (md *MyDirectory) Name() </a:t>
-            </a:r>
-            <a:r>
-              <a:rPr>
-                <a:solidFill>
-                  <a:srgbClr val="654ACD"/>
-                </a:solidFill>
-              </a:rPr>
-              <a:t>string</a:t>
-            </a:r>
-            <a:r>
-              <a:rPr>
-                <a:solidFill>
-                  <a:srgbClr val="808080"/>
-                </a:solidFill>
-              </a:rPr>
-              <a:t> {</a:t>
+              <a:t>"/"</a:t>
+            </a:r>
+            <a:r>
+              <a:t>, </a:t>
             </a:r>
           </a:p>
           <a:p>
             <a:pPr defTabSz="457200">
-              <a:defRPr sz="2500" b="0">
+              <a:defRPr sz="3300" b="0">
                 <a:solidFill>
                   <a:srgbClr val="808080"/>
                 </a:solidFill>
@@ -11884,23 +12039,23 @@
               </a:defRPr>
             </a:pPr>
             <a:r>
-              <a:t>    </a:t>
+              <a:t>      </a:t>
             </a:r>
             <a:r>
               <a:rPr>
                 <a:solidFill>
-                  <a:srgbClr val="0433FF"/>
+                  <a:srgbClr val="654ACD"/>
                 </a:solidFill>
               </a:rPr>
-              <a:t>return</a:t>
-            </a:r>
-            <a:r>
-              <a:t> md.name</a:t>
+              <a:t>func</a:t>
+            </a:r>
+            <a:r>
+              <a:t>(w http.ResponseWriter,</a:t>
             </a:r>
           </a:p>
           <a:p>
             <a:pPr defTabSz="457200">
-              <a:defRPr sz="2500" b="0">
+              <a:defRPr sz="3300" b="0">
                 <a:solidFill>
                   <a:srgbClr val="808080"/>
                 </a:solidFill>
@@ -11911,12 +12066,12 @@
               </a:defRPr>
             </a:pPr>
             <a:r>
-              <a:t>}</a:t>
+              <a:t>                  r *http.Request) {</a:t>
             </a:r>
           </a:p>
           <a:p>
             <a:pPr defTabSz="457200">
-              <a:defRPr sz="2500" b="0">
+              <a:defRPr sz="3300" b="0">
                 <a:solidFill>
                   <a:srgbClr val="808080"/>
                 </a:solidFill>
@@ -11926,11 +12081,40 @@
                 <a:sym typeface="Courier"/>
               </a:defRPr>
             </a:pPr>
-            <a:endParaRPr/>
+            <a:r>
+              <a:t>        fmt.Fprintf(w, </a:t>
+            </a:r>
+            <a:r>
+              <a:rPr b="1">
+                <a:solidFill>
+                  <a:srgbClr val="FF40FF"/>
+                </a:solidFill>
+              </a:rPr>
+              <a:t>"Hello World!</a:t>
+            </a:r>
+            <a:r>
+              <a:rPr b="1">
+                <a:solidFill>
+                  <a:srgbClr val="FF6060"/>
+                </a:solidFill>
+              </a:rPr>
+              <a:t>\n</a:t>
+            </a:r>
+            <a:r>
+              <a:rPr b="1">
+                <a:solidFill>
+                  <a:srgbClr val="FF40FF"/>
+                </a:solidFill>
+              </a:rPr>
+              <a:t>"</a:t>
+            </a:r>
+            <a:r>
+              <a:t>)</a:t>
+            </a:r>
           </a:p>
           <a:p>
             <a:pPr defTabSz="457200">
-              <a:defRPr sz="2500">
+              <a:defRPr sz="3300" b="0">
                 <a:solidFill>
                   <a:srgbClr val="808080"/>
                 </a:solidFill>
@@ -11941,15 +12125,14 @@
               </a:defRPr>
             </a:pPr>
             <a:r>
-              <a:t>// MyComponent requests Name() method.</a:t>
-            </a:r>
-            <a:endParaRPr b="0"/>
+              <a:t>      })</a:t>
+            </a:r>
           </a:p>
           <a:p>
             <a:pPr defTabSz="457200">
-              <a:defRPr sz="2500" b="0">
-                <a:solidFill>
-                  <a:srgbClr val="0433FF"/>
+              <a:defRPr sz="3300" b="0">
+                <a:solidFill>
+                  <a:srgbClr val="808080"/>
                 </a:solidFill>
                 <a:latin typeface="Courier"/>
                 <a:ea typeface="Courier"/>
@@ -11958,31 +12141,34 @@
               </a:defRPr>
             </a:pPr>
             <a:r>
-              <a:t>type</a:t>
+              <a:t>    http.ListenAndServe(</a:t>
+            </a:r>
+            <a:r>
+              <a:rPr b="1">
+                <a:solidFill>
+                  <a:srgbClr val="FF40FF"/>
+                </a:solidFill>
+              </a:rPr>
+              <a:t>":8080"</a:t>
+            </a:r>
+            <a:r>
+              <a:t>, </a:t>
             </a:r>
             <a:r>
               <a:rPr>
                 <a:solidFill>
-                  <a:srgbClr val="808080"/>
+                  <a:srgbClr val="0433FF"/>
                 </a:solidFill>
               </a:rPr>
-              <a:t> MyComponent </a:t>
-            </a:r>
-            <a:r>
-              <a:t>interface</a:t>
-            </a:r>
-            <a:r>
-              <a:rPr>
-                <a:solidFill>
-                  <a:srgbClr val="808080"/>
-                </a:solidFill>
-              </a:rPr>
-              <a:t> {</a:t>
+              <a:t>nil</a:t>
+            </a:r>
+            <a:r>
+              <a:t>) </a:t>
             </a:r>
           </a:p>
           <a:p>
             <a:pPr defTabSz="457200">
-              <a:defRPr sz="2500" b="0">
+              <a:defRPr sz="3300" b="0">
                 <a:solidFill>
                   <a:srgbClr val="808080"/>
                 </a:solidFill>
@@ -11993,20 +12179,30 @@
               </a:defRPr>
             </a:pPr>
             <a:r>
-              <a:t>    Name() </a:t>
-            </a:r>
-            <a:r>
-              <a:rPr>
-                <a:solidFill>
-                  <a:srgbClr val="654ACD"/>
-                </a:solidFill>
+              <a:t>    </a:t>
+            </a:r>
+            <a:r>
+              <a:rPr b="1"/>
+              <a:t>// </a:t>
+            </a:r>
+            <a:r>
+              <a:rPr b="1" u="sng">
+                <a:solidFill>
+                  <a:srgbClr val="0000FF"/>
+                </a:solidFill>
+                <a:uFill>
+                  <a:solidFill>
+                    <a:srgbClr val="0000FF"/>
+                  </a:solidFill>
+                </a:uFill>
+                <a:hlinkClick r:id="rId2"/>
               </a:rPr>
-              <a:t>string</a:t>
+              <a:t>http://localhost:8080/</a:t>
             </a:r>
           </a:p>
           <a:p>
             <a:pPr defTabSz="457200">
-              <a:defRPr sz="2500" b="0">
+              <a:defRPr sz="3300" b="0">
                 <a:solidFill>
                   <a:srgbClr val="808080"/>
                 </a:solidFill>
@@ -12020,173 +12216,18 @@
               <a:t>}</a:t>
             </a:r>
           </a:p>
-          <a:p>
-            <a:pPr defTabSz="457200">
-              <a:defRPr sz="2500" b="0">
-                <a:solidFill>
-                  <a:srgbClr val="808080"/>
-                </a:solidFill>
-                <a:latin typeface="Courier"/>
-                <a:ea typeface="Courier"/>
-                <a:cs typeface="Courier"/>
-                <a:sym typeface="Courier"/>
-              </a:defRPr>
-            </a:pPr>
-            <a:endParaRPr/>
-          </a:p>
-          <a:p>
-            <a:pPr defTabSz="457200">
-              <a:defRPr sz="2500" b="0">
-                <a:solidFill>
-                  <a:srgbClr val="0433FF"/>
-                </a:solidFill>
-                <a:latin typeface="Courier"/>
-                <a:ea typeface="Courier"/>
-                <a:cs typeface="Courier"/>
-                <a:sym typeface="Courier"/>
-              </a:defRPr>
-            </a:pPr>
-            <a:r>
-              <a:t>func</a:t>
-            </a:r>
-            <a:r>
-              <a:rPr>
-                <a:solidFill>
-                  <a:srgbClr val="808080"/>
-                </a:solidFill>
-              </a:rPr>
-              <a:t> ducktyping() {</a:t>
-            </a:r>
-          </a:p>
-          <a:p>
-            <a:pPr defTabSz="457200">
-              <a:defRPr sz="2500" b="0">
-                <a:solidFill>
-                  <a:srgbClr val="808080"/>
-                </a:solidFill>
-                <a:latin typeface="Courier"/>
-                <a:ea typeface="Courier"/>
-                <a:cs typeface="Courier"/>
-                <a:sym typeface="Courier"/>
-              </a:defRPr>
-            </a:pPr>
-            <a:r>
-              <a:t>    </a:t>
-            </a:r>
-            <a:r>
-              <a:rPr>
-                <a:solidFill>
-                  <a:srgbClr val="0433FF"/>
-                </a:solidFill>
-              </a:rPr>
-              <a:t>var</a:t>
-            </a:r>
-            <a:r>
-              <a:t> mc MyComponent</a:t>
-            </a:r>
-          </a:p>
-          <a:p>
-            <a:pPr defTabSz="457200">
-              <a:defRPr sz="2500" b="0">
-                <a:solidFill>
-                  <a:srgbClr val="808080"/>
-                </a:solidFill>
-                <a:latin typeface="Courier"/>
-                <a:ea typeface="Courier"/>
-                <a:cs typeface="Courier"/>
-                <a:sym typeface="Courier"/>
-              </a:defRPr>
-            </a:pPr>
-            <a:r>
-              <a:t>    mc = &amp;MyDirectory{name: </a:t>
-            </a:r>
-            <a:r>
-              <a:rPr b="1">
-                <a:solidFill>
-                  <a:srgbClr val="FF40FF"/>
-                </a:solidFill>
-              </a:rPr>
-              <a:t>"Users"</a:t>
-            </a:r>
-            <a:r>
-              <a:t>}</a:t>
-            </a:r>
-          </a:p>
-          <a:p>
-            <a:pPr defTabSz="457200">
-              <a:defRPr sz="2500" b="0">
-                <a:solidFill>
-                  <a:srgbClr val="808080"/>
-                </a:solidFill>
-                <a:latin typeface="Courier"/>
-                <a:ea typeface="Courier"/>
-                <a:cs typeface="Courier"/>
-                <a:sym typeface="Courier"/>
-              </a:defRPr>
-            </a:pPr>
-            <a:r>
-              <a:t>    fmt.Printf(</a:t>
-            </a:r>
-            <a:r>
-              <a:rPr b="1">
-                <a:solidFill>
-                  <a:srgbClr val="FF40FF"/>
-                </a:solidFill>
-              </a:rPr>
-              <a:t>"Name is %s</a:t>
-            </a:r>
-            <a:r>
-              <a:rPr b="1">
-                <a:solidFill>
-                  <a:srgbClr val="FF6060"/>
-                </a:solidFill>
-              </a:rPr>
-              <a:t>\n</a:t>
-            </a:r>
-            <a:r>
-              <a:rPr b="1">
-                <a:solidFill>
-                  <a:srgbClr val="FF40FF"/>
-                </a:solidFill>
-              </a:rPr>
-              <a:t>"</a:t>
-            </a:r>
-            <a:r>
-              <a:t>, mc.Name()) </a:t>
-            </a:r>
-            <a:r>
-              <a:rPr b="1"/>
-              <a:t>// Name is Users</a:t>
-            </a:r>
-          </a:p>
-          <a:p>
-            <a:pPr defTabSz="457200">
-              <a:defRPr sz="2500" b="0">
-                <a:solidFill>
-                  <a:srgbClr val="808080"/>
-                </a:solidFill>
-                <a:latin typeface="Courier"/>
-                <a:ea typeface="Courier"/>
-                <a:cs typeface="Courier"/>
-                <a:sym typeface="Courier"/>
-              </a:defRPr>
-            </a:pPr>
-            <a:r>
-              <a:t>}</a:t>
-            </a:r>
-          </a:p>
         </p:txBody>
       </p:sp>
       <p:pic>
         <p:nvPicPr>
-          <p:cNvPr id="451" name="image5.png"/>
+          <p:cNvPr id="455" name="image5.png"/>
           <p:cNvPicPr>
             <a:picLocks noChangeAspect="1"/>
           </p:cNvPicPr>
           <p:nvPr/>
         </p:nvPicPr>
         <p:blipFill>
-          <a:blip r:embed="rId2">
+          <a:blip r:embed="rId3">
             <a:extLst/>
           </a:blip>
           <a:stretch>
@@ -12195,8 +12236,8 @@
         </p:blipFill>
         <p:spPr>
           <a:xfrm>
-            <a:off x="11550492" y="1782356"/>
-            <a:ext cx="1003616" cy="1286686"/>
+            <a:off x="10031462" y="640760"/>
+            <a:ext cx="1003616" cy="1286687"/>
           </a:xfrm>
           <a:prstGeom prst="rect">
             <a:avLst/>
@@ -12241,7 +12282,7 @@
       </p:grpSpPr>
       <p:sp>
         <p:nvSpPr>
-          <p:cNvPr id="453" name="Shape 453"/>
+          <p:cNvPr id="457" name="Shape 457"/>
           <p:cNvSpPr>
             <a:spLocks noGrp="1"/>
           </p:cNvSpPr>
@@ -12259,292 +12300,117 @@
           <a:lstStyle/>
           <a:p>
             <a:r>
-              <a:t>Rich Standard Library</a:t>
-            </a:r>
-          </a:p>
-        </p:txBody>
-      </p:sp>
-      <p:sp>
-        <p:nvSpPr>
-          <p:cNvPr id="454" name="Shape 454"/>
-          <p:cNvSpPr/>
-          <p:nvPr/>
+              <a:t>Easy Cross Compile</a:t>
+            </a:r>
+          </a:p>
+        </p:txBody>
+      </p:sp>
+      <p:sp>
+        <p:nvSpPr>
+          <p:cNvPr id="458" name="Shape 458"/>
+          <p:cNvSpPr>
+            <a:spLocks noGrp="1"/>
+          </p:cNvSpPr>
+          <p:nvPr>
+            <p:ph type="body" idx="1"/>
+          </p:nvPr>
         </p:nvSpPr>
         <p:spPr>
           <a:xfrm>
-            <a:off x="1289481" y="2539999"/>
-            <a:ext cx="10425839" cy="4673601"/>
+            <a:off x="952500" y="2977652"/>
+            <a:ext cx="11099800" cy="5911257"/>
           </a:xfrm>
           <a:prstGeom prst="rect">
             <a:avLst/>
           </a:prstGeom>
-          <a:ln w="12700">
-            <a:miter lim="400000"/>
-          </a:ln>
-          <a:extLst>
-            <a:ext uri="{C572A759-6A51-4108-AA02-DFA0A04FC94B}">
-              <ma14:wrappingTextBoxFlag xmlns="" xmlns:ma14="http://schemas.microsoft.com/office/mac/drawingml/2011/main" val="1"/>
-            </a:ext>
-          </a:extLst>
-        </p:spPr>
-        <p:txBody>
-          <a:bodyPr wrap="none" lIns="50800" tIns="50800" rIns="50800" bIns="50800" anchor="ctr">
-            <a:spAutoFit/>
-          </a:bodyPr>
+        </p:spPr>
+        <p:txBody>
+          <a:bodyPr/>
           <a:lstStyle/>
           <a:p>
-            <a:pPr defTabSz="457200">
-              <a:defRPr sz="3300" b="0">
+            <a:pPr marL="0" indent="0">
+              <a:buSzTx/>
+              <a:buNone/>
+              <a:defRPr sz="2500"/>
+            </a:pPr>
+            <a:r>
+              <a:t>$ GOOS=linux   GOARCH=amd64 go build hello.go </a:t>
+            </a:r>
+            <a:r>
+              <a:rPr>
                 <a:solidFill>
                   <a:srgbClr val="0433FF"/>
                 </a:solidFill>
-                <a:latin typeface="Courier"/>
-                <a:ea typeface="Courier"/>
-                <a:cs typeface="Courier"/>
-                <a:sym typeface="Courier"/>
-              </a:defRPr>
+              </a:rPr>
+              <a:t># For Linux</a:t>
+            </a:r>
+          </a:p>
+          <a:p>
+            <a:pPr marL="0" indent="0">
+              <a:buSzTx/>
+              <a:buNone/>
+              <a:defRPr sz="2500"/>
             </a:pPr>
             <a:r>
-              <a:t>func</a:t>
+              <a:t>$ GOOS=darwin  GOARCH=amd64 go build hello.go </a:t>
             </a:r>
             <a:r>
               <a:rPr>
                 <a:solidFill>
-                  <a:srgbClr val="808080"/>
+                  <a:srgbClr val="0433FF"/>
                 </a:solidFill>
               </a:rPr>
-              <a:t> websever() {</a:t>
-            </a:r>
-          </a:p>
-          <a:p>
-            <a:pPr defTabSz="457200">
-              <a:defRPr sz="3300" b="0">
-                <a:solidFill>
-                  <a:srgbClr val="808080"/>
-                </a:solidFill>
-                <a:latin typeface="Courier"/>
-                <a:ea typeface="Courier"/>
-                <a:cs typeface="Courier"/>
-                <a:sym typeface="Courier"/>
-              </a:defRPr>
+              <a:t># For Mac</a:t>
+            </a:r>
+          </a:p>
+          <a:p>
+            <a:pPr marL="0" indent="0">
+              <a:buSzTx/>
+              <a:buNone/>
+              <a:defRPr sz="2500"/>
             </a:pPr>
             <a:r>
-              <a:t>    http.HandleFunc(</a:t>
-            </a:r>
-            <a:r>
-              <a:rPr b="1">
-                <a:solidFill>
-                  <a:srgbClr val="FF40FF"/>
+              <a:t>$ GOOS=windows GOARCH=amd64 go build hello.go </a:t>
+            </a:r>
+            <a:r>
+              <a:rPr>
+                <a:solidFill>
+                  <a:srgbClr val="0433FF"/>
                 </a:solidFill>
               </a:rPr>
-              <a:t>"/"</a:t>
-            </a:r>
-            <a:r>
-              <a:t>, </a:t>
-            </a:r>
-          </a:p>
-          <a:p>
-            <a:pPr defTabSz="457200">
-              <a:defRPr sz="3300" b="0">
-                <a:solidFill>
-                  <a:srgbClr val="808080"/>
-                </a:solidFill>
-                <a:latin typeface="Courier"/>
-                <a:ea typeface="Courier"/>
-                <a:cs typeface="Courier"/>
-                <a:sym typeface="Courier"/>
-              </a:defRPr>
+              <a:t># For windows</a:t>
+            </a:r>
+          </a:p>
+          <a:p>
+            <a:pPr marL="0" indent="0">
+              <a:buSzTx/>
+              <a:buNone/>
+              <a:defRPr sz="2500"/>
             </a:pPr>
             <a:r>
-              <a:t>      </a:t>
+              <a:t>$ GOOS=android GOARCH=amd64 go build hello.go </a:t>
             </a:r>
             <a:r>
               <a:rPr>
                 <a:solidFill>
-                  <a:srgbClr val="654ACD"/>
+                  <a:srgbClr val="0433FF"/>
                 </a:solidFill>
               </a:rPr>
-              <a:t>func</a:t>
-            </a:r>
-            <a:r>
-              <a:t>(w http.ResponseWriter,</a:t>
-            </a:r>
-          </a:p>
-          <a:p>
-            <a:pPr defTabSz="457200">
-              <a:defRPr sz="3300" b="0">
-                <a:solidFill>
-                  <a:srgbClr val="808080"/>
-                </a:solidFill>
-                <a:latin typeface="Courier"/>
-                <a:ea typeface="Courier"/>
-                <a:cs typeface="Courier"/>
-                <a:sym typeface="Courier"/>
-              </a:defRPr>
-            </a:pPr>
-            <a:r>
-              <a:t>                  r *http.Request) {</a:t>
-            </a:r>
-          </a:p>
-          <a:p>
-            <a:pPr defTabSz="457200">
-              <a:defRPr sz="3300" b="0">
-                <a:solidFill>
-                  <a:srgbClr val="808080"/>
-                </a:solidFill>
-                <a:latin typeface="Courier"/>
-                <a:ea typeface="Courier"/>
-                <a:cs typeface="Courier"/>
-                <a:sym typeface="Courier"/>
-              </a:defRPr>
-            </a:pPr>
-            <a:r>
-              <a:t>        fmt.Fprintf(w, </a:t>
-            </a:r>
-            <a:r>
-              <a:rPr b="1">
-                <a:solidFill>
-                  <a:srgbClr val="FF40FF"/>
-                </a:solidFill>
-              </a:rPr>
-              <a:t>"Hello World!</a:t>
-            </a:r>
-            <a:r>
-              <a:rPr b="1">
-                <a:solidFill>
-                  <a:srgbClr val="FF6060"/>
-                </a:solidFill>
-              </a:rPr>
-              <a:t>\n</a:t>
-            </a:r>
-            <a:r>
-              <a:rPr b="1">
-                <a:solidFill>
-                  <a:srgbClr val="FF40FF"/>
-                </a:solidFill>
-              </a:rPr>
-              <a:t>"</a:t>
-            </a:r>
-            <a:r>
-              <a:t>)</a:t>
-            </a:r>
-          </a:p>
-          <a:p>
-            <a:pPr defTabSz="457200">
-              <a:defRPr sz="3300" b="0">
-                <a:solidFill>
-                  <a:srgbClr val="808080"/>
-                </a:solidFill>
-                <a:latin typeface="Courier"/>
-                <a:ea typeface="Courier"/>
-                <a:cs typeface="Courier"/>
-                <a:sym typeface="Courier"/>
-              </a:defRPr>
-            </a:pPr>
-            <a:r>
-              <a:t>      })</a:t>
-            </a:r>
-          </a:p>
-          <a:p>
-            <a:pPr defTabSz="457200">
-              <a:defRPr sz="3300" b="0">
-                <a:solidFill>
-                  <a:srgbClr val="808080"/>
-                </a:solidFill>
-                <a:latin typeface="Courier"/>
-                <a:ea typeface="Courier"/>
-                <a:cs typeface="Courier"/>
-                <a:sym typeface="Courier"/>
-              </a:defRPr>
-            </a:pPr>
-            <a:r>
-              <a:t>    http.ListenAndServe(</a:t>
-            </a:r>
-            <a:r>
-              <a:rPr b="1">
-                <a:solidFill>
-                  <a:srgbClr val="FF40FF"/>
-                </a:solidFill>
-              </a:rPr>
-              <a:t>":8080"</a:t>
-            </a:r>
-            <a:r>
-              <a:t>, </a:t>
-            </a:r>
-            <a:r>
-              <a:rPr>
-                <a:solidFill>
-                  <a:srgbClr val="0433FF"/>
-                </a:solidFill>
-              </a:rPr>
-              <a:t>nil</a:t>
-            </a:r>
-            <a:r>
-              <a:t>) </a:t>
-            </a:r>
-          </a:p>
-          <a:p>
-            <a:pPr defTabSz="457200">
-              <a:defRPr sz="3300" b="0">
-                <a:solidFill>
-                  <a:srgbClr val="808080"/>
-                </a:solidFill>
-                <a:latin typeface="Courier"/>
-                <a:ea typeface="Courier"/>
-                <a:cs typeface="Courier"/>
-                <a:sym typeface="Courier"/>
-              </a:defRPr>
-            </a:pPr>
-            <a:r>
-              <a:t>    </a:t>
-            </a:r>
-            <a:r>
-              <a:rPr b="1"/>
-              <a:t>// </a:t>
-            </a:r>
-            <a:r>
-              <a:rPr b="1" u="sng">
-                <a:solidFill>
-                  <a:srgbClr val="0000FF"/>
-                </a:solidFill>
-                <a:uFill>
-                  <a:solidFill>
-                    <a:srgbClr val="0000FF"/>
-                  </a:solidFill>
-                </a:uFill>
-                <a:hlinkClick r:id="rId2"/>
-              </a:rPr>
-              <a:t>http://localhost:8080/</a:t>
-            </a:r>
-          </a:p>
-          <a:p>
-            <a:pPr defTabSz="457200">
-              <a:defRPr sz="3300" b="0">
-                <a:solidFill>
-                  <a:srgbClr val="808080"/>
-                </a:solidFill>
-                <a:latin typeface="Courier"/>
-                <a:ea typeface="Courier"/>
-                <a:cs typeface="Courier"/>
-                <a:sym typeface="Courier"/>
-              </a:defRPr>
-            </a:pPr>
-            <a:r>
-              <a:t>}</a:t>
+              <a:t># For Android</a:t>
             </a:r>
           </a:p>
         </p:txBody>
       </p:sp>
       <p:pic>
         <p:nvPicPr>
-          <p:cNvPr id="455" name="image5.png"/>
+          <p:cNvPr id="459" name="image5.png"/>
           <p:cNvPicPr>
             <a:picLocks noChangeAspect="1"/>
           </p:cNvPicPr>
           <p:nvPr/>
         </p:nvPicPr>
         <p:blipFill>
-          <a:blip r:embed="rId3">
+          <a:blip r:embed="rId2">
             <a:extLst/>
           </a:blip>
           <a:stretch>
@@ -12553,7 +12419,7 @@
         </p:blipFill>
         <p:spPr>
           <a:xfrm>
-            <a:off x="10031462" y="640760"/>
+            <a:off x="9031717" y="567607"/>
             <a:ext cx="1003616" cy="1286687"/>
           </a:xfrm>
           <a:prstGeom prst="rect">
@@ -12599,7 +12465,7 @@
       </p:grpSpPr>
       <p:sp>
         <p:nvSpPr>
-          <p:cNvPr id="457" name="Shape 457"/>
+          <p:cNvPr id="461" name="Shape 461"/>
           <p:cNvSpPr>
             <a:spLocks noGrp="1"/>
           </p:cNvSpPr>
@@ -12617,14 +12483,14 @@
           <a:lstStyle/>
           <a:p>
             <a:r>
-              <a:t>Easy Cross Compile</a:t>
-            </a:r>
-          </a:p>
-        </p:txBody>
-      </p:sp>
-      <p:sp>
-        <p:nvSpPr>
-          <p:cNvPr id="458" name="Shape 458"/>
+              <a:t>Test framework</a:t>
+            </a:r>
+          </a:p>
+        </p:txBody>
+      </p:sp>
+      <p:sp>
+        <p:nvSpPr>
+          <p:cNvPr id="462" name="Shape 462"/>
           <p:cNvSpPr>
             <a:spLocks noGrp="1"/>
           </p:cNvSpPr>
@@ -12645,82 +12511,138 @@
           <a:bodyPr/>
           <a:lstStyle/>
           <a:p>
-            <a:pPr marL="0" indent="0">
+            <a:pPr marL="0" indent="0" defTabSz="408940">
+              <a:lnSpc>
+                <a:spcPct val="50000"/>
+              </a:lnSpc>
+              <a:spcBef>
+                <a:spcPts val="2900"/>
+              </a:spcBef>
               <a:buSzTx/>
               <a:buNone/>
-              <a:defRPr sz="2500"/>
+              <a:defRPr sz="2800"/>
             </a:pPr>
             <a:r>
-              <a:t>$ GOOS=linux   GOARCH=amd64 go build hello.go </a:t>
-            </a:r>
-            <a:r>
-              <a:rPr>
-                <a:solidFill>
-                  <a:srgbClr val="0433FF"/>
-                </a:solidFill>
-              </a:rPr>
-              <a:t># For Linux</a:t>
-            </a:r>
-          </a:p>
-          <a:p>
-            <a:pPr marL="0" indent="0">
+              <a:t>$  go test ./...</a:t>
+            </a:r>
+          </a:p>
+          <a:p>
+            <a:pPr marL="0" indent="0" defTabSz="408940">
+              <a:lnSpc>
+                <a:spcPct val="50000"/>
+              </a:lnSpc>
+              <a:spcBef>
+                <a:spcPts val="2900"/>
+              </a:spcBef>
               <a:buSzTx/>
               <a:buNone/>
-              <a:defRPr sz="2500"/>
+              <a:defRPr sz="2800"/>
             </a:pPr>
             <a:r>
-              <a:t>$ GOOS=darwin  GOARCH=amd64 go build hello.go </a:t>
-            </a:r>
-            <a:r>
-              <a:rPr>
-                <a:solidFill>
-                  <a:srgbClr val="0433FF"/>
-                </a:solidFill>
-              </a:rPr>
-              <a:t># For Mac</a:t>
-            </a:r>
-          </a:p>
-          <a:p>
-            <a:pPr marL="0" indent="0">
+              <a:t>ok      github.com/budougumi0617/GoTraining/ch11/ex01   0.019s</a:t>
+            </a:r>
+          </a:p>
+          <a:p>
+            <a:pPr marL="0" indent="0" defTabSz="408940">
+              <a:lnSpc>
+                <a:spcPct val="50000"/>
+              </a:lnSpc>
+              <a:spcBef>
+                <a:spcPts val="2900"/>
+              </a:spcBef>
               <a:buSzTx/>
               <a:buNone/>
-              <a:defRPr sz="2500"/>
+              <a:defRPr sz="2800"/>
             </a:pPr>
             <a:r>
-              <a:t>$ GOOS=windows GOARCH=amd64 go build hello.go </a:t>
-            </a:r>
-            <a:r>
-              <a:rPr>
-                <a:solidFill>
-                  <a:srgbClr val="0433FF"/>
-                </a:solidFill>
-              </a:rPr>
-              <a:t># For windows</a:t>
-            </a:r>
-          </a:p>
-          <a:p>
-            <a:pPr marL="0" indent="0">
+              <a:t>ok      github.com/budougumi0617/GoTraining/ch11/ex02   0.023s</a:t>
+            </a:r>
+          </a:p>
+          <a:p>
+            <a:pPr marL="0" indent="0" defTabSz="408940">
+              <a:lnSpc>
+                <a:spcPct val="50000"/>
+              </a:lnSpc>
+              <a:spcBef>
+                <a:spcPts val="2900"/>
+              </a:spcBef>
               <a:buSzTx/>
               <a:buNone/>
-              <a:defRPr sz="2500"/>
+              <a:defRPr sz="2800"/>
             </a:pPr>
             <a:r>
-              <a:t>$ GOOS=android GOARCH=amd64 go build hello.go </a:t>
-            </a:r>
-            <a:r>
-              <a:rPr>
-                <a:solidFill>
-                  <a:srgbClr val="0433FF"/>
-                </a:solidFill>
-              </a:rPr>
-              <a:t># For Android</a:t>
+              <a:t>ok      github.com/budougumi0617/GoTraining/ch11/ex03   0.023s</a:t>
+            </a:r>
+          </a:p>
+          <a:p>
+            <a:pPr marL="0" indent="0" defTabSz="408940">
+              <a:lnSpc>
+                <a:spcPct val="50000"/>
+              </a:lnSpc>
+              <a:spcBef>
+                <a:spcPts val="2900"/>
+              </a:spcBef>
+              <a:buSzTx/>
+              <a:buNone/>
+              <a:defRPr sz="2800"/>
+            </a:pPr>
+            <a:r>
+              <a:t>ok      github.com/budougumi0617/GoTraining/ch11/ex04   0.027s</a:t>
+            </a:r>
+          </a:p>
+          <a:p>
+            <a:pPr marL="0" indent="0" defTabSz="408940">
+              <a:lnSpc>
+                <a:spcPct val="50000"/>
+              </a:lnSpc>
+              <a:spcBef>
+                <a:spcPts val="2900"/>
+              </a:spcBef>
+              <a:buSzTx/>
+              <a:buNone/>
+              <a:defRPr sz="2800"/>
+            </a:pPr>
+            <a:r>
+              <a:t>ok      github.com/budougumi0617/GoTraining/ch11/ex05   0.017s</a:t>
+            </a:r>
+          </a:p>
+          <a:p>
+            <a:pPr marL="0" indent="0" defTabSz="408940">
+              <a:lnSpc>
+                <a:spcPct val="50000"/>
+              </a:lnSpc>
+              <a:spcBef>
+                <a:spcPts val="2900"/>
+              </a:spcBef>
+              <a:buSzTx/>
+              <a:buNone/>
+              <a:defRPr sz="2800"/>
+            </a:pPr>
+            <a:r>
+              <a:t>ok      github.com/budougumi0617/GoTraining/ch11/ex06   0.016s</a:t>
+            </a:r>
+          </a:p>
+          <a:p>
+            <a:pPr marL="0" indent="0" defTabSz="408940">
+              <a:lnSpc>
+                <a:spcPct val="50000"/>
+              </a:lnSpc>
+              <a:spcBef>
+                <a:spcPts val="2900"/>
+              </a:spcBef>
+              <a:buSzTx/>
+              <a:buNone/>
+              <a:defRPr sz="2800"/>
+            </a:pPr>
+            <a:r>
+              <a:t>ok      github.com/budougumi0617/GoTraining/ch11/ex07   0.014s</a:t>
             </a:r>
           </a:p>
         </p:txBody>
       </p:sp>
       <p:pic>
         <p:nvPicPr>
-          <p:cNvPr id="459" name="image5.png"/>
+          <p:cNvPr id="463" name="image5.png"/>
           <p:cNvPicPr>
             <a:picLocks noChangeAspect="1"/>
           </p:cNvPicPr>
@@ -12736,7 +12658,7 @@
         </p:blipFill>
         <p:spPr>
           <a:xfrm>
-            <a:off x="9031717" y="567607"/>
+            <a:off x="7495526" y="677335"/>
             <a:ext cx="1003616" cy="1286687"/>
           </a:xfrm>
           <a:prstGeom prst="rect">
@@ -12782,7 +12704,7 @@
       </p:grpSpPr>
       <p:sp>
         <p:nvSpPr>
-          <p:cNvPr id="461" name="Shape 461"/>
+          <p:cNvPr id="465" name="Shape 465"/>
           <p:cNvSpPr>
             <a:spLocks noGrp="1"/>
           </p:cNvSpPr>
@@ -12800,14 +12722,14 @@
           <a:lstStyle/>
           <a:p>
             <a:r>
-              <a:t>Test framework</a:t>
-            </a:r>
-          </a:p>
-        </p:txBody>
-      </p:sp>
-      <p:sp>
-        <p:nvSpPr>
-          <p:cNvPr id="462" name="Shape 462"/>
+              <a:t>Get Code Coverage</a:t>
+            </a:r>
+          </a:p>
+        </p:txBody>
+      </p:sp>
+      <p:sp>
+        <p:nvSpPr>
+          <p:cNvPr id="466" name="Shape 466"/>
           <p:cNvSpPr>
             <a:spLocks noGrp="1"/>
           </p:cNvSpPr>
@@ -12828,138 +12750,122 @@
           <a:bodyPr/>
           <a:lstStyle/>
           <a:p>
-            <a:pPr marL="0" indent="0" defTabSz="408940">
+            <a:pPr marL="0" indent="0" defTabSz="473201">
               <a:lnSpc>
                 <a:spcPct val="50000"/>
               </a:lnSpc>
               <a:spcBef>
-                <a:spcPts val="2900"/>
+                <a:spcPts val="3400"/>
               </a:spcBef>
               <a:buSzTx/>
               <a:buNone/>
-              <a:defRPr sz="2800"/>
+              <a:defRPr sz="3200"/>
             </a:pPr>
             <a:r>
-              <a:t>$  go test ./...</a:t>
-            </a:r>
-          </a:p>
-          <a:p>
-            <a:pPr marL="0" indent="0" defTabSz="408940">
+              <a:t>$  go test -cover ./...</a:t>
+            </a:r>
+          </a:p>
+          <a:p>
+            <a:pPr marL="0" indent="0" defTabSz="473201">
               <a:lnSpc>
                 <a:spcPct val="50000"/>
               </a:lnSpc>
               <a:spcBef>
-                <a:spcPts val="2900"/>
+                <a:spcPts val="3400"/>
               </a:spcBef>
               <a:buSzTx/>
               <a:buNone/>
-              <a:defRPr sz="2800"/>
+              <a:defRPr sz="3200"/>
             </a:pPr>
             <a:r>
-              <a:t>ok      github.com/budougumi0617/GoTraining/ch11/ex01   0.019s</a:t>
-            </a:r>
-          </a:p>
-          <a:p>
-            <a:pPr marL="0" indent="0" defTabSz="408940">
+              <a:t>ok      ch01/ex01   0.024s  coverage: 100.0% of statements</a:t>
+            </a:r>
+          </a:p>
+          <a:p>
+            <a:pPr marL="0" indent="0" defTabSz="473201">
               <a:lnSpc>
                 <a:spcPct val="50000"/>
               </a:lnSpc>
               <a:spcBef>
-                <a:spcPts val="2900"/>
+                <a:spcPts val="3400"/>
               </a:spcBef>
               <a:buSzTx/>
               <a:buNone/>
-              <a:defRPr sz="2800"/>
+              <a:defRPr sz="3200"/>
             </a:pPr>
             <a:r>
-              <a:t>ok      github.com/budougumi0617/GoTraining/ch11/ex02   0.023s</a:t>
-            </a:r>
-          </a:p>
-          <a:p>
-            <a:pPr marL="0" indent="0" defTabSz="408940">
+              <a:t>ok      ch01/ex02   0.022s  coverage: 100.0% of statements</a:t>
+            </a:r>
+          </a:p>
+          <a:p>
+            <a:pPr marL="0" indent="0" defTabSz="473201">
               <a:lnSpc>
                 <a:spcPct val="50000"/>
               </a:lnSpc>
               <a:spcBef>
-                <a:spcPts val="2900"/>
+                <a:spcPts val="3400"/>
               </a:spcBef>
               <a:buSzTx/>
               <a:buNone/>
-              <a:defRPr sz="2800"/>
+              <a:defRPr sz="3200"/>
             </a:pPr>
             <a:r>
-              <a:t>ok      github.com/budougumi0617/GoTraining/ch11/ex03   0.023s</a:t>
-            </a:r>
-          </a:p>
-          <a:p>
-            <a:pPr marL="0" indent="0" defTabSz="408940">
+              <a:t>ok      ch01/ex03   0.024s  coverage: 100.0% of statements</a:t>
+            </a:r>
+          </a:p>
+          <a:p>
+            <a:pPr marL="0" indent="0" defTabSz="473201">
               <a:lnSpc>
                 <a:spcPct val="50000"/>
               </a:lnSpc>
               <a:spcBef>
-                <a:spcPts val="2900"/>
+                <a:spcPts val="3400"/>
               </a:spcBef>
               <a:buSzTx/>
               <a:buNone/>
-              <a:defRPr sz="2800"/>
+              <a:defRPr sz="3200"/>
             </a:pPr>
             <a:r>
-              <a:t>ok      github.com/budougumi0617/GoTraining/ch11/ex04   0.027s</a:t>
-            </a:r>
-          </a:p>
-          <a:p>
-            <a:pPr marL="0" indent="0" defTabSz="408940">
+              <a:t>ok      ch01/ex04   0.024s  coverage: 82.1% of statements</a:t>
+            </a:r>
+          </a:p>
+          <a:p>
+            <a:pPr marL="0" indent="0" defTabSz="473201">
               <a:lnSpc>
                 <a:spcPct val="50000"/>
               </a:lnSpc>
               <a:spcBef>
-                <a:spcPts val="2900"/>
+                <a:spcPts val="3400"/>
               </a:spcBef>
               <a:buSzTx/>
               <a:buNone/>
-              <a:defRPr sz="2800"/>
+              <a:defRPr sz="3200"/>
             </a:pPr>
             <a:r>
-              <a:t>ok      github.com/budougumi0617/GoTraining/ch11/ex05   0.017s</a:t>
-            </a:r>
-          </a:p>
-          <a:p>
-            <a:pPr marL="0" indent="0" defTabSz="408940">
+              <a:t>ok      ch01/ex05   0.234s  coverage: 100.0% of statements</a:t>
+            </a:r>
+          </a:p>
+          <a:p>
+            <a:pPr marL="0" indent="0" defTabSz="473201">
               <a:lnSpc>
                 <a:spcPct val="50000"/>
               </a:lnSpc>
               <a:spcBef>
-                <a:spcPts val="2900"/>
+                <a:spcPts val="3400"/>
               </a:spcBef>
               <a:buSzTx/>
               <a:buNone/>
-              <a:defRPr sz="2800"/>
+              <a:defRPr sz="3200"/>
             </a:pPr>
             <a:r>
-              <a:t>ok      github.com/budougumi0617/GoTraining/ch11/ex06   0.016s</a:t>
-            </a:r>
-          </a:p>
-          <a:p>
-            <a:pPr marL="0" indent="0" defTabSz="408940">
-              <a:lnSpc>
-                <a:spcPct val="50000"/>
-              </a:lnSpc>
-              <a:spcBef>
-                <a:spcPts val="2900"/>
-              </a:spcBef>
-              <a:buSzTx/>
-              <a:buNone/>
-              <a:defRPr sz="2800"/>
-            </a:pPr>
-            <a:r>
-              <a:t>ok      github.com/budougumi0617/GoTraining/ch11/ex07   0.014s</a:t>
+              <a:t>ok      ch01/ex06   0.601s  coverage: 100.0% of statements</a:t>
             </a:r>
           </a:p>
         </p:txBody>
       </p:sp>
       <p:pic>
         <p:nvPicPr>
-          <p:cNvPr id="463" name="image5.png"/>
+          <p:cNvPr id="467" name="image5.png"/>
           <p:cNvPicPr>
             <a:picLocks noChangeAspect="1"/>
           </p:cNvPicPr>
@@ -12975,7 +12881,7 @@
         </p:blipFill>
         <p:spPr>
           <a:xfrm>
-            <a:off x="7495526" y="677335"/>
+            <a:off x="8848838" y="677335"/>
             <a:ext cx="1003616" cy="1286687"/>
           </a:xfrm>
           <a:prstGeom prst="rect">
@@ -13021,7 +12927,7 @@
       </p:grpSpPr>
       <p:sp>
         <p:nvSpPr>
-          <p:cNvPr id="381" name="Shape 381"/>
+          <p:cNvPr id="390" name="Shape 390"/>
           <p:cNvSpPr>
             <a:spLocks noGrp="1"/>
           </p:cNvSpPr>
@@ -13031,8 +12937,8 @@
         </p:nvSpPr>
         <p:spPr>
           <a:xfrm>
-            <a:off x="1270000" y="909339"/>
-            <a:ext cx="10464800" cy="7934922"/>
+            <a:off x="765810" y="444500"/>
+            <a:ext cx="11473180" cy="2159000"/>
           </a:xfrm>
           <a:prstGeom prst="rect">
             <a:avLst/>
@@ -13044,20 +12950,92 @@
           <a:p>
             <a:r>
               <a:rPr lang="en-US" dirty="0" smtClean="0"/>
-              <a:t>What is</a:t>
+              <a:t>Programming Language Go</a:t>
             </a:r>
             <a:r>
               <a:rPr dirty="0" smtClean="0"/>
-              <a:t> Go</a:t>
-            </a:r>
+              <a:t> </a:t>
+            </a:r>
+            <a:endParaRPr dirty="0"/>
+          </a:p>
+        </p:txBody>
+      </p:sp>
+      <p:sp>
+        <p:nvSpPr>
+          <p:cNvPr id="391" name="Shape 391"/>
+          <p:cNvSpPr>
+            <a:spLocks noGrp="1"/>
+          </p:cNvSpPr>
+          <p:nvPr>
+            <p:ph type="body" idx="1"/>
+          </p:nvPr>
+        </p:nvSpPr>
+        <p:spPr>
+          <a:xfrm>
+            <a:off x="952500" y="2977652"/>
+            <a:ext cx="11099800" cy="5911257"/>
+          </a:xfrm>
+          <a:prstGeom prst="rect">
+            <a:avLst/>
+          </a:prstGeom>
+        </p:spPr>
+        <p:txBody>
+          <a:bodyPr/>
+          <a:lstStyle/>
+          <a:p>
             <a:r>
               <a:rPr lang="en-US" dirty="0" smtClean="0"/>
-              <a:t>?</a:t>
+              <a:t>From </a:t>
+            </a:r>
+            <a:r>
+              <a:rPr dirty="0" smtClean="0"/>
+              <a:t>2009-</a:t>
             </a:r>
             <a:endParaRPr dirty="0"/>
           </a:p>
-        </p:txBody>
-      </p:sp>
+          <a:p>
+            <a:r>
+              <a:rPr dirty="0"/>
+              <a:t>Launched by Google</a:t>
+            </a:r>
+          </a:p>
+          <a:p>
+            <a:r>
+              <a:rPr dirty="0"/>
+              <a:t>“C for the 21st century.”</a:t>
+            </a:r>
+          </a:p>
+        </p:txBody>
+      </p:sp>
+      <p:pic>
+        <p:nvPicPr>
+          <p:cNvPr id="5" name="image4.png"/>
+          <p:cNvPicPr>
+            <a:picLocks noChangeAspect="1"/>
+          </p:cNvPicPr>
+          <p:nvPr/>
+        </p:nvPicPr>
+        <p:blipFill>
+          <a:blip r:embed="rId2">
+            <a:extLst/>
+          </a:blip>
+          <a:stretch>
+            <a:fillRect/>
+          </a:stretch>
+        </p:blipFill>
+        <p:spPr>
+          <a:xfrm>
+            <a:off x="5858046" y="4098404"/>
+            <a:ext cx="5655197" cy="5655196"/>
+          </a:xfrm>
+          <a:prstGeom prst="rect">
+            <a:avLst/>
+          </a:prstGeom>
+          <a:ln w="12700">
+            <a:miter lim="400000"/>
+          </a:ln>
+        </p:spPr>
+      </p:pic>
     </p:spTree>
   </p:cSld>
   <p:clrMapOvr>
@@ -13093,7 +13071,7 @@
       </p:grpSpPr>
       <p:sp>
         <p:nvSpPr>
-          <p:cNvPr id="465" name="Shape 465"/>
+          <p:cNvPr id="469" name="Shape 469"/>
           <p:cNvSpPr>
             <a:spLocks noGrp="1"/>
           </p:cNvSpPr>
@@ -13111,14 +13089,14 @@
           <a:lstStyle/>
           <a:p>
             <a:r>
-              <a:t>Get Code Coverage</a:t>
-            </a:r>
-          </a:p>
-        </p:txBody>
-      </p:sp>
-      <p:sp>
-        <p:nvSpPr>
-          <p:cNvPr id="466" name="Shape 466"/>
+              <a:t>Execute Benchmark</a:t>
+            </a:r>
+          </a:p>
+        </p:txBody>
+      </p:sp>
+      <p:sp>
+        <p:nvSpPr>
+          <p:cNvPr id="470" name="Shape 470"/>
           <p:cNvSpPr>
             <a:spLocks noGrp="1"/>
           </p:cNvSpPr>
@@ -13139,122 +13117,154 @@
           <a:bodyPr/>
           <a:lstStyle/>
           <a:p>
-            <a:pPr marL="0" indent="0" defTabSz="473201">
+            <a:pPr marL="0" indent="0" defTabSz="408940">
               <a:lnSpc>
                 <a:spcPct val="50000"/>
               </a:lnSpc>
               <a:spcBef>
-                <a:spcPts val="3400"/>
+                <a:spcPts val="2900"/>
               </a:spcBef>
               <a:buSzTx/>
               <a:buNone/>
-              <a:defRPr sz="3200"/>
+              <a:defRPr sz="2800"/>
             </a:pPr>
             <a:r>
-              <a:t>$  go test -cover ./...</a:t>
-            </a:r>
-          </a:p>
-          <a:p>
-            <a:pPr marL="0" indent="0" defTabSz="473201">
+              <a:t>$  go test -bench .</a:t>
+            </a:r>
+          </a:p>
+          <a:p>
+            <a:pPr marL="0" indent="0" defTabSz="408940">
               <a:lnSpc>
                 <a:spcPct val="50000"/>
               </a:lnSpc>
               <a:spcBef>
-                <a:spcPts val="3400"/>
+                <a:spcPts val="2900"/>
               </a:spcBef>
               <a:buSzTx/>
               <a:buNone/>
-              <a:defRPr sz="3200"/>
+              <a:defRPr sz="2800"/>
             </a:pPr>
             <a:r>
-              <a:t>ok      ch01/ex01   0.024s  coverage: 100.0% of statements</a:t>
-            </a:r>
-          </a:p>
-          <a:p>
-            <a:pPr marL="0" indent="0" defTabSz="473201">
+              <a:t>BenchmarkMyIntSetAdd100-4                 200000          6307 ns/op</a:t>
+            </a:r>
+          </a:p>
+          <a:p>
+            <a:pPr marL="0" indent="0" defTabSz="408940">
               <a:lnSpc>
                 <a:spcPct val="50000"/>
               </a:lnSpc>
               <a:spcBef>
-                <a:spcPts val="3400"/>
+                <a:spcPts val="2900"/>
               </a:spcBef>
               <a:buSzTx/>
               <a:buNone/>
-              <a:defRPr sz="3200"/>
+              <a:defRPr sz="2800"/>
             </a:pPr>
             <a:r>
-              <a:t>ok      ch01/ex02   0.022s  coverage: 100.0% of statements</a:t>
-            </a:r>
-          </a:p>
-          <a:p>
-            <a:pPr marL="0" indent="0" defTabSz="473201">
+              <a:t>BenchmarkMapIntSetAdd1000-4                10000        235164 ns/op</a:t>
+            </a:r>
+          </a:p>
+          <a:p>
+            <a:pPr marL="0" indent="0" defTabSz="408940">
               <a:lnSpc>
                 <a:spcPct val="50000"/>
               </a:lnSpc>
               <a:spcBef>
-                <a:spcPts val="3400"/>
+                <a:spcPts val="2900"/>
               </a:spcBef>
               <a:buSzTx/>
               <a:buNone/>
-              <a:defRPr sz="3200"/>
+              <a:defRPr sz="2800"/>
             </a:pPr>
             <a:r>
-              <a:t>ok      ch01/ex03   0.024s  coverage: 100.0% of statements</a:t>
-            </a:r>
-          </a:p>
-          <a:p>
-            <a:pPr marL="0" indent="0" defTabSz="473201">
+              <a:t>BenchmarkMyIntSetAdd1000-4                 20000         64169 ns/op</a:t>
+            </a:r>
+          </a:p>
+          <a:p>
+            <a:pPr marL="0" indent="0" defTabSz="408940">
               <a:lnSpc>
                 <a:spcPct val="50000"/>
               </a:lnSpc>
               <a:spcBef>
-                <a:spcPts val="3400"/>
+                <a:spcPts val="2900"/>
               </a:spcBef>
               <a:buSzTx/>
               <a:buNone/>
-              <a:defRPr sz="3200"/>
+              <a:defRPr sz="2800"/>
             </a:pPr>
             <a:r>
-              <a:t>ok      ch01/ex04   0.024s  coverage: 82.1% of statements</a:t>
-            </a:r>
-          </a:p>
-          <a:p>
-            <a:pPr marL="0" indent="0" defTabSz="473201">
+              <a:t>BenchmarkMapIntSetAddAll10-4             1000000          1253 ns/op</a:t>
+            </a:r>
+          </a:p>
+          <a:p>
+            <a:pPr marL="0" indent="0" defTabSz="408940">
               <a:lnSpc>
                 <a:spcPct val="50000"/>
               </a:lnSpc>
               <a:spcBef>
-                <a:spcPts val="3400"/>
+                <a:spcPts val="2900"/>
               </a:spcBef>
               <a:buSzTx/>
               <a:buNone/>
-              <a:defRPr sz="3200"/>
+              <a:defRPr sz="2800"/>
             </a:pPr>
             <a:r>
-              <a:t>ok      ch01/ex05   0.234s  coverage: 100.0% of statements</a:t>
-            </a:r>
-          </a:p>
-          <a:p>
-            <a:pPr marL="0" indent="0" defTabSz="473201">
+              <a:t>BenchmarkMyIntSetAddAll10-4             10000000           134 ns/op</a:t>
+            </a:r>
+          </a:p>
+          <a:p>
+            <a:pPr marL="0" indent="0" defTabSz="408940">
               <a:lnSpc>
                 <a:spcPct val="50000"/>
               </a:lnSpc>
               <a:spcBef>
-                <a:spcPts val="3400"/>
+                <a:spcPts val="2900"/>
               </a:spcBef>
               <a:buSzTx/>
               <a:buNone/>
-              <a:defRPr sz="3200"/>
+              <a:defRPr sz="2800"/>
             </a:pPr>
             <a:r>
-              <a:t>ok      ch01/ex06   0.601s  coverage: 100.0% of statements</a:t>
+              <a:t>BenchmarkMapIntSetAddAll100-4             100000         14568 ns/op</a:t>
+            </a:r>
+          </a:p>
+          <a:p>
+            <a:pPr marL="0" indent="0" defTabSz="408940">
+              <a:lnSpc>
+                <a:spcPct val="50000"/>
+              </a:lnSpc>
+              <a:spcBef>
+                <a:spcPts val="2900"/>
+              </a:spcBef>
+              <a:buSzTx/>
+              <a:buNone/>
+              <a:defRPr sz="2800"/>
+            </a:pPr>
+            <a:r>
+              <a:t>BenchmarkMapIntSetAddAll1000-4             10000        175950 ns/op</a:t>
+            </a:r>
+          </a:p>
+          <a:p>
+            <a:pPr marL="0" indent="0" defTabSz="408940">
+              <a:lnSpc>
+                <a:spcPct val="50000"/>
+              </a:lnSpc>
+              <a:spcBef>
+                <a:spcPts val="2900"/>
+              </a:spcBef>
+              <a:buSzTx/>
+              <a:buNone/>
+              <a:defRPr sz="2800"/>
+            </a:pPr>
+            <a:r>
+              <a:t>BenchmarkMyIntSetAddAll1000-4             200000          8360 ns/op</a:t>
             </a:r>
           </a:p>
         </p:txBody>
       </p:sp>
       <p:pic>
         <p:nvPicPr>
-          <p:cNvPr id="467" name="image5.png"/>
+          <p:cNvPr id="471" name="image5.png"/>
           <p:cNvPicPr>
             <a:picLocks noChangeAspect="1"/>
           </p:cNvPicPr>
@@ -13270,7 +13280,7 @@
         </p:blipFill>
         <p:spPr>
           <a:xfrm>
-            <a:off x="8848838" y="677335"/>
+            <a:off x="9226790" y="591992"/>
             <a:ext cx="1003616" cy="1286687"/>
           </a:xfrm>
           <a:prstGeom prst="rect">
@@ -13316,7 +13326,7 @@
       </p:grpSpPr>
       <p:sp>
         <p:nvSpPr>
-          <p:cNvPr id="469" name="Shape 469"/>
+          <p:cNvPr id="473" name="Shape 473"/>
           <p:cNvSpPr>
             <a:spLocks noGrp="1"/>
           </p:cNvSpPr>
@@ -13334,14 +13344,14 @@
           <a:lstStyle/>
           <a:p>
             <a:r>
-              <a:t>Execute Benchmark</a:t>
-            </a:r>
-          </a:p>
-        </p:txBody>
-      </p:sp>
-      <p:sp>
-        <p:nvSpPr>
-          <p:cNvPr id="470" name="Shape 470"/>
+              <a:t>Single binary</a:t>
+            </a:r>
+          </a:p>
+        </p:txBody>
+      </p:sp>
+      <p:sp>
+        <p:nvSpPr>
+          <p:cNvPr id="474" name="Shape 474"/>
           <p:cNvSpPr>
             <a:spLocks noGrp="1"/>
           </p:cNvSpPr>
@@ -13350,10 +13360,6 @@
           </p:nvPr>
         </p:nvSpPr>
         <p:spPr>
-          <a:xfrm>
-            <a:off x="952500" y="2977652"/>
-            <a:ext cx="11099800" cy="5911257"/>
-          </a:xfrm>
           <a:prstGeom prst="rect">
             <a:avLst/>
           </a:prstGeom>
@@ -13362,180 +13368,17 @@
           <a:bodyPr/>
           <a:lstStyle/>
           <a:p>
-            <a:pPr marL="0" indent="0" defTabSz="408940">
-              <a:lnSpc>
-                <a:spcPct val="50000"/>
-              </a:lnSpc>
-              <a:spcBef>
-                <a:spcPts val="2900"/>
-              </a:spcBef>
-              <a:buSzTx/>
-              <a:buNone/>
-              <a:defRPr sz="2800"/>
-            </a:pPr>
-            <a:r>
-              <a:t>$  go test -bench .</a:t>
-            </a:r>
-          </a:p>
-          <a:p>
-            <a:pPr marL="0" indent="0" defTabSz="408940">
-              <a:lnSpc>
-                <a:spcPct val="50000"/>
-              </a:lnSpc>
-              <a:spcBef>
-                <a:spcPts val="2900"/>
-              </a:spcBef>
-              <a:buSzTx/>
-              <a:buNone/>
-              <a:defRPr sz="2800"/>
-            </a:pPr>
-            <a:r>
-              <a:t>BenchmarkMyIntSetAdd100-4                 200000          6307 ns/op</a:t>
-            </a:r>
-          </a:p>
-          <a:p>
-            <a:pPr marL="0" indent="0" defTabSz="408940">
-              <a:lnSpc>
-                <a:spcPct val="50000"/>
-              </a:lnSpc>
-              <a:spcBef>
-                <a:spcPts val="2900"/>
-              </a:spcBef>
-              <a:buSzTx/>
-              <a:buNone/>
-              <a:defRPr sz="2800"/>
-            </a:pPr>
-            <a:r>
-              <a:t>BenchmarkMapIntSetAdd1000-4                10000        235164 ns/op</a:t>
-            </a:r>
-          </a:p>
-          <a:p>
-            <a:pPr marL="0" indent="0" defTabSz="408940">
-              <a:lnSpc>
-                <a:spcPct val="50000"/>
-              </a:lnSpc>
-              <a:spcBef>
-                <a:spcPts val="2900"/>
-              </a:spcBef>
-              <a:buSzTx/>
-              <a:buNone/>
-              <a:defRPr sz="2800"/>
-            </a:pPr>
-            <a:r>
-              <a:t>BenchmarkMyIntSetAdd1000-4                 20000         64169 ns/op</a:t>
-            </a:r>
-          </a:p>
-          <a:p>
-            <a:pPr marL="0" indent="0" defTabSz="408940">
-              <a:lnSpc>
-                <a:spcPct val="50000"/>
-              </a:lnSpc>
-              <a:spcBef>
-                <a:spcPts val="2900"/>
-              </a:spcBef>
-              <a:buSzTx/>
-              <a:buNone/>
-              <a:defRPr sz="2800"/>
-            </a:pPr>
-            <a:r>
-              <a:t>BenchmarkMapIntSetAddAll10-4             1000000          1253 ns/op</a:t>
-            </a:r>
-          </a:p>
-          <a:p>
-            <a:pPr marL="0" indent="0" defTabSz="408940">
-              <a:lnSpc>
-                <a:spcPct val="50000"/>
-              </a:lnSpc>
-              <a:spcBef>
-                <a:spcPts val="2900"/>
-              </a:spcBef>
-              <a:buSzTx/>
-              <a:buNone/>
-              <a:defRPr sz="2800"/>
-            </a:pPr>
-            <a:r>
-              <a:t>BenchmarkMyIntSetAddAll10-4             10000000           134 ns/op</a:t>
-            </a:r>
-          </a:p>
-          <a:p>
-            <a:pPr marL="0" indent="0" defTabSz="408940">
-              <a:lnSpc>
-                <a:spcPct val="50000"/>
-              </a:lnSpc>
-              <a:spcBef>
-                <a:spcPts val="2900"/>
-              </a:spcBef>
-              <a:buSzTx/>
-              <a:buNone/>
-              <a:defRPr sz="2800"/>
-            </a:pPr>
-            <a:r>
-              <a:t>BenchmarkMapIntSetAddAll100-4             100000         14568 ns/op</a:t>
-            </a:r>
-          </a:p>
-          <a:p>
-            <a:pPr marL="0" indent="0" defTabSz="408940">
-              <a:lnSpc>
-                <a:spcPct val="50000"/>
-              </a:lnSpc>
-              <a:spcBef>
-                <a:spcPts val="2900"/>
-              </a:spcBef>
-              <a:buSzTx/>
-              <a:buNone/>
-              <a:defRPr sz="2800"/>
-            </a:pPr>
-            <a:r>
-              <a:t>BenchmarkMapIntSetAddAll1000-4             10000        175950 ns/op</a:t>
-            </a:r>
-          </a:p>
-          <a:p>
-            <a:pPr marL="0" indent="0" defTabSz="408940">
-              <a:lnSpc>
-                <a:spcPct val="50000"/>
-              </a:lnSpc>
-              <a:spcBef>
-                <a:spcPts val="2900"/>
-              </a:spcBef>
-              <a:buSzTx/>
-              <a:buNone/>
-              <a:defRPr sz="2800"/>
-            </a:pPr>
-            <a:r>
-              <a:t>BenchmarkMyIntSetAddAll1000-4             200000          8360 ns/op</a:t>
-            </a:r>
-          </a:p>
-        </p:txBody>
-      </p:sp>
-      <p:pic>
-        <p:nvPicPr>
-          <p:cNvPr id="471" name="image5.png"/>
-          <p:cNvPicPr>
-            <a:picLocks noChangeAspect="1"/>
-          </p:cNvPicPr>
-          <p:nvPr/>
-        </p:nvPicPr>
-        <p:blipFill>
-          <a:blip r:embed="rId2">
-            <a:extLst/>
-          </a:blip>
-          <a:stretch>
-            <a:fillRect/>
-          </a:stretch>
-        </p:blipFill>
-        <p:spPr>
-          <a:xfrm>
-            <a:off x="9226790" y="591992"/>
-            <a:ext cx="1003616" cy="1286687"/>
-          </a:xfrm>
-          <a:prstGeom prst="rect">
-            <a:avLst/>
-          </a:prstGeom>
-          <a:ln w="12700">
-            <a:miter lim="400000"/>
-          </a:ln>
-        </p:spPr>
-      </p:pic>
+            <a:r>
+              <a:t>Can execute in a single file</a:t>
+            </a:r>
+          </a:p>
+          <a:p>
+            <a:r>
+              <a:t>Do not need other file even if go env.</a:t>
+            </a:r>
+          </a:p>
+        </p:txBody>
+      </p:sp>
     </p:spTree>
   </p:cSld>
   <p:clrMapOvr>
@@ -13571,7 +13414,7 @@
       </p:grpSpPr>
       <p:sp>
         <p:nvSpPr>
-          <p:cNvPr id="473" name="Shape 473"/>
+          <p:cNvPr id="476" name="Shape 476"/>
           <p:cNvSpPr>
             <a:spLocks noGrp="1"/>
           </p:cNvSpPr>
@@ -13589,14 +13432,14 @@
           <a:lstStyle/>
           <a:p>
             <a:r>
-              <a:t>Single binary</a:t>
-            </a:r>
-          </a:p>
-        </p:txBody>
-      </p:sp>
-      <p:sp>
-        <p:nvSpPr>
-          <p:cNvPr id="474" name="Shape 474"/>
+              <a:t>Available a lot of Cloud</a:t>
+            </a:r>
+          </a:p>
+        </p:txBody>
+      </p:sp>
+      <p:sp>
+        <p:nvSpPr>
+          <p:cNvPr id="477" name="Shape 477"/>
           <p:cNvSpPr>
             <a:spLocks noGrp="1"/>
           </p:cNvSpPr>
@@ -13614,12 +13457,22 @@
           <a:lstStyle/>
           <a:p>
             <a:r>
-              <a:t>Can execute in a single file</a:t>
-            </a:r>
-          </a:p>
-          <a:p>
-            <a:r>
-              <a:t>Do not need other file even if go env.</a:t>
+              <a:t>CI : Travis/Circle/Wercker/drone.io/Bamboo</a:t>
+            </a:r>
+          </a:p>
+          <a:p>
+            <a:r>
+              <a:t>Analysis: Codeclimate/Go Report Card</a:t>
+            </a:r>
+          </a:p>
+          <a:p>
+            <a:r>
+              <a:t>Coverage: Coveralls</a:t>
+            </a:r>
+          </a:p>
+          <a:p>
+            <a:r>
+              <a:t>PaaS: AWS/GCP/Azure</a:t>
             </a:r>
           </a:p>
         </p:txBody>
@@ -13659,7 +13512,7 @@
       </p:grpSpPr>
       <p:sp>
         <p:nvSpPr>
-          <p:cNvPr id="476" name="Shape 476"/>
+          <p:cNvPr id="2" name="タイトル 1"/>
           <p:cNvSpPr>
             <a:spLocks noGrp="1"/>
           </p:cNvSpPr>
@@ -13667,24 +13520,22 @@
             <p:ph type="title"/>
           </p:nvPr>
         </p:nvSpPr>
-        <p:spPr>
-          <a:prstGeom prst="rect">
-            <a:avLst/>
-          </a:prstGeom>
-        </p:spPr>
+        <p:spPr/>
         <p:txBody>
           <a:bodyPr/>
           <a:lstStyle/>
           <a:p>
             <a:r>
-              <a:t>Available a lot of Cloud</a:t>
-            </a:r>
-          </a:p>
-        </p:txBody>
-      </p:sp>
-      <p:sp>
-        <p:nvSpPr>
-          <p:cNvPr id="477" name="Shape 477"/>
+              <a:rPr kumimoji="1" lang="en-US" altLang="ja-JP" dirty="0" smtClean="0"/>
+              <a:t>No Technical Debt</a:t>
+            </a:r>
+            <a:endParaRPr kumimoji="1" lang="ja-JP" altLang="en-US" dirty="0"/>
+          </a:p>
+        </p:txBody>
+      </p:sp>
+      <p:sp>
+        <p:nvSpPr>
+          <p:cNvPr id="3" name="テキスト プレースホルダー 2"/>
           <p:cNvSpPr>
             <a:spLocks noGrp="1"/>
           </p:cNvSpPr>
@@ -13692,42 +13543,35 @@
             <p:ph type="body" idx="1"/>
           </p:nvPr>
         </p:nvSpPr>
-        <p:spPr>
-          <a:prstGeom prst="rect">
-            <a:avLst/>
-          </a:prstGeom>
-        </p:spPr>
+        <p:spPr/>
         <p:txBody>
           <a:bodyPr/>
           <a:lstStyle/>
           <a:p>
             <a:r>
-              <a:t>CI : Travis/Circle/Wercker/drone.io/Bamboo</a:t>
-            </a:r>
-          </a:p>
-          <a:p>
-            <a:r>
-              <a:t>Analysis: Codeclimate/Go Report Card</a:t>
-            </a:r>
-          </a:p>
-          <a:p>
-            <a:r>
-              <a:t>Coverage: Coveralls</a:t>
-            </a:r>
-          </a:p>
-          <a:p>
-            <a:r>
-              <a:t>PaaS: AWS/GCP/Azure</a:t>
+              <a:rPr kumimoji="1" lang="en-US" altLang="ja-JP" dirty="0" smtClean="0"/>
+              <a:t>Not exit legacy product (maybe…)</a:t>
+            </a:r>
+          </a:p>
+          <a:p>
+            <a:r>
+              <a:rPr kumimoji="1" lang="en-US" altLang="ja-JP" dirty="0" smtClean="0"/>
+              <a:t>Not exit technical debt in language specification.</a:t>
             </a:r>
           </a:p>
         </p:txBody>
       </p:sp>
     </p:spTree>
+    <p:extLst>
+      <p:ext uri="{BB962C8B-B14F-4D97-AF65-F5344CB8AC3E}">
+        <p14:creationId xmlns:p14="http://schemas.microsoft.com/office/powerpoint/2010/main" val="1032564554"/>
+      </p:ext>
+    </p:extLst>
   </p:cSld>
   <p:clrMapOvr>
     <a:masterClrMapping/>
   </p:clrMapOvr>
-  <p:transition spd="slow"/>
+  <p:transition spd="med"/>
   <p:timing>
     <p:tnLst>
       <p:par>
@@ -13757,7 +13601,7 @@
       </p:grpSpPr>
       <p:sp>
         <p:nvSpPr>
-          <p:cNvPr id="2" name="タイトル 1"/>
+          <p:cNvPr id="479" name="Shape 479"/>
           <p:cNvSpPr>
             <a:spLocks noGrp="1"/>
           </p:cNvSpPr>
@@ -13765,58 +13609,60 @@
             <p:ph type="title"/>
           </p:nvPr>
         </p:nvSpPr>
-        <p:spPr/>
+        <p:spPr>
+          <a:xfrm>
+            <a:off x="1270000" y="909339"/>
+            <a:ext cx="10464800" cy="7934922"/>
+          </a:xfrm>
+          <a:prstGeom prst="rect">
+            <a:avLst/>
+          </a:prstGeom>
+        </p:spPr>
         <p:txBody>
           <a:bodyPr/>
           <a:lstStyle/>
           <a:p>
             <a:r>
-              <a:rPr kumimoji="1" lang="en-US" altLang="ja-JP" dirty="0" smtClean="0"/>
-              <a:t>No Technical Debt</a:t>
-            </a:r>
-            <a:endParaRPr kumimoji="1" lang="ja-JP" altLang="en-US" dirty="0"/>
-          </a:p>
-        </p:txBody>
-      </p:sp>
-      <p:sp>
-        <p:nvSpPr>
-          <p:cNvPr id="3" name="テキスト プレースホルダー 2"/>
-          <p:cNvSpPr>
-            <a:spLocks noGrp="1"/>
-          </p:cNvSpPr>
-          <p:nvPr>
-            <p:ph type="body" idx="1"/>
-          </p:nvPr>
-        </p:nvSpPr>
-        <p:spPr/>
-        <p:txBody>
-          <a:bodyPr/>
-          <a:lstStyle/>
-          <a:p>
-            <a:r>
-              <a:rPr kumimoji="1" lang="en-US" altLang="ja-JP" dirty="0" smtClean="0"/>
-              <a:t>Not exit legacy product (maybe…)</a:t>
-            </a:r>
-          </a:p>
-          <a:p>
-            <a:r>
-              <a:rPr kumimoji="1" lang="en-US" altLang="ja-JP" dirty="0" smtClean="0"/>
-              <a:t>Not exit technical debt in language specification.</a:t>
-            </a:r>
-          </a:p>
-        </p:txBody>
-      </p:sp>
+              <a:t>Do U want to try?</a:t>
+            </a:r>
+          </a:p>
+        </p:txBody>
+      </p:sp>
+      <p:pic>
+        <p:nvPicPr>
+          <p:cNvPr id="480" name="image10.png"/>
+          <p:cNvPicPr>
+            <a:picLocks noChangeAspect="1"/>
+          </p:cNvPicPr>
+          <p:nvPr/>
+        </p:nvPicPr>
+        <p:blipFill>
+          <a:blip r:embed="rId2">
+            <a:extLst/>
+          </a:blip>
+          <a:stretch>
+            <a:fillRect/>
+          </a:stretch>
+        </p:blipFill>
+        <p:spPr>
+          <a:xfrm>
+            <a:off x="3962400" y="1522739"/>
+            <a:ext cx="5080000" cy="2717801"/>
+          </a:xfrm>
+          <a:prstGeom prst="rect">
+            <a:avLst/>
+          </a:prstGeom>
+          <a:ln w="12700">
+            <a:miter lim="400000"/>
+          </a:ln>
+        </p:spPr>
+      </p:pic>
     </p:spTree>
-    <p:extLst>
-      <p:ext uri="{BB962C8B-B14F-4D97-AF65-F5344CB8AC3E}">
-        <p14:creationId xmlns:p14="http://schemas.microsoft.com/office/powerpoint/2010/main" val="1032564554"/>
-      </p:ext>
-    </p:extLst>
   </p:cSld>
   <p:clrMapOvr>
     <a:masterClrMapping/>
   </p:clrMapOvr>
-  <p:transition spd="med"/>
+  <p:transition spd="slow"/>
   <p:timing>
     <p:tnLst>
       <p:par>
@@ -13846,7 +13692,7 @@
       </p:grpSpPr>
       <p:sp>
         <p:nvSpPr>
-          <p:cNvPr id="479" name="Shape 479"/>
+          <p:cNvPr id="482" name="Shape 482"/>
           <p:cNvSpPr>
             <a:spLocks noGrp="1"/>
           </p:cNvSpPr>
@@ -13855,10 +13701,6 @@
           </p:nvPr>
         </p:nvSpPr>
         <p:spPr>
-          <a:xfrm>
-            <a:off x="1270000" y="909339"/>
-            <a:ext cx="10464800" cy="7934922"/>
-          </a:xfrm>
           <a:prstGeom prst="rect">
             <a:avLst/>
           </a:prstGeom>
@@ -13868,21 +13710,79 @@
           <a:lstStyle/>
           <a:p>
             <a:r>
-              <a:t>Do U want to try?</a:t>
+              <a:t>A Tour Of Go</a:t>
+            </a:r>
+          </a:p>
+        </p:txBody>
+      </p:sp>
+      <p:sp>
+        <p:nvSpPr>
+          <p:cNvPr id="483" name="Shape 483"/>
+          <p:cNvSpPr>
+            <a:spLocks noGrp="1"/>
+          </p:cNvSpPr>
+          <p:nvPr>
+            <p:ph type="body" idx="1"/>
+          </p:nvPr>
+        </p:nvSpPr>
+        <p:spPr>
+          <a:prstGeom prst="rect">
+            <a:avLst/>
+          </a:prstGeom>
+        </p:spPr>
+        <p:txBody>
+          <a:bodyPr/>
+          <a:lstStyle>
+            <a:lvl1pPr>
+              <a:defRPr u="sng">
+                <a:solidFill>
+                  <a:srgbClr val="0000FF"/>
+                </a:solidFill>
+                <a:uFill>
+                  <a:solidFill>
+                    <a:srgbClr val="0000FF"/>
+                  </a:solidFill>
+                </a:uFill>
+                <a:hlinkClick r:id="rId2"/>
+              </a:defRPr>
+            </a:lvl1pPr>
+          </a:lstStyle>
+          <a:p>
+            <a:pPr>
+              <a:defRPr>
+                <a:solidFill>
+                  <a:srgbClr val="3E4157"/>
+                </a:solidFill>
+                <a:uFillTx/>
+              </a:defRPr>
+            </a:pPr>
+            <a:r>
+              <a:rPr>
+                <a:solidFill>
+                  <a:srgbClr val="0000FF"/>
+                </a:solidFill>
+                <a:uFill>
+                  <a:solidFill>
+                    <a:srgbClr val="0000FF"/>
+                  </a:solidFill>
+                </a:uFill>
+                <a:hlinkClick r:id="rId2"/>
+              </a:rPr>
+              <a:t>https://go-tour-jp.appspot.com/</a:t>
             </a:r>
           </a:p>
         </p:txBody>
       </p:sp>
       <p:pic>
         <p:nvPicPr>
-          <p:cNvPr id="480" name="image10.png"/>
+          <p:cNvPr id="484" name="image11.png"/>
           <p:cNvPicPr>
             <a:picLocks noChangeAspect="1"/>
           </p:cNvPicPr>
           <p:nvPr/>
         </p:nvPicPr>
         <p:blipFill>
-          <a:blip r:embed="rId2">
+          <a:blip r:embed="rId3">
             <a:extLst/>
           </a:blip>
           <a:stretch>
@@ -13891,8 +13791,8 @@
         </p:blipFill>
         <p:spPr>
           <a:xfrm>
-            <a:off x="3962400" y="1522739"/>
-            <a:ext cx="5080000" cy="2717801"/>
+            <a:off x="1655857" y="3774702"/>
+            <a:ext cx="9693086" cy="4683318"/>
           </a:xfrm>
           <a:prstGeom prst="rect">
             <a:avLst/>
@@ -13937,7 +13837,7 @@
       </p:grpSpPr>
       <p:sp>
         <p:nvSpPr>
-          <p:cNvPr id="482" name="Shape 482"/>
+          <p:cNvPr id="486" name="Shape 486"/>
           <p:cNvSpPr>
             <a:spLocks noGrp="1"/>
           </p:cNvSpPr>
@@ -13955,14 +13855,14 @@
           <a:lstStyle/>
           <a:p>
             <a:r>
-              <a:t>A Tour Of Go</a:t>
-            </a:r>
-          </a:p>
-        </p:txBody>
-      </p:sp>
-      <p:sp>
-        <p:nvSpPr>
-          <p:cNvPr id="483" name="Shape 483"/>
+              <a:t>Programing Language Go</a:t>
+            </a:r>
+          </a:p>
+        </p:txBody>
+      </p:sp>
+      <p:sp>
+        <p:nvSpPr>
+          <p:cNvPr id="487" name="Shape 487"/>
           <p:cNvSpPr>
             <a:spLocks noGrp="1"/>
           </p:cNvSpPr>
@@ -14013,14 +13913,14 @@
                 </a:uFill>
                 <a:hlinkClick r:id="rId2"/>
               </a:rPr>
-              <a:t>https://go-tour-jp.appspot.com/</a:t>
+              <a:t>http://amazon.jp/dp/4621300253</a:t>
             </a:r>
           </a:p>
         </p:txBody>
       </p:sp>
       <p:pic>
         <p:nvPicPr>
-          <p:cNvPr id="484" name="image11.png"/>
+          <p:cNvPr id="488" name="image12.jpeg"/>
           <p:cNvPicPr>
             <a:picLocks noChangeAspect="1"/>
           </p:cNvPicPr>
@@ -14036,8 +13936,37 @@
         </p:blipFill>
         <p:spPr>
           <a:xfrm>
-            <a:off x="1655857" y="3774702"/>
-            <a:ext cx="9693086" cy="4683318"/>
+            <a:off x="8035214" y="3625862"/>
+            <a:ext cx="4901233" cy="6036001"/>
+          </a:xfrm>
+          <a:prstGeom prst="rect">
+            <a:avLst/>
+          </a:prstGeom>
+          <a:ln w="12700">
+            <a:miter lim="400000"/>
+          </a:ln>
+        </p:spPr>
+      </p:pic>
+      <p:pic>
+        <p:nvPicPr>
+          <p:cNvPr id="489" name="pasted-image.png"/>
+          <p:cNvPicPr>
+            <a:picLocks noChangeAspect="1"/>
+          </p:cNvPicPr>
+          <p:nvPr/>
+        </p:nvPicPr>
+        <p:blipFill>
+          <a:blip r:embed="rId4">
+            <a:extLst/>
+          </a:blip>
+          <a:stretch>
+            <a:fillRect/>
+          </a:stretch>
+        </p:blipFill>
+        <p:spPr>
+          <a:xfrm>
+            <a:off x="2704083" y="4736083"/>
+            <a:ext cx="4801617" cy="4801617"/>
           </a:xfrm>
           <a:prstGeom prst="rect">
             <a:avLst/>
@@ -14082,7 +14011,7 @@
       </p:grpSpPr>
       <p:sp>
         <p:nvSpPr>
-          <p:cNvPr id="486" name="Shape 486"/>
+          <p:cNvPr id="491" name="Shape 491"/>
           <p:cNvSpPr>
             <a:spLocks noGrp="1"/>
           </p:cNvSpPr>
@@ -14100,127 +14029,11 @@
           <a:lstStyle/>
           <a:p>
             <a:r>
-              <a:t>Programing Language Go</a:t>
-            </a:r>
-          </a:p>
-        </p:txBody>
-      </p:sp>
-      <p:sp>
-        <p:nvSpPr>
-          <p:cNvPr id="487" name="Shape 487"/>
-          <p:cNvSpPr>
-            <a:spLocks noGrp="1"/>
-          </p:cNvSpPr>
-          <p:nvPr>
-            <p:ph type="body" idx="1"/>
-          </p:nvPr>
-        </p:nvSpPr>
-        <p:spPr>
-          <a:prstGeom prst="rect">
-            <a:avLst/>
-          </a:prstGeom>
-        </p:spPr>
-        <p:txBody>
-          <a:bodyPr/>
-          <a:lstStyle>
-            <a:lvl1pPr>
-              <a:defRPr u="sng">
-                <a:solidFill>
-                  <a:srgbClr val="0000FF"/>
-                </a:solidFill>
-                <a:uFill>
-                  <a:solidFill>
-                    <a:srgbClr val="0000FF"/>
-                  </a:solidFill>
-                </a:uFill>
-                <a:hlinkClick r:id="rId2"/>
-              </a:defRPr>
-            </a:lvl1pPr>
-          </a:lstStyle>
-          <a:p>
-            <a:pPr>
-              <a:defRPr>
-                <a:solidFill>
-                  <a:srgbClr val="3E4157"/>
-                </a:solidFill>
-                <a:uFillTx/>
-              </a:defRPr>
-            </a:pPr>
-            <a:r>
-              <a:rPr>
-                <a:solidFill>
-                  <a:srgbClr val="0000FF"/>
-                </a:solidFill>
-                <a:uFill>
-                  <a:solidFill>
-                    <a:srgbClr val="0000FF"/>
-                  </a:solidFill>
-                </a:uFill>
-                <a:hlinkClick r:id="rId2"/>
-              </a:rPr>
-              <a:t>http://amazon.jp/dp/4621300253</a:t>
-            </a:r>
-          </a:p>
-        </p:txBody>
-      </p:sp>
-      <p:pic>
-        <p:nvPicPr>
-          <p:cNvPr id="488" name="image12.jpeg"/>
-          <p:cNvPicPr>
-            <a:picLocks noChangeAspect="1"/>
-          </p:cNvPicPr>
-          <p:nvPr/>
-        </p:nvPicPr>
-        <p:blipFill>
-          <a:blip r:embed="rId3">
-            <a:extLst/>
-          </a:blip>
-          <a:stretch>
-            <a:fillRect/>
-          </a:stretch>
-        </p:blipFill>
-        <p:spPr>
-          <a:xfrm>
-            <a:off x="8035214" y="3625862"/>
-            <a:ext cx="4901233" cy="6036001"/>
-          </a:xfrm>
-          <a:prstGeom prst="rect">
-            <a:avLst/>
-          </a:prstGeom>
-          <a:ln w="12700">
-            <a:miter lim="400000"/>
-          </a:ln>
-        </p:spPr>
-      </p:pic>
-      <p:pic>
-        <p:nvPicPr>
-          <p:cNvPr id="489" name="pasted-image.png"/>
-          <p:cNvPicPr>
-            <a:picLocks noChangeAspect="1"/>
-          </p:cNvPicPr>
-          <p:nvPr/>
-        </p:nvPicPr>
-        <p:blipFill>
-          <a:blip r:embed="rId4">
-            <a:extLst/>
-          </a:blip>
-          <a:stretch>
-            <a:fillRect/>
-          </a:stretch>
-        </p:blipFill>
-        <p:spPr>
-          <a:xfrm>
-            <a:off x="2704083" y="4736083"/>
-            <a:ext cx="4801617" cy="4801617"/>
-          </a:xfrm>
-          <a:prstGeom prst="rect">
-            <a:avLst/>
-          </a:prstGeom>
-          <a:ln w="12700">
-            <a:miter lim="400000"/>
-          </a:ln>
-        </p:spPr>
-      </p:pic>
+              <a:t>Thank U for Listening</a:t>
+            </a:r>
+          </a:p>
+        </p:txBody>
+      </p:sp>
     </p:spTree>
   </p:cSld>
   <p:clrMapOvr>
@@ -14238,64 +14051,6 @@
 </file>
 
 <file path=ppt/slides/slide38.xml><?xml version="1.0" encoding="utf-8"?>
-<p:sld xmlns:a="http://schemas.openxmlformats.org/drawingml/2006/main" xmlns:r="http://schemas.openxmlformats.org/officeDocument/2006/relationships" xmlns:p="http://schemas.openxmlformats.org/presentationml/2006/main">
-  <p:cSld>
-    <p:spTree>
-      <p:nvGrpSpPr>
-        <p:cNvPr id="1" name=""/>
-        <p:cNvGrpSpPr/>
-        <p:nvPr/>
-      </p:nvGrpSpPr>
-      <p:grpSpPr>
-        <a:xfrm>
-          <a:off x="0" y="0"/>
-          <a:ext cx="0" cy="0"/>
-          <a:chOff x="0" y="0"/>
-          <a:chExt cx="0" cy="0"/>
-        </a:xfrm>
-      </p:grpSpPr>
-      <p:sp>
-        <p:nvSpPr>
-          <p:cNvPr id="491" name="Shape 491"/>
-          <p:cNvSpPr>
-            <a:spLocks noGrp="1"/>
-          </p:cNvSpPr>
-          <p:nvPr>
-            <p:ph type="title"/>
-          </p:nvPr>
-        </p:nvSpPr>
-        <p:spPr>
-          <a:prstGeom prst="rect">
-            <a:avLst/>
-          </a:prstGeom>
-        </p:spPr>
-        <p:txBody>
-          <a:bodyPr/>
-          <a:lstStyle/>
-          <a:p>
-            <a:r>
-              <a:t>Thank U for Listening</a:t>
-            </a:r>
-          </a:p>
-        </p:txBody>
-      </p:sp>
-    </p:spTree>
-  </p:cSld>
-  <p:clrMapOvr>
-    <a:masterClrMapping/>
-  </p:clrMapOvr>
-  <p:transition spd="slow"/>
-  <p:timing>
-    <p:tnLst>
-      <p:par>
-        <p:cTn id="1" dur="indefinite" restart="never" nodeType="tmRoot"/>
-      </p:par>
-    </p:tnLst>
-  </p:timing>
-</p:sld>
-</file>
-
-<file path=ppt/slides/slide39.xml><?xml version="1.0" encoding="utf-8"?>
 <p:sld xmlns:a="http://schemas.openxmlformats.org/drawingml/2006/main" xmlns:r="http://schemas.openxmlformats.org/officeDocument/2006/relationships" xmlns:p="http://schemas.openxmlformats.org/presentationml/2006/main">
   <p:cSld>
     <p:spTree>
@@ -14416,7 +14171,7 @@
       </p:grpSpPr>
       <p:sp>
         <p:nvSpPr>
-          <p:cNvPr id="390" name="Shape 390"/>
+          <p:cNvPr id="405" name="Shape 405"/>
           <p:cNvSpPr>
             <a:spLocks noGrp="1"/>
           </p:cNvSpPr>
@@ -14425,10 +14180,6 @@
           </p:nvPr>
         </p:nvSpPr>
         <p:spPr>
-          <a:xfrm>
-            <a:off x="765810" y="444500"/>
-            <a:ext cx="11473180" cy="2159000"/>
-          </a:xfrm>
           <a:prstGeom prst="rect">
             <a:avLst/>
           </a:prstGeom>
@@ -14438,20 +14189,15 @@
           <a:lstStyle/>
           <a:p>
             <a:r>
-              <a:rPr lang="en-US" dirty="0" smtClean="0"/>
-              <a:t>Programming Language Go</a:t>
-            </a:r>
-            <a:r>
-              <a:rPr dirty="0" smtClean="0"/>
-              <a:t> </a:t>
-            </a:r>
-            <a:endParaRPr dirty="0"/>
-          </a:p>
-        </p:txBody>
-      </p:sp>
-      <p:sp>
-        <p:nvSpPr>
-          <p:cNvPr id="391" name="Shape 391"/>
+              <a:rPr dirty="0"/>
+              <a:t>Radical Simplicity</a:t>
+            </a:r>
+          </a:p>
+        </p:txBody>
+      </p:sp>
+      <p:sp>
+        <p:nvSpPr>
+          <p:cNvPr id="406" name="Shape 406"/>
           <p:cNvSpPr>
             <a:spLocks noGrp="1"/>
           </p:cNvSpPr>
@@ -14473,32 +14219,34 @@
           <a:lstStyle/>
           <a:p>
             <a:r>
-              <a:rPr lang="en-US" dirty="0" smtClean="0"/>
-              <a:t>From </a:t>
-            </a:r>
-            <a:r>
-              <a:rPr dirty="0" smtClean="0"/>
-              <a:t>2009-</a:t>
-            </a:r>
-            <a:endParaRPr dirty="0"/>
-          </a:p>
-          <a:p>
-            <a:r>
-              <a:rPr dirty="0"/>
-              <a:t>Launched by Google</a:t>
-            </a:r>
-          </a:p>
-          <a:p>
-            <a:r>
-              <a:rPr dirty="0"/>
-              <a:t>“C for the 21st century.”</a:t>
+              <a:t>Garbage collection</a:t>
+            </a:r>
+          </a:p>
+          <a:p>
+            <a:r>
+              <a:t>Package system</a:t>
+            </a:r>
+          </a:p>
+          <a:p>
+            <a:r>
+              <a:t>Pointer</a:t>
+            </a:r>
+          </a:p>
+          <a:p>
+            <a:r>
+              <a:t>Never use Class</a:t>
+            </a:r>
+          </a:p>
+          <a:p>
+            <a:r>
+              <a:t>goroutine etc…</a:t>
             </a:r>
           </a:p>
         </p:txBody>
       </p:sp>
       <p:pic>
         <p:nvPicPr>
-          <p:cNvPr id="5" name="image4.png"/>
+          <p:cNvPr id="407" name="image5.png"/>
           <p:cNvPicPr>
             <a:picLocks noChangeAspect="1"/>
           </p:cNvPicPr>
@@ -14514,8 +14262,8 @@
         </p:blipFill>
         <p:spPr>
           <a:xfrm>
-            <a:off x="5858046" y="4098404"/>
-            <a:ext cx="5655197" cy="5655196"/>
+            <a:off x="8312390" y="591992"/>
+            <a:ext cx="1003616" cy="1286687"/>
           </a:xfrm>
           <a:prstGeom prst="rect">
             <a:avLst/>
@@ -14560,7 +14308,7 @@
       </p:grpSpPr>
       <p:sp>
         <p:nvSpPr>
-          <p:cNvPr id="405" name="Shape 405"/>
+          <p:cNvPr id="381" name="Shape 381"/>
           <p:cNvSpPr>
             <a:spLocks noGrp="1"/>
           </p:cNvSpPr>
@@ -14569,6 +14317,10 @@
           </p:nvPr>
         </p:nvSpPr>
         <p:spPr>
+          <a:xfrm>
+            <a:off x="1270000" y="909339"/>
+            <a:ext cx="10464800" cy="7934922"/>
+          </a:xfrm>
           <a:prstGeom prst="rect">
             <a:avLst/>
           </a:prstGeom>
@@ -14578,91 +14330,30 @@
           <a:lstStyle/>
           <a:p>
             <a:r>
-              <a:rPr dirty="0"/>
-              <a:t>Radical Simplicity</a:t>
-            </a:r>
-          </a:p>
-        </p:txBody>
-      </p:sp>
-      <p:sp>
-        <p:nvSpPr>
-          <p:cNvPr id="406" name="Shape 406"/>
-          <p:cNvSpPr>
-            <a:spLocks noGrp="1"/>
-          </p:cNvSpPr>
-          <p:nvPr>
-            <p:ph type="body" idx="1"/>
-          </p:nvPr>
-        </p:nvSpPr>
-        <p:spPr>
-          <a:xfrm>
-            <a:off x="952500" y="2977652"/>
-            <a:ext cx="11099800" cy="5911257"/>
-          </a:xfrm>
-          <a:prstGeom prst="rect">
-            <a:avLst/>
-          </a:prstGeom>
-        </p:spPr>
-        <p:txBody>
-          <a:bodyPr/>
-          <a:lstStyle/>
-          <a:p>
-            <a:r>
-              <a:t>Garbage collection</a:t>
-            </a:r>
-          </a:p>
-          <a:p>
-            <a:r>
-              <a:t>Package system</a:t>
-            </a:r>
-          </a:p>
-          <a:p>
-            <a:r>
-              <a:t>Pointer</a:t>
-            </a:r>
-          </a:p>
-          <a:p>
-            <a:r>
-              <a:t>Never use Class</a:t>
-            </a:r>
-          </a:p>
-          <a:p>
-            <a:r>
-              <a:t>goroutine etc…</a:t>
-            </a:r>
-          </a:p>
-        </p:txBody>
-      </p:sp>
-      <p:pic>
-        <p:nvPicPr>
-          <p:cNvPr id="407" name="image5.png"/>
-          <p:cNvPicPr>
-            <a:picLocks noChangeAspect="1"/>
-          </p:cNvPicPr>
-          <p:nvPr/>
-        </p:nvPicPr>
-        <p:blipFill>
-          <a:blip r:embed="rId2">
-            <a:extLst/>
-          </a:blip>
-          <a:stretch>
-            <a:fillRect/>
-          </a:stretch>
-        </p:blipFill>
-        <p:spPr>
-          <a:xfrm>
-            <a:off x="8312390" y="591992"/>
-            <a:ext cx="1003616" cy="1286687"/>
-          </a:xfrm>
-          <a:prstGeom prst="rect">
-            <a:avLst/>
-          </a:prstGeom>
-          <a:ln w="12700">
-            <a:miter lim="400000"/>
-          </a:ln>
-        </p:spPr>
-      </p:pic>
+              <a:rPr lang="en-US" dirty="0" smtClean="0"/>
+              <a:t>Comparison</a:t>
+            </a:r>
+            <a:br>
+              <a:rPr lang="en-US" dirty="0" smtClean="0"/>
+            </a:br>
+            <a:r>
+              <a:rPr lang="en-US" dirty="0" err="1" smtClean="0"/>
+              <a:t>Golang</a:t>
+            </a:r>
+            <a:r>
+              <a:rPr lang="en-US" dirty="0" smtClean="0"/>
+              <a:t> and C# </a:t>
+            </a:r>
+            <a:endParaRPr dirty="0"/>
+          </a:p>
+        </p:txBody>
+      </p:sp>
     </p:spTree>
+    <p:extLst>
+      <p:ext uri="{BB962C8B-B14F-4D97-AF65-F5344CB8AC3E}">
+        <p14:creationId xmlns:p14="http://schemas.microsoft.com/office/powerpoint/2010/main" val="4250063011"/>
+      </p:ext>
+    </p:extLst>
   </p:cSld>
   <p:clrMapOvr>
     <a:masterClrMapping/>
@@ -14697,7 +14388,7 @@
       </p:grpSpPr>
       <p:sp>
         <p:nvSpPr>
-          <p:cNvPr id="381" name="Shape 381"/>
+          <p:cNvPr id="2" name="タイトル 1"/>
           <p:cNvSpPr>
             <a:spLocks noGrp="1"/>
           </p:cNvSpPr>
@@ -14705,49 +14396,83 @@
             <p:ph type="title"/>
           </p:nvPr>
         </p:nvSpPr>
-        <p:spPr>
-          <a:xfrm>
-            <a:off x="1270000" y="909339"/>
-            <a:ext cx="10464800" cy="7934922"/>
-          </a:xfrm>
-          <a:prstGeom prst="rect">
-            <a:avLst/>
-          </a:prstGeom>
-        </p:spPr>
+        <p:spPr/>
         <p:txBody>
           <a:bodyPr/>
           <a:lstStyle/>
           <a:p>
             <a:r>
-              <a:rPr lang="en-US" dirty="0" smtClean="0"/>
-              <a:t>Comparison</a:t>
-            </a:r>
-            <a:br>
-              <a:rPr lang="en-US" dirty="0" smtClean="0"/>
-            </a:br>
-            <a:r>
-              <a:rPr lang="en-US" dirty="0" err="1" smtClean="0"/>
+              <a:rPr kumimoji="1" lang="en-US" altLang="ja-JP" dirty="0" smtClean="0"/>
+              <a:t>Birth </a:t>
+            </a:r>
+            <a:r>
+              <a:rPr kumimoji="1" lang="en-US" altLang="ja-JP" smtClean="0"/>
+              <a:t>&amp; Provider</a:t>
+            </a:r>
+            <a:endParaRPr kumimoji="1" lang="ja-JP" altLang="en-US" dirty="0"/>
+          </a:p>
+        </p:txBody>
+      </p:sp>
+      <p:sp>
+        <p:nvSpPr>
+          <p:cNvPr id="3" name="テキスト プレースホルダー 2"/>
+          <p:cNvSpPr>
+            <a:spLocks noGrp="1"/>
+          </p:cNvSpPr>
+          <p:nvPr>
+            <p:ph type="body" idx="1"/>
+          </p:nvPr>
+        </p:nvSpPr>
+        <p:spPr/>
+        <p:txBody>
+          <a:bodyPr>
+            <a:normAutofit/>
+          </a:bodyPr>
+          <a:lstStyle/>
+          <a:p>
+            <a:pPr marL="0" indent="0" algn="ctr">
+              <a:buNone/>
+            </a:pPr>
+            <a:r>
+              <a:rPr kumimoji="1" lang="en-US" altLang="ja-JP" sz="5400" dirty="0" err="1" smtClean="0"/>
               <a:t>Golang</a:t>
             </a:r>
             <a:r>
-              <a:rPr lang="en-US" dirty="0" smtClean="0"/>
-              <a:t> and C# </a:t>
-            </a:r>
-            <a:endParaRPr dirty="0"/>
+              <a:rPr kumimoji="1" lang="en-US" altLang="ja-JP" sz="5400" dirty="0" smtClean="0"/>
+              <a:t> : from 2009 by Google</a:t>
+            </a:r>
+          </a:p>
+          <a:p>
+            <a:pPr marL="0" indent="0" algn="ctr">
+              <a:buNone/>
+            </a:pPr>
+            <a:r>
+              <a:rPr kumimoji="1" lang="en-US" altLang="ja-JP" sz="5400" dirty="0" smtClean="0"/>
+              <a:t>C# : from </a:t>
+            </a:r>
+            <a:r>
+              <a:rPr kumimoji="1" lang="en-US" altLang="ja-JP" sz="5400" dirty="0" smtClean="0"/>
+              <a:t>2000 by </a:t>
+            </a:r>
+            <a:r>
+              <a:rPr kumimoji="1" lang="en-US" altLang="ja-JP" sz="5400" dirty="0" smtClean="0"/>
+              <a:t>Microsoft</a:t>
+            </a:r>
+            <a:endParaRPr kumimoji="1" lang="ja-JP" altLang="en-US" sz="5400" dirty="0"/>
           </a:p>
         </p:txBody>
       </p:sp>
     </p:spTree>
     <p:extLst>
       <p:ext uri="{BB962C8B-B14F-4D97-AF65-F5344CB8AC3E}">
-        <p14:creationId xmlns:p14="http://schemas.microsoft.com/office/powerpoint/2010/main" val="4250063011"/>
+        <p14:creationId xmlns:p14="http://schemas.microsoft.com/office/powerpoint/2010/main" val="1410202411"/>
       </p:ext>
     </p:extLst>
   </p:cSld>
   <p:clrMapOvr>
     <a:masterClrMapping/>
   </p:clrMapOvr>
-  <p:transition spd="slow"/>
+  <p:transition spd="med"/>
   <p:timing>
     <p:tnLst>
       <p:par>
@@ -14792,7 +14517,7 @@
           <a:p>
             <a:r>
               <a:rPr kumimoji="1" lang="en-US" altLang="ja-JP" dirty="0" smtClean="0"/>
-              <a:t>Birth</a:t>
+              <a:t>Platform</a:t>
             </a:r>
             <a:endParaRPr kumimoji="1" lang="ja-JP" altLang="en-US" dirty="0"/>
           </a:p>
@@ -14824,7 +14549,7 @@
             </a:r>
             <a:r>
               <a:rPr kumimoji="1" lang="en-US" altLang="ja-JP" sz="5400" dirty="0" smtClean="0"/>
-              <a:t> : from 2009 by Google</a:t>
+              <a:t> : Any OS</a:t>
             </a:r>
           </a:p>
           <a:p>
@@ -14833,16 +14558,15 @@
             </a:pPr>
             <a:r>
               <a:rPr kumimoji="1" lang="en-US" altLang="ja-JP" sz="5400" dirty="0" smtClean="0"/>
-              <a:t>C# : from 2011by Microsoft</a:t>
-            </a:r>
-            <a:endParaRPr kumimoji="1" lang="ja-JP" altLang="en-US" sz="5400" dirty="0"/>
+              <a:t>C# : Any OS(Full spec on Windows)</a:t>
+            </a:r>
           </a:p>
         </p:txBody>
       </p:sp>
     </p:spTree>
     <p:extLst>
       <p:ext uri="{BB962C8B-B14F-4D97-AF65-F5344CB8AC3E}">
-        <p14:creationId xmlns:p14="http://schemas.microsoft.com/office/powerpoint/2010/main" val="1410202411"/>
+        <p14:creationId xmlns:p14="http://schemas.microsoft.com/office/powerpoint/2010/main" val="1099633120"/>
       </p:ext>
     </p:extLst>
   </p:cSld>
@@ -14894,7 +14618,7 @@
           <a:p>
             <a:r>
               <a:rPr kumimoji="1" lang="en-US" altLang="ja-JP" dirty="0" smtClean="0"/>
-              <a:t>Platform</a:t>
+              <a:t>Roots</a:t>
             </a:r>
             <a:endParaRPr kumimoji="1" lang="ja-JP" altLang="en-US" dirty="0"/>
           </a:p>
@@ -14926,7 +14650,7 @@
             </a:r>
             <a:r>
               <a:rPr kumimoji="1" lang="en-US" altLang="ja-JP" sz="5400" dirty="0" smtClean="0"/>
-              <a:t> : Any OS</a:t>
+              <a:t> : Clang, CSP, and Pascal</a:t>
             </a:r>
           </a:p>
           <a:p>
@@ -14935,15 +14659,16 @@
             </a:pPr>
             <a:r>
               <a:rPr kumimoji="1" lang="en-US" altLang="ja-JP" sz="5400" dirty="0" smtClean="0"/>
-              <a:t>C# : Any OS(Full spec on Windows)</a:t>
-            </a:r>
+              <a:t>C# : C++, Delphi, and Java</a:t>
+            </a:r>
+            <a:endParaRPr kumimoji="1" lang="ja-JP" altLang="en-US" sz="5400" dirty="0"/>
           </a:p>
         </p:txBody>
       </p:sp>
     </p:spTree>
     <p:extLst>
       <p:ext uri="{BB962C8B-B14F-4D97-AF65-F5344CB8AC3E}">
-        <p14:creationId xmlns:p14="http://schemas.microsoft.com/office/powerpoint/2010/main" val="1099633120"/>
+        <p14:creationId xmlns:p14="http://schemas.microsoft.com/office/powerpoint/2010/main" val="1069529290"/>
       </p:ext>
     </p:extLst>
   </p:cSld>
@@ -14995,7 +14720,7 @@
           <a:p>
             <a:r>
               <a:rPr kumimoji="1" lang="en-US" altLang="ja-JP" dirty="0" smtClean="0"/>
-              <a:t>Roots</a:t>
+              <a:t>Developers Platform</a:t>
             </a:r>
             <a:endParaRPr kumimoji="1" lang="ja-JP" altLang="en-US" dirty="0"/>
           </a:p>
@@ -15027,7 +14752,15 @@
             </a:r>
             <a:r>
               <a:rPr kumimoji="1" lang="en-US" altLang="ja-JP" sz="5400" dirty="0" smtClean="0"/>
-              <a:t> : Clang, CSP, and Pascal</a:t>
+              <a:t> : Linux, </a:t>
+            </a:r>
+            <a:r>
+              <a:rPr kumimoji="1" lang="en-US" altLang="ja-JP" sz="5400" dirty="0" err="1" smtClean="0"/>
+              <a:t>MacOS</a:t>
+            </a:r>
+            <a:r>
+              <a:rPr kumimoji="1" lang="en-US" altLang="ja-JP" sz="5400" dirty="0" smtClean="0"/>
+              <a:t>, Windows</a:t>
             </a:r>
           </a:p>
           <a:p>
@@ -15035,17 +14768,16 @@
               <a:buNone/>
             </a:pPr>
             <a:r>
-              <a:rPr kumimoji="1" lang="en-US" altLang="ja-JP" sz="5400" dirty="0" smtClean="0"/>
-              <a:t>C# : C++, Delphi, and Java</a:t>
-            </a:r>
-            <a:endParaRPr kumimoji="1" lang="ja-JP" altLang="en-US" sz="5400" dirty="0"/>
+              <a:rPr kumimoji="1" lang="en-US" altLang="ja-JP" sz="5400" dirty="0"/>
+              <a:t>C# : Any OS(Full spec on Windows)</a:t>
+            </a:r>
           </a:p>
         </p:txBody>
       </p:sp>
     </p:spTree>
     <p:extLst>
       <p:ext uri="{BB962C8B-B14F-4D97-AF65-F5344CB8AC3E}">
-        <p14:creationId xmlns:p14="http://schemas.microsoft.com/office/powerpoint/2010/main" val="1069529290"/>
+        <p14:creationId xmlns:p14="http://schemas.microsoft.com/office/powerpoint/2010/main" val="2279360649"/>
       </p:ext>
     </p:extLst>
   </p:cSld>
